--- a/PresentazioneOfficial.pptx
+++ b/PresentazioneOfficial.pptx
@@ -7,6 +7,12 @@
   <p:sldIdLst>
     <p:sldId id="256" r:id="rId2"/>
     <p:sldId id="257" r:id="rId3"/>
+    <p:sldId id="258" r:id="rId4"/>
+    <p:sldId id="260" r:id="rId5"/>
+    <p:sldId id="261" r:id="rId6"/>
+    <p:sldId id="262" r:id="rId7"/>
+    <p:sldId id="263" r:id="rId8"/>
+    <p:sldId id="264" r:id="rId9"/>
   </p:sldIdLst>
   <p:sldSz cx="12192000" cy="6858000"/>
   <p:notesSz cx="6858000" cy="9144000"/>
@@ -105,6 +111,11 @@
       </a:defRPr>
     </a:lvl9pPr>
   </p:defaultTextStyle>
+  <p:extLst>
+    <p:ext uri="{EFAFB233-063F-42B5-8137-9DF3F51BA10A}">
+      <p15:sldGuideLst xmlns:p15="http://schemas.microsoft.com/office/powerpoint/2012/main"/>
+    </p:ext>
+  </p:extLst>
 </p:presentation>
 </file>
 
@@ -300,7 +311,7 @@
             <a:fld id="{B61BEF0D-F0BB-DE4B-95CE-6DB70DBA9567}" type="datetimeFigureOut">
               <a:rPr lang="en-US" dirty="0"/>
               <a:pPr/>
-              <a:t>1/17/2024</a:t>
+              <a:t>1/18/2024</a:t>
             </a:fld>
             <a:endParaRPr lang="en-US" dirty="0"/>
           </a:p>
@@ -733,7 +744,7 @@
             <a:fld id="{B61BEF0D-F0BB-DE4B-95CE-6DB70DBA9567}" type="datetimeFigureOut">
               <a:rPr lang="en-US" dirty="0"/>
               <a:pPr/>
-              <a:t>1/17/2024</a:t>
+              <a:t>1/18/2024</a:t>
             </a:fld>
             <a:endParaRPr lang="en-US" dirty="0"/>
           </a:p>
@@ -980,7 +991,7 @@
             <a:fld id="{B61BEF0D-F0BB-DE4B-95CE-6DB70DBA9567}" type="datetimeFigureOut">
               <a:rPr lang="en-US" dirty="0"/>
               <a:pPr/>
-              <a:t>1/17/2024</a:t>
+              <a:t>1/18/2024</a:t>
             </a:fld>
             <a:endParaRPr lang="en-US" dirty="0"/>
           </a:p>
@@ -1285,7 +1296,7 @@
             <a:fld id="{B61BEF0D-F0BB-DE4B-95CE-6DB70DBA9567}" type="datetimeFigureOut">
               <a:rPr lang="en-US" dirty="0"/>
               <a:pPr/>
-              <a:t>1/17/2024</a:t>
+              <a:t>1/18/2024</a:t>
             </a:fld>
             <a:endParaRPr lang="en-US" dirty="0"/>
           </a:p>
@@ -1600,7 +1611,7 @@
             <a:fld id="{B61BEF0D-F0BB-DE4B-95CE-6DB70DBA9567}" type="datetimeFigureOut">
               <a:rPr lang="en-US" dirty="0"/>
               <a:pPr/>
-              <a:t>1/17/2024</a:t>
+              <a:t>1/18/2024</a:t>
             </a:fld>
             <a:endParaRPr lang="en-US" dirty="0"/>
           </a:p>
@@ -1899,7 +1910,7 @@
             <a:fld id="{B61BEF0D-F0BB-DE4B-95CE-6DB70DBA9567}" type="datetimeFigureOut">
               <a:rPr lang="en-US" dirty="0"/>
               <a:pPr/>
-              <a:t>1/17/2024</a:t>
+              <a:t>1/18/2024</a:t>
             </a:fld>
             <a:endParaRPr lang="en-US" dirty="0"/>
           </a:p>
@@ -2263,7 +2274,7 @@
             <a:fld id="{B61BEF0D-F0BB-DE4B-95CE-6DB70DBA9567}" type="datetimeFigureOut">
               <a:rPr lang="en-US" dirty="0"/>
               <a:pPr/>
-              <a:t>1/17/2024</a:t>
+              <a:t>1/18/2024</a:t>
             </a:fld>
             <a:endParaRPr lang="en-US" dirty="0"/>
           </a:p>
@@ -2434,7 +2445,7 @@
             <a:fld id="{B61BEF0D-F0BB-DE4B-95CE-6DB70DBA9567}" type="datetimeFigureOut">
               <a:rPr lang="en-US" dirty="0"/>
               <a:pPr/>
-              <a:t>1/17/2024</a:t>
+              <a:t>1/18/2024</a:t>
             </a:fld>
             <a:endParaRPr lang="en-US" dirty="0"/>
           </a:p>
@@ -2611,7 +2622,7 @@
             <a:fld id="{B61BEF0D-F0BB-DE4B-95CE-6DB70DBA9567}" type="datetimeFigureOut">
               <a:rPr lang="en-US" dirty="0"/>
               <a:pPr/>
-              <a:t>1/17/2024</a:t>
+              <a:t>1/18/2024</a:t>
             </a:fld>
             <a:endParaRPr lang="en-US" dirty="0"/>
           </a:p>
@@ -2778,7 +2789,7 @@
             <a:fld id="{B61BEF0D-F0BB-DE4B-95CE-6DB70DBA9567}" type="datetimeFigureOut">
               <a:rPr lang="en-US" dirty="0"/>
               <a:pPr/>
-              <a:t>1/17/2024</a:t>
+              <a:t>1/18/2024</a:t>
             </a:fld>
             <a:endParaRPr lang="en-US" dirty="0"/>
           </a:p>
@@ -3025,7 +3036,7 @@
             <a:fld id="{B61BEF0D-F0BB-DE4B-95CE-6DB70DBA9567}" type="datetimeFigureOut">
               <a:rPr lang="en-US" dirty="0"/>
               <a:pPr/>
-              <a:t>1/17/2024</a:t>
+              <a:t>1/18/2024</a:t>
             </a:fld>
             <a:endParaRPr lang="en-US" dirty="0"/>
           </a:p>
@@ -3258,7 +3269,7 @@
             <a:fld id="{B61BEF0D-F0BB-DE4B-95CE-6DB70DBA9567}" type="datetimeFigureOut">
               <a:rPr lang="en-US" dirty="0"/>
               <a:pPr/>
-              <a:t>1/17/2024</a:t>
+              <a:t>1/18/2024</a:t>
             </a:fld>
             <a:endParaRPr lang="en-US" dirty="0"/>
           </a:p>
@@ -3637,7 +3648,7 @@
             <a:fld id="{B61BEF0D-F0BB-DE4B-95CE-6DB70DBA9567}" type="datetimeFigureOut">
               <a:rPr lang="en-US" dirty="0"/>
               <a:pPr/>
-              <a:t>1/17/2024</a:t>
+              <a:t>1/18/2024</a:t>
             </a:fld>
             <a:endParaRPr lang="en-US" dirty="0"/>
           </a:p>
@@ -3752,7 +3763,7 @@
             <a:fld id="{B61BEF0D-F0BB-DE4B-95CE-6DB70DBA9567}" type="datetimeFigureOut">
               <a:rPr lang="en-US" dirty="0"/>
               <a:pPr/>
-              <a:t>1/17/2024</a:t>
+              <a:t>1/18/2024</a:t>
             </a:fld>
             <a:endParaRPr lang="en-US" dirty="0"/>
           </a:p>
@@ -3844,7 +3855,7 @@
             <a:fld id="{B61BEF0D-F0BB-DE4B-95CE-6DB70DBA9567}" type="datetimeFigureOut">
               <a:rPr lang="en-US" dirty="0"/>
               <a:pPr/>
-              <a:t>1/17/2024</a:t>
+              <a:t>1/18/2024</a:t>
             </a:fld>
             <a:endParaRPr lang="en-US" dirty="0"/>
           </a:p>
@@ -4096,7 +4107,7 @@
             <a:fld id="{B61BEF0D-F0BB-DE4B-95CE-6DB70DBA9567}" type="datetimeFigureOut">
               <a:rPr lang="en-US" dirty="0"/>
               <a:pPr/>
-              <a:t>1/17/2024</a:t>
+              <a:t>1/18/2024</a:t>
             </a:fld>
             <a:endParaRPr lang="en-US" dirty="0"/>
           </a:p>
@@ -4376,7 +4387,7 @@
             <a:fld id="{B61BEF0D-F0BB-DE4B-95CE-6DB70DBA9567}" type="datetimeFigureOut">
               <a:rPr lang="en-US" dirty="0"/>
               <a:pPr/>
-              <a:t>1/17/2024</a:t>
+              <a:t>1/18/2024</a:t>
             </a:fld>
             <a:endParaRPr lang="en-US" dirty="0"/>
           </a:p>
@@ -4779,7 +4790,7 @@
             <a:fld id="{B61BEF0D-F0BB-DE4B-95CE-6DB70DBA9567}" type="datetimeFigureOut">
               <a:rPr lang="en-US" dirty="0"/>
               <a:pPr/>
-              <a:t>1/17/2024</a:t>
+              <a:t>1/18/2024</a:t>
             </a:fld>
             <a:endParaRPr lang="en-US" dirty="0"/>
           </a:p>
@@ -5557,6 +5568,849 @@
 </p:sld>
 </file>
 
+<file path=ppt/slides/slide3.xml><?xml version="1.0" encoding="utf-8"?>
+<p:sld xmlns:a="http://schemas.openxmlformats.org/drawingml/2006/main" xmlns:r="http://schemas.openxmlformats.org/officeDocument/2006/relationships" xmlns:p="http://schemas.openxmlformats.org/presentationml/2006/main">
+  <p:cSld>
+    <p:spTree>
+      <p:nvGrpSpPr>
+        <p:cNvPr id="1" name=""/>
+        <p:cNvGrpSpPr/>
+        <p:nvPr/>
+      </p:nvGrpSpPr>
+      <p:grpSpPr>
+        <a:xfrm>
+          <a:off x="0" y="0"/>
+          <a:ext cx="0" cy="0"/>
+          <a:chOff x="0" y="0"/>
+          <a:chExt cx="0" cy="0"/>
+        </a:xfrm>
+      </p:grpSpPr>
+      <p:pic>
+        <p:nvPicPr>
+          <p:cNvPr id="4" name="Segnaposto contenuto 3"/>
+          <p:cNvPicPr>
+            <a:picLocks noGrp="1" noChangeAspect="1"/>
+          </p:cNvPicPr>
+          <p:nvPr>
+            <p:ph idx="1"/>
+          </p:nvPr>
+        </p:nvPicPr>
+        <p:blipFill>
+          <a:blip r:embed="rId2">
+            <a:extLst>
+              <a:ext uri="{28A0092B-C50C-407E-A947-70E740481C1C}">
+                <a14:useLocalDpi xmlns:a14="http://schemas.microsoft.com/office/drawing/2010/main" val="0"/>
+              </a:ext>
+            </a:extLst>
+          </a:blip>
+          <a:stretch>
+            <a:fillRect/>
+          </a:stretch>
+        </p:blipFill>
+        <p:spPr>
+          <a:xfrm>
+            <a:off x="5152294" y="837431"/>
+            <a:ext cx="6655494" cy="5232181"/>
+          </a:xfrm>
+        </p:spPr>
+      </p:pic>
+      <p:sp>
+        <p:nvSpPr>
+          <p:cNvPr id="5" name="CasellaDiTesto 4"/>
+          <p:cNvSpPr txBox="1"/>
+          <p:nvPr/>
+        </p:nvSpPr>
+        <p:spPr>
+          <a:xfrm>
+            <a:off x="685800" y="1419955"/>
+            <a:ext cx="3780692" cy="4154984"/>
+          </a:xfrm>
+          <a:prstGeom prst="rect">
+            <a:avLst/>
+          </a:prstGeom>
+          <a:noFill/>
+        </p:spPr>
+        <p:txBody>
+          <a:bodyPr wrap="square" rtlCol="0">
+            <a:spAutoFit/>
+          </a:bodyPr>
+          <a:lstStyle/>
+          <a:p>
+            <a:r>
+              <a:rPr lang="it-IT" sz="2400" dirty="0" smtClean="0"/>
+              <a:t>Stato di scelta dei dadi</a:t>
+            </a:r>
+          </a:p>
+          <a:p>
+            <a:endParaRPr lang="it-IT" sz="2400" dirty="0" smtClean="0"/>
+          </a:p>
+          <a:p>
+            <a:endParaRPr lang="it-IT" sz="2400" dirty="0"/>
+          </a:p>
+          <a:p>
+            <a:pPr marL="285750" indent="-285750">
+              <a:buFont typeface="Arial" panose="020B0604020202020204" pitchFamily="34" charset="0"/>
+              <a:buChar char="•"/>
+            </a:pPr>
+            <a:r>
+              <a:rPr lang="it-IT" sz="2400" dirty="0" smtClean="0"/>
+              <a:t>Inclinazione della scheda verso destra per incrementare  </a:t>
+            </a:r>
+            <a:endParaRPr lang="it-IT" sz="2400" dirty="0"/>
+          </a:p>
+          <a:p>
+            <a:endParaRPr lang="it-IT" sz="2400" dirty="0" smtClean="0"/>
+          </a:p>
+          <a:p>
+            <a:endParaRPr lang="it-IT" sz="2400" dirty="0" smtClean="0"/>
+          </a:p>
+          <a:p>
+            <a:pPr marL="285750" indent="-285750">
+              <a:buFont typeface="Arial" panose="020B0604020202020204" pitchFamily="34" charset="0"/>
+              <a:buChar char="•"/>
+            </a:pPr>
+            <a:r>
+              <a:rPr lang="it-IT" sz="2400" dirty="0" smtClean="0"/>
+              <a:t>Inclinazione della scheda verso sinistra per decrementare</a:t>
+            </a:r>
+            <a:endParaRPr lang="it-IT" sz="2400" dirty="0"/>
+          </a:p>
+        </p:txBody>
+      </p:sp>
+      <p:sp>
+        <p:nvSpPr>
+          <p:cNvPr id="6" name="Rettangolo 5"/>
+          <p:cNvSpPr/>
+          <p:nvPr/>
+        </p:nvSpPr>
+        <p:spPr>
+          <a:xfrm>
+            <a:off x="305332" y="606599"/>
+            <a:ext cx="4541628" cy="461665"/>
+          </a:xfrm>
+          <a:prstGeom prst="rect">
+            <a:avLst/>
+          </a:prstGeom>
+        </p:spPr>
+        <p:txBody>
+          <a:bodyPr wrap="none">
+            <a:spAutoFit/>
+          </a:bodyPr>
+          <a:lstStyle/>
+          <a:p>
+            <a:r>
+              <a:rPr lang="it-IT" sz="2400" b="1" dirty="0"/>
+              <a:t>Generatore di numeri casuali</a:t>
+            </a:r>
+          </a:p>
+        </p:txBody>
+      </p:sp>
+    </p:spTree>
+    <p:extLst>
+      <p:ext uri="{BB962C8B-B14F-4D97-AF65-F5344CB8AC3E}">
+        <p14:creationId xmlns:p14="http://schemas.microsoft.com/office/powerpoint/2010/main" val="3422363178"/>
+      </p:ext>
+    </p:extLst>
+  </p:cSld>
+  <p:clrMapOvr>
+    <a:masterClrMapping/>
+  </p:clrMapOvr>
+</p:sld>
+</file>
+
+<file path=ppt/slides/slide4.xml><?xml version="1.0" encoding="utf-8"?>
+<p:sld xmlns:a="http://schemas.openxmlformats.org/drawingml/2006/main" xmlns:r="http://schemas.openxmlformats.org/officeDocument/2006/relationships" xmlns:p="http://schemas.openxmlformats.org/presentationml/2006/main">
+  <p:cSld>
+    <p:spTree>
+      <p:nvGrpSpPr>
+        <p:cNvPr id="1" name=""/>
+        <p:cNvGrpSpPr/>
+        <p:nvPr/>
+      </p:nvGrpSpPr>
+      <p:grpSpPr>
+        <a:xfrm>
+          <a:off x="0" y="0"/>
+          <a:ext cx="0" cy="0"/>
+          <a:chOff x="0" y="0"/>
+          <a:chExt cx="0" cy="0"/>
+        </a:xfrm>
+      </p:grpSpPr>
+      <p:sp>
+        <p:nvSpPr>
+          <p:cNvPr id="5" name="CasellaDiTesto 4"/>
+          <p:cNvSpPr txBox="1"/>
+          <p:nvPr/>
+        </p:nvSpPr>
+        <p:spPr>
+          <a:xfrm>
+            <a:off x="685800" y="1480915"/>
+            <a:ext cx="4035669" cy="4524315"/>
+          </a:xfrm>
+          <a:prstGeom prst="rect">
+            <a:avLst/>
+          </a:prstGeom>
+          <a:noFill/>
+        </p:spPr>
+        <p:txBody>
+          <a:bodyPr wrap="square" rtlCol="0">
+            <a:spAutoFit/>
+          </a:bodyPr>
+          <a:lstStyle/>
+          <a:p>
+            <a:r>
+              <a:rPr lang="it-IT" sz="2400" dirty="0" smtClean="0"/>
+              <a:t>Stato di lancio dei dadi</a:t>
+            </a:r>
+          </a:p>
+          <a:p>
+            <a:endParaRPr lang="it-IT" sz="2400" dirty="0" smtClean="0"/>
+          </a:p>
+          <a:p>
+            <a:endParaRPr lang="it-IT" sz="2400" dirty="0" smtClean="0"/>
+          </a:p>
+          <a:p>
+            <a:pPr marL="342900" indent="-342900">
+              <a:buFont typeface="Arial" panose="020B0604020202020204" pitchFamily="34" charset="0"/>
+              <a:buChar char="•"/>
+            </a:pPr>
+            <a:r>
+              <a:rPr lang="it-IT" sz="2400" dirty="0" smtClean="0"/>
+              <a:t>Movimento </a:t>
+            </a:r>
+            <a:r>
+              <a:rPr lang="it-IT" sz="2400" dirty="0" smtClean="0"/>
+              <a:t>della </a:t>
+            </a:r>
+            <a:r>
+              <a:rPr lang="it-IT" sz="2400" dirty="0" smtClean="0"/>
+              <a:t>scheda per confermare il lancio </a:t>
+            </a:r>
+            <a:endParaRPr lang="it-IT" sz="2400" dirty="0"/>
+          </a:p>
+          <a:p>
+            <a:endParaRPr lang="it-IT" sz="2400" dirty="0" smtClean="0"/>
+          </a:p>
+          <a:p>
+            <a:endParaRPr lang="it-IT" sz="2400" dirty="0" smtClean="0"/>
+          </a:p>
+          <a:p>
+            <a:pPr marL="342900" indent="-342900">
+              <a:buFont typeface="Arial" panose="020B0604020202020204" pitchFamily="34" charset="0"/>
+              <a:buChar char="•"/>
+            </a:pPr>
+            <a:r>
+              <a:rPr lang="it-IT" sz="2400" dirty="0" smtClean="0"/>
+              <a:t>Visualizzazione del risultato</a:t>
+            </a:r>
+            <a:endParaRPr lang="it-IT" sz="2400" dirty="0"/>
+          </a:p>
+          <a:p>
+            <a:endParaRPr lang="it-IT" sz="2400" dirty="0" smtClean="0"/>
+          </a:p>
+          <a:p>
+            <a:endParaRPr lang="it-IT" sz="2400" dirty="0" smtClean="0"/>
+          </a:p>
+        </p:txBody>
+      </p:sp>
+      <p:sp>
+        <p:nvSpPr>
+          <p:cNvPr id="6" name="Rettangolo 5"/>
+          <p:cNvSpPr/>
+          <p:nvPr/>
+        </p:nvSpPr>
+        <p:spPr>
+          <a:xfrm>
+            <a:off x="305332" y="606599"/>
+            <a:ext cx="4541628" cy="461665"/>
+          </a:xfrm>
+          <a:prstGeom prst="rect">
+            <a:avLst/>
+          </a:prstGeom>
+        </p:spPr>
+        <p:txBody>
+          <a:bodyPr wrap="none">
+            <a:spAutoFit/>
+          </a:bodyPr>
+          <a:lstStyle/>
+          <a:p>
+            <a:r>
+              <a:rPr lang="it-IT" sz="2400" b="1" dirty="0"/>
+              <a:t>Generatore di numeri casuali</a:t>
+            </a:r>
+          </a:p>
+        </p:txBody>
+      </p:sp>
+      <p:pic>
+        <p:nvPicPr>
+          <p:cNvPr id="3" name="Segnaposto contenuto 2"/>
+          <p:cNvPicPr>
+            <a:picLocks noGrp="1" noChangeAspect="1"/>
+          </p:cNvPicPr>
+          <p:nvPr>
+            <p:ph idx="1"/>
+          </p:nvPr>
+        </p:nvPicPr>
+        <p:blipFill>
+          <a:blip r:embed="rId2">
+            <a:extLst>
+              <a:ext uri="{28A0092B-C50C-407E-A947-70E740481C1C}">
+                <a14:useLocalDpi xmlns:a14="http://schemas.microsoft.com/office/drawing/2010/main" val="0"/>
+              </a:ext>
+            </a:extLst>
+          </a:blip>
+          <a:stretch>
+            <a:fillRect/>
+          </a:stretch>
+        </p:blipFill>
+        <p:spPr>
+          <a:xfrm>
+            <a:off x="5110480" y="837431"/>
+            <a:ext cx="6675122" cy="5187449"/>
+          </a:xfrm>
+        </p:spPr>
+      </p:pic>
+    </p:spTree>
+    <p:extLst>
+      <p:ext uri="{BB962C8B-B14F-4D97-AF65-F5344CB8AC3E}">
+        <p14:creationId xmlns:p14="http://schemas.microsoft.com/office/powerpoint/2010/main" val="4243019645"/>
+      </p:ext>
+    </p:extLst>
+  </p:cSld>
+  <p:clrMapOvr>
+    <a:masterClrMapping/>
+  </p:clrMapOvr>
+</p:sld>
+</file>
+
+<file path=ppt/slides/slide5.xml><?xml version="1.0" encoding="utf-8"?>
+<p:sld xmlns:a="http://schemas.openxmlformats.org/drawingml/2006/main" xmlns:r="http://schemas.openxmlformats.org/officeDocument/2006/relationships" xmlns:p="http://schemas.openxmlformats.org/presentationml/2006/main">
+  <p:cSld>
+    <p:spTree>
+      <p:nvGrpSpPr>
+        <p:cNvPr id="1" name=""/>
+        <p:cNvGrpSpPr/>
+        <p:nvPr/>
+      </p:nvGrpSpPr>
+      <p:grpSpPr>
+        <a:xfrm>
+          <a:off x="0" y="0"/>
+          <a:ext cx="0" cy="0"/>
+          <a:chOff x="0" y="0"/>
+          <a:chExt cx="0" cy="0"/>
+        </a:xfrm>
+      </p:grpSpPr>
+      <p:sp>
+        <p:nvSpPr>
+          <p:cNvPr id="4" name="Rettangolo 3"/>
+          <p:cNvSpPr/>
+          <p:nvPr/>
+        </p:nvSpPr>
+        <p:spPr>
+          <a:xfrm>
+            <a:off x="283339" y="454967"/>
+            <a:ext cx="4541628" cy="461665"/>
+          </a:xfrm>
+          <a:prstGeom prst="rect">
+            <a:avLst/>
+          </a:prstGeom>
+        </p:spPr>
+        <p:txBody>
+          <a:bodyPr wrap="none">
+            <a:spAutoFit/>
+          </a:bodyPr>
+          <a:lstStyle/>
+          <a:p>
+            <a:r>
+              <a:rPr lang="it-IT" sz="2400" b="1" dirty="0"/>
+              <a:t>Generatore di numeri casuali</a:t>
+            </a:r>
+            <a:endParaRPr lang="it-IT" sz="2400" b="1" dirty="0"/>
+          </a:p>
+        </p:txBody>
+      </p:sp>
+      <p:pic>
+        <p:nvPicPr>
+          <p:cNvPr id="5" name="Immagine 4"/>
+          <p:cNvPicPr>
+            <a:picLocks noChangeAspect="1"/>
+          </p:cNvPicPr>
+          <p:nvPr/>
+        </p:nvPicPr>
+        <p:blipFill>
+          <a:blip r:embed="rId2">
+            <a:extLst>
+              <a:ext uri="{28A0092B-C50C-407E-A947-70E740481C1C}">
+                <a14:useLocalDpi xmlns:a14="http://schemas.microsoft.com/office/drawing/2010/main" val="0"/>
+              </a:ext>
+            </a:extLst>
+          </a:blip>
+          <a:stretch>
+            <a:fillRect/>
+          </a:stretch>
+        </p:blipFill>
+        <p:spPr>
+          <a:xfrm>
+            <a:off x="5008182" y="685800"/>
+            <a:ext cx="6896343" cy="5435370"/>
+          </a:xfrm>
+          <a:prstGeom prst="rect">
+            <a:avLst/>
+          </a:prstGeom>
+        </p:spPr>
+      </p:pic>
+      <p:sp>
+        <p:nvSpPr>
+          <p:cNvPr id="6" name="Ovale 5"/>
+          <p:cNvSpPr/>
+          <p:nvPr/>
+        </p:nvSpPr>
+        <p:spPr>
+          <a:xfrm>
+            <a:off x="9979269" y="3763108"/>
+            <a:ext cx="1028701" cy="404446"/>
+          </a:xfrm>
+          <a:prstGeom prst="ellipse">
+            <a:avLst/>
+          </a:prstGeom>
+          <a:noFill/>
+          <a:ln>
+            <a:solidFill>
+              <a:srgbClr val="FF0000"/>
+            </a:solidFill>
+          </a:ln>
+        </p:spPr>
+        <p:style>
+          <a:lnRef idx="2">
+            <a:schemeClr val="accent1">
+              <a:shade val="50000"/>
+            </a:schemeClr>
+          </a:lnRef>
+          <a:fillRef idx="1">
+            <a:schemeClr val="accent1"/>
+          </a:fillRef>
+          <a:effectRef idx="0">
+            <a:schemeClr val="accent1"/>
+          </a:effectRef>
+          <a:fontRef idx="minor">
+            <a:schemeClr val="lt1"/>
+          </a:fontRef>
+        </p:style>
+        <p:txBody>
+          <a:bodyPr rtlCol="0" anchor="ctr"/>
+          <a:lstStyle/>
+          <a:p>
+            <a:pPr algn="ctr"/>
+            <a:endParaRPr lang="it-IT"/>
+          </a:p>
+        </p:txBody>
+      </p:sp>
+      <p:sp>
+        <p:nvSpPr>
+          <p:cNvPr id="7" name="Ovale 6"/>
+          <p:cNvSpPr/>
+          <p:nvPr/>
+        </p:nvSpPr>
+        <p:spPr>
+          <a:xfrm>
+            <a:off x="7447085" y="5020408"/>
+            <a:ext cx="1899138" cy="747346"/>
+          </a:xfrm>
+          <a:prstGeom prst="ellipse">
+            <a:avLst/>
+          </a:prstGeom>
+          <a:noFill/>
+          <a:ln>
+            <a:solidFill>
+              <a:srgbClr val="FF0000"/>
+            </a:solidFill>
+          </a:ln>
+        </p:spPr>
+        <p:style>
+          <a:lnRef idx="2">
+            <a:schemeClr val="accent1">
+              <a:shade val="50000"/>
+            </a:schemeClr>
+          </a:lnRef>
+          <a:fillRef idx="1">
+            <a:schemeClr val="accent1"/>
+          </a:fillRef>
+          <a:effectRef idx="0">
+            <a:schemeClr val="accent1"/>
+          </a:effectRef>
+          <a:fontRef idx="minor">
+            <a:schemeClr val="lt1"/>
+          </a:fontRef>
+        </p:style>
+        <p:txBody>
+          <a:bodyPr rtlCol="0" anchor="ctr"/>
+          <a:lstStyle/>
+          <a:p>
+            <a:pPr algn="ctr"/>
+            <a:endParaRPr lang="it-IT"/>
+          </a:p>
+        </p:txBody>
+      </p:sp>
+      <p:cxnSp>
+        <p:nvCxnSpPr>
+          <p:cNvPr id="9" name="Connettore 2 8"/>
+          <p:cNvCxnSpPr/>
+          <p:nvPr/>
+        </p:nvCxnSpPr>
+        <p:spPr>
+          <a:xfrm>
+            <a:off x="6814038" y="4747846"/>
+            <a:ext cx="633047" cy="501162"/>
+          </a:xfrm>
+          <a:prstGeom prst="straightConnector1">
+            <a:avLst/>
+          </a:prstGeom>
+          <a:ln>
+            <a:solidFill>
+              <a:srgbClr val="FF0000">
+                <a:alpha val="60000"/>
+              </a:srgbClr>
+            </a:solidFill>
+            <a:tailEnd type="triangle"/>
+          </a:ln>
+        </p:spPr>
+        <p:style>
+          <a:lnRef idx="1">
+            <a:schemeClr val="accent1"/>
+          </a:lnRef>
+          <a:fillRef idx="0">
+            <a:schemeClr val="accent1"/>
+          </a:fillRef>
+          <a:effectRef idx="0">
+            <a:schemeClr val="accent1"/>
+          </a:effectRef>
+          <a:fontRef idx="minor">
+            <a:schemeClr val="tx1"/>
+          </a:fontRef>
+        </p:style>
+      </p:cxnSp>
+      <p:cxnSp>
+        <p:nvCxnSpPr>
+          <p:cNvPr id="11" name="Connettore 2 10"/>
+          <p:cNvCxnSpPr/>
+          <p:nvPr/>
+        </p:nvCxnSpPr>
+        <p:spPr>
+          <a:xfrm>
+            <a:off x="9829800" y="3403485"/>
+            <a:ext cx="298938" cy="359623"/>
+          </a:xfrm>
+          <a:prstGeom prst="straightConnector1">
+            <a:avLst/>
+          </a:prstGeom>
+          <a:ln>
+            <a:solidFill>
+              <a:srgbClr val="FF0000">
+                <a:alpha val="60000"/>
+              </a:srgbClr>
+            </a:solidFill>
+            <a:tailEnd type="triangle"/>
+          </a:ln>
+        </p:spPr>
+        <p:style>
+          <a:lnRef idx="1">
+            <a:schemeClr val="accent1"/>
+          </a:lnRef>
+          <a:fillRef idx="0">
+            <a:schemeClr val="accent1"/>
+          </a:fillRef>
+          <a:effectRef idx="0">
+            <a:schemeClr val="accent1"/>
+          </a:effectRef>
+          <a:fontRef idx="minor">
+            <a:schemeClr val="tx1"/>
+          </a:fontRef>
+        </p:style>
+      </p:cxnSp>
+      <p:sp>
+        <p:nvSpPr>
+          <p:cNvPr id="13" name="Rettangolo 12"/>
+          <p:cNvSpPr/>
+          <p:nvPr/>
+        </p:nvSpPr>
+        <p:spPr>
+          <a:xfrm>
+            <a:off x="371903" y="1832688"/>
+            <a:ext cx="3969389" cy="3416320"/>
+          </a:xfrm>
+          <a:prstGeom prst="rect">
+            <a:avLst/>
+          </a:prstGeom>
+        </p:spPr>
+        <p:txBody>
+          <a:bodyPr wrap="square">
+            <a:spAutoFit/>
+          </a:bodyPr>
+          <a:lstStyle/>
+          <a:p>
+            <a:pPr marL="285750" indent="-285750">
+              <a:buFont typeface="Arial" panose="020B0604020202020204" pitchFamily="34" charset="0"/>
+              <a:buChar char="•"/>
+            </a:pPr>
+            <a:r>
+              <a:rPr lang="it-IT" sz="2400" dirty="0" smtClean="0"/>
+              <a:t>Bottone per cambiare lo stato del sistema (comunicazione uplink) </a:t>
+            </a:r>
+          </a:p>
+          <a:p>
+            <a:endParaRPr lang="it-IT" sz="2400" dirty="0" smtClean="0"/>
+          </a:p>
+          <a:p>
+            <a:endParaRPr lang="it-IT" sz="2400" dirty="0" smtClean="0"/>
+          </a:p>
+          <a:p>
+            <a:pPr marL="285750" indent="-285750">
+              <a:buFont typeface="Arial" panose="020B0604020202020204" pitchFamily="34" charset="0"/>
+              <a:buChar char="•"/>
+            </a:pPr>
+            <a:endParaRPr lang="it-IT" sz="2400" dirty="0"/>
+          </a:p>
+          <a:p>
+            <a:pPr marL="285750" indent="-285750">
+              <a:buFont typeface="Arial" panose="020B0604020202020204" pitchFamily="34" charset="0"/>
+              <a:buChar char="•"/>
+            </a:pPr>
+            <a:r>
+              <a:rPr lang="it-IT" sz="2400" dirty="0" smtClean="0"/>
+              <a:t>Bottone per resettare il sistema e ripristinare le condizioni iniziali</a:t>
+            </a:r>
+            <a:endParaRPr lang="it-IT" sz="2400" dirty="0"/>
+          </a:p>
+        </p:txBody>
+      </p:sp>
+    </p:spTree>
+    <p:extLst>
+      <p:ext uri="{BB962C8B-B14F-4D97-AF65-F5344CB8AC3E}">
+        <p14:creationId xmlns:p14="http://schemas.microsoft.com/office/powerpoint/2010/main" val="635380967"/>
+      </p:ext>
+    </p:extLst>
+  </p:cSld>
+  <p:clrMapOvr>
+    <a:masterClrMapping/>
+  </p:clrMapOvr>
+</p:sld>
+</file>
+
+<file path=ppt/slides/slide6.xml><?xml version="1.0" encoding="utf-8"?>
+<p:sld xmlns:a="http://schemas.openxmlformats.org/drawingml/2006/main" xmlns:r="http://schemas.openxmlformats.org/officeDocument/2006/relationships" xmlns:p="http://schemas.openxmlformats.org/presentationml/2006/main">
+  <p:cSld>
+    <p:spTree>
+      <p:nvGrpSpPr>
+        <p:cNvPr id="1" name=""/>
+        <p:cNvGrpSpPr/>
+        <p:nvPr/>
+      </p:nvGrpSpPr>
+      <p:grpSpPr>
+        <a:xfrm>
+          <a:off x="0" y="0"/>
+          <a:ext cx="0" cy="0"/>
+          <a:chOff x="0" y="0"/>
+          <a:chExt cx="0" cy="0"/>
+        </a:xfrm>
+      </p:grpSpPr>
+      <p:sp>
+        <p:nvSpPr>
+          <p:cNvPr id="2" name="Titolo 1"/>
+          <p:cNvSpPr>
+            <a:spLocks noGrp="1"/>
+          </p:cNvSpPr>
+          <p:nvPr>
+            <p:ph type="title"/>
+          </p:nvPr>
+        </p:nvSpPr>
+        <p:spPr/>
+        <p:txBody>
+          <a:bodyPr/>
+          <a:lstStyle/>
+          <a:p>
+            <a:endParaRPr lang="it-IT"/>
+          </a:p>
+        </p:txBody>
+      </p:sp>
+      <p:sp>
+        <p:nvSpPr>
+          <p:cNvPr id="3" name="Segnaposto contenuto 2"/>
+          <p:cNvSpPr>
+            <a:spLocks noGrp="1"/>
+          </p:cNvSpPr>
+          <p:nvPr>
+            <p:ph idx="1"/>
+          </p:nvPr>
+        </p:nvSpPr>
+        <p:spPr/>
+        <p:txBody>
+          <a:bodyPr/>
+          <a:lstStyle/>
+          <a:p>
+            <a:r>
+              <a:rPr lang="it-IT" dirty="0" smtClean="0"/>
+              <a:t>Slide per la macchina a stati</a:t>
+            </a:r>
+            <a:endParaRPr lang="it-IT" dirty="0"/>
+          </a:p>
+        </p:txBody>
+      </p:sp>
+    </p:spTree>
+    <p:extLst>
+      <p:ext uri="{BB962C8B-B14F-4D97-AF65-F5344CB8AC3E}">
+        <p14:creationId xmlns:p14="http://schemas.microsoft.com/office/powerpoint/2010/main" val="2045395592"/>
+      </p:ext>
+    </p:extLst>
+  </p:cSld>
+  <p:clrMapOvr>
+    <a:masterClrMapping/>
+  </p:clrMapOvr>
+</p:sld>
+</file>
+
+<file path=ppt/slides/slide7.xml><?xml version="1.0" encoding="utf-8"?>
+<p:sld xmlns:a="http://schemas.openxmlformats.org/drawingml/2006/main" xmlns:r="http://schemas.openxmlformats.org/officeDocument/2006/relationships" xmlns:p="http://schemas.openxmlformats.org/presentationml/2006/main">
+  <p:cSld>
+    <p:spTree>
+      <p:nvGrpSpPr>
+        <p:cNvPr id="1" name=""/>
+        <p:cNvGrpSpPr/>
+        <p:nvPr/>
+      </p:nvGrpSpPr>
+      <p:grpSpPr>
+        <a:xfrm>
+          <a:off x="0" y="0"/>
+          <a:ext cx="0" cy="0"/>
+          <a:chOff x="0" y="0"/>
+          <a:chExt cx="0" cy="0"/>
+        </a:xfrm>
+      </p:grpSpPr>
+      <p:sp>
+        <p:nvSpPr>
+          <p:cNvPr id="2" name="Titolo 1"/>
+          <p:cNvSpPr>
+            <a:spLocks noGrp="1"/>
+          </p:cNvSpPr>
+          <p:nvPr>
+            <p:ph type="title"/>
+          </p:nvPr>
+        </p:nvSpPr>
+        <p:spPr/>
+        <p:txBody>
+          <a:bodyPr/>
+          <a:lstStyle/>
+          <a:p>
+            <a:endParaRPr lang="it-IT"/>
+          </a:p>
+        </p:txBody>
+      </p:sp>
+      <p:sp>
+        <p:nvSpPr>
+          <p:cNvPr id="3" name="Segnaposto contenuto 2"/>
+          <p:cNvSpPr>
+            <a:spLocks noGrp="1"/>
+          </p:cNvSpPr>
+          <p:nvPr>
+            <p:ph idx="1"/>
+          </p:nvPr>
+        </p:nvSpPr>
+        <p:spPr/>
+        <p:txBody>
+          <a:bodyPr/>
+          <a:lstStyle/>
+          <a:p>
+            <a:r>
+              <a:rPr lang="it-IT" dirty="0" smtClean="0"/>
+              <a:t>Slide per modifiche del buffer (?)</a:t>
+            </a:r>
+            <a:endParaRPr lang="it-IT" dirty="0"/>
+          </a:p>
+        </p:txBody>
+      </p:sp>
+    </p:spTree>
+    <p:extLst>
+      <p:ext uri="{BB962C8B-B14F-4D97-AF65-F5344CB8AC3E}">
+        <p14:creationId xmlns:p14="http://schemas.microsoft.com/office/powerpoint/2010/main" val="1640581264"/>
+      </p:ext>
+    </p:extLst>
+  </p:cSld>
+  <p:clrMapOvr>
+    <a:masterClrMapping/>
+  </p:clrMapOvr>
+</p:sld>
+</file>
+
+<file path=ppt/slides/slide8.xml><?xml version="1.0" encoding="utf-8"?>
+<p:sld xmlns:a="http://schemas.openxmlformats.org/drawingml/2006/main" xmlns:r="http://schemas.openxmlformats.org/officeDocument/2006/relationships" xmlns:p="http://schemas.openxmlformats.org/presentationml/2006/main">
+  <p:cSld>
+    <p:spTree>
+      <p:nvGrpSpPr>
+        <p:cNvPr id="1" name=""/>
+        <p:cNvGrpSpPr/>
+        <p:nvPr/>
+      </p:nvGrpSpPr>
+      <p:grpSpPr>
+        <a:xfrm>
+          <a:off x="0" y="0"/>
+          <a:ext cx="0" cy="0"/>
+          <a:chOff x="0" y="0"/>
+          <a:chExt cx="0" cy="0"/>
+        </a:xfrm>
+      </p:grpSpPr>
+      <p:sp>
+        <p:nvSpPr>
+          <p:cNvPr id="2" name="Titolo 1"/>
+          <p:cNvSpPr>
+            <a:spLocks noGrp="1"/>
+          </p:cNvSpPr>
+          <p:nvPr>
+            <p:ph type="title"/>
+          </p:nvPr>
+        </p:nvSpPr>
+        <p:spPr/>
+        <p:txBody>
+          <a:bodyPr/>
+          <a:lstStyle/>
+          <a:p>
+            <a:endParaRPr lang="it-IT"/>
+          </a:p>
+        </p:txBody>
+      </p:sp>
+      <p:sp>
+        <p:nvSpPr>
+          <p:cNvPr id="3" name="Segnaposto contenuto 2"/>
+          <p:cNvSpPr>
+            <a:spLocks noGrp="1"/>
+          </p:cNvSpPr>
+          <p:nvPr>
+            <p:ph idx="1"/>
+          </p:nvPr>
+        </p:nvSpPr>
+        <p:spPr/>
+        <p:txBody>
+          <a:bodyPr/>
+          <a:lstStyle/>
+          <a:p>
+            <a:r>
+              <a:rPr lang="it-IT" dirty="0" smtClean="0"/>
+              <a:t>Ringraziamenti e crediti</a:t>
+            </a:r>
+            <a:endParaRPr lang="it-IT" dirty="0"/>
+          </a:p>
+        </p:txBody>
+      </p:sp>
+    </p:spTree>
+    <p:extLst>
+      <p:ext uri="{BB962C8B-B14F-4D97-AF65-F5344CB8AC3E}">
+        <p14:creationId xmlns:p14="http://schemas.microsoft.com/office/powerpoint/2010/main" val="457155859"/>
+      </p:ext>
+    </p:extLst>
+  </p:cSld>
+  <p:clrMapOvr>
+    <a:masterClrMapping/>
+  </p:clrMapOvr>
+</p:sld>
+</file>
+
 <file path=ppt/theme/theme1.xml><?xml version="1.0" encoding="utf-8"?>
 <a:theme xmlns:a="http://schemas.openxmlformats.org/drawingml/2006/main" name="Sezione">
   <a:themeElements>

--- a/PresentazioneOfficial.pptx
+++ b/PresentazioneOfficial.pptx
@@ -311,7 +311,7 @@
             <a:fld id="{B61BEF0D-F0BB-DE4B-95CE-6DB70DBA9567}" type="datetimeFigureOut">
               <a:rPr lang="en-US" dirty="0"/>
               <a:pPr/>
-              <a:t>1/18/2024</a:t>
+              <a:t>1/21/2024</a:t>
             </a:fld>
             <a:endParaRPr lang="en-US" dirty="0"/>
           </a:p>
@@ -744,7 +744,7 @@
             <a:fld id="{B61BEF0D-F0BB-DE4B-95CE-6DB70DBA9567}" type="datetimeFigureOut">
               <a:rPr lang="en-US" dirty="0"/>
               <a:pPr/>
-              <a:t>1/18/2024</a:t>
+              <a:t>1/21/2024</a:t>
             </a:fld>
             <a:endParaRPr lang="en-US" dirty="0"/>
           </a:p>
@@ -991,7 +991,7 @@
             <a:fld id="{B61BEF0D-F0BB-DE4B-95CE-6DB70DBA9567}" type="datetimeFigureOut">
               <a:rPr lang="en-US" dirty="0"/>
               <a:pPr/>
-              <a:t>1/18/2024</a:t>
+              <a:t>1/21/2024</a:t>
             </a:fld>
             <a:endParaRPr lang="en-US" dirty="0"/>
           </a:p>
@@ -1296,7 +1296,7 @@
             <a:fld id="{B61BEF0D-F0BB-DE4B-95CE-6DB70DBA9567}" type="datetimeFigureOut">
               <a:rPr lang="en-US" dirty="0"/>
               <a:pPr/>
-              <a:t>1/18/2024</a:t>
+              <a:t>1/21/2024</a:t>
             </a:fld>
             <a:endParaRPr lang="en-US" dirty="0"/>
           </a:p>
@@ -1611,7 +1611,7 @@
             <a:fld id="{B61BEF0D-F0BB-DE4B-95CE-6DB70DBA9567}" type="datetimeFigureOut">
               <a:rPr lang="en-US" dirty="0"/>
               <a:pPr/>
-              <a:t>1/18/2024</a:t>
+              <a:t>1/21/2024</a:t>
             </a:fld>
             <a:endParaRPr lang="en-US" dirty="0"/>
           </a:p>
@@ -1910,7 +1910,7 @@
             <a:fld id="{B61BEF0D-F0BB-DE4B-95CE-6DB70DBA9567}" type="datetimeFigureOut">
               <a:rPr lang="en-US" dirty="0"/>
               <a:pPr/>
-              <a:t>1/18/2024</a:t>
+              <a:t>1/21/2024</a:t>
             </a:fld>
             <a:endParaRPr lang="en-US" dirty="0"/>
           </a:p>
@@ -2274,7 +2274,7 @@
             <a:fld id="{B61BEF0D-F0BB-DE4B-95CE-6DB70DBA9567}" type="datetimeFigureOut">
               <a:rPr lang="en-US" dirty="0"/>
               <a:pPr/>
-              <a:t>1/18/2024</a:t>
+              <a:t>1/21/2024</a:t>
             </a:fld>
             <a:endParaRPr lang="en-US" dirty="0"/>
           </a:p>
@@ -2445,7 +2445,7 @@
             <a:fld id="{B61BEF0D-F0BB-DE4B-95CE-6DB70DBA9567}" type="datetimeFigureOut">
               <a:rPr lang="en-US" dirty="0"/>
               <a:pPr/>
-              <a:t>1/18/2024</a:t>
+              <a:t>1/21/2024</a:t>
             </a:fld>
             <a:endParaRPr lang="en-US" dirty="0"/>
           </a:p>
@@ -2622,7 +2622,7 @@
             <a:fld id="{B61BEF0D-F0BB-DE4B-95CE-6DB70DBA9567}" type="datetimeFigureOut">
               <a:rPr lang="en-US" dirty="0"/>
               <a:pPr/>
-              <a:t>1/18/2024</a:t>
+              <a:t>1/21/2024</a:t>
             </a:fld>
             <a:endParaRPr lang="en-US" dirty="0"/>
           </a:p>
@@ -2789,7 +2789,7 @@
             <a:fld id="{B61BEF0D-F0BB-DE4B-95CE-6DB70DBA9567}" type="datetimeFigureOut">
               <a:rPr lang="en-US" dirty="0"/>
               <a:pPr/>
-              <a:t>1/18/2024</a:t>
+              <a:t>1/21/2024</a:t>
             </a:fld>
             <a:endParaRPr lang="en-US" dirty="0"/>
           </a:p>
@@ -3036,7 +3036,7 @@
             <a:fld id="{B61BEF0D-F0BB-DE4B-95CE-6DB70DBA9567}" type="datetimeFigureOut">
               <a:rPr lang="en-US" dirty="0"/>
               <a:pPr/>
-              <a:t>1/18/2024</a:t>
+              <a:t>1/21/2024</a:t>
             </a:fld>
             <a:endParaRPr lang="en-US" dirty="0"/>
           </a:p>
@@ -3269,7 +3269,7 @@
             <a:fld id="{B61BEF0D-F0BB-DE4B-95CE-6DB70DBA9567}" type="datetimeFigureOut">
               <a:rPr lang="en-US" dirty="0"/>
               <a:pPr/>
-              <a:t>1/18/2024</a:t>
+              <a:t>1/21/2024</a:t>
             </a:fld>
             <a:endParaRPr lang="en-US" dirty="0"/>
           </a:p>
@@ -3648,7 +3648,7 @@
             <a:fld id="{B61BEF0D-F0BB-DE4B-95CE-6DB70DBA9567}" type="datetimeFigureOut">
               <a:rPr lang="en-US" dirty="0"/>
               <a:pPr/>
-              <a:t>1/18/2024</a:t>
+              <a:t>1/21/2024</a:t>
             </a:fld>
             <a:endParaRPr lang="en-US" dirty="0"/>
           </a:p>
@@ -3763,7 +3763,7 @@
             <a:fld id="{B61BEF0D-F0BB-DE4B-95CE-6DB70DBA9567}" type="datetimeFigureOut">
               <a:rPr lang="en-US" dirty="0"/>
               <a:pPr/>
-              <a:t>1/18/2024</a:t>
+              <a:t>1/21/2024</a:t>
             </a:fld>
             <a:endParaRPr lang="en-US" dirty="0"/>
           </a:p>
@@ -3855,7 +3855,7 @@
             <a:fld id="{B61BEF0D-F0BB-DE4B-95CE-6DB70DBA9567}" type="datetimeFigureOut">
               <a:rPr lang="en-US" dirty="0"/>
               <a:pPr/>
-              <a:t>1/18/2024</a:t>
+              <a:t>1/21/2024</a:t>
             </a:fld>
             <a:endParaRPr lang="en-US" dirty="0"/>
           </a:p>
@@ -4107,7 +4107,7 @@
             <a:fld id="{B61BEF0D-F0BB-DE4B-95CE-6DB70DBA9567}" type="datetimeFigureOut">
               <a:rPr lang="en-US" dirty="0"/>
               <a:pPr/>
-              <a:t>1/18/2024</a:t>
+              <a:t>1/21/2024</a:t>
             </a:fld>
             <a:endParaRPr lang="en-US" dirty="0"/>
           </a:p>
@@ -4387,7 +4387,7 @@
             <a:fld id="{B61BEF0D-F0BB-DE4B-95CE-6DB70DBA9567}" type="datetimeFigureOut">
               <a:rPr lang="en-US" dirty="0"/>
               <a:pPr/>
-              <a:t>1/18/2024</a:t>
+              <a:t>1/21/2024</a:t>
             </a:fld>
             <a:endParaRPr lang="en-US" dirty="0"/>
           </a:p>
@@ -4790,7 +4790,7 @@
             <a:fld id="{B61BEF0D-F0BB-DE4B-95CE-6DB70DBA9567}" type="datetimeFigureOut">
               <a:rPr lang="en-US" dirty="0"/>
               <a:pPr/>
-              <a:t>1/18/2024</a:t>
+              <a:t>1/21/2024</a:t>
             </a:fld>
             <a:endParaRPr lang="en-US" dirty="0"/>
           </a:p>
@@ -5775,15 +5775,7 @@
             </a:pPr>
             <a:r>
               <a:rPr lang="it-IT" sz="2400" dirty="0" smtClean="0"/>
-              <a:t>Movimento </a:t>
-            </a:r>
-            <a:r>
-              <a:rPr lang="it-IT" sz="2400" dirty="0" smtClean="0"/>
-              <a:t>della </a:t>
-            </a:r>
-            <a:r>
-              <a:rPr lang="it-IT" sz="2400" dirty="0" smtClean="0"/>
-              <a:t>scheda per confermare il lancio </a:t>
+              <a:t>Movimento della scheda per confermare il lancio </a:t>
             </a:r>
             <a:endParaRPr lang="it-IT" sz="2400" dirty="0"/>
           </a:p>
@@ -5924,7 +5916,6 @@
               <a:rPr lang="it-IT" sz="2400" b="1" dirty="0"/>
               <a:t>Generatore di numeri casuali</a:t>
             </a:r>
-            <a:endParaRPr lang="it-IT" sz="2400" b="1" dirty="0"/>
           </a:p>
         </p:txBody>
       </p:sp>
@@ -6134,8 +6125,8 @@
         </p:nvSpPr>
         <p:spPr>
           <a:xfrm>
-            <a:off x="371903" y="1832688"/>
-            <a:ext cx="3969389" cy="3416320"/>
+            <a:off x="327621" y="1832688"/>
+            <a:ext cx="4453064" cy="3416320"/>
           </a:xfrm>
           <a:prstGeom prst="rect">
             <a:avLst/>
@@ -6153,8 +6144,17 @@
             </a:pPr>
             <a:r>
               <a:rPr lang="it-IT" sz="2400" dirty="0" smtClean="0"/>
-              <a:t>Bottone per cambiare lo stato del sistema (comunicazione uplink) </a:t>
-            </a:r>
+              <a:t>Bottone per cambiare lo stato del sistema (comunicazione </a:t>
+            </a:r>
+            <a:r>
+              <a:rPr lang="it-IT" sz="2400" dirty="0" err="1" smtClean="0"/>
+              <a:t>downlink</a:t>
+            </a:r>
+            <a:r>
+              <a:rPr lang="it-IT" sz="2400" dirty="0" smtClean="0"/>
+              <a:t>) </a:t>
+            </a:r>
+            <a:endParaRPr lang="it-IT" sz="2400" dirty="0" smtClean="0"/>
           </a:p>
           <a:p>
             <a:endParaRPr lang="it-IT" sz="2400" dirty="0" smtClean="0"/>

--- a/PresentazioneOfficial.pptx
+++ b/PresentazioneOfficial.pptx
@@ -10,9 +10,14 @@
     <p:sldId id="258" r:id="rId4"/>
     <p:sldId id="260" r:id="rId5"/>
     <p:sldId id="261" r:id="rId6"/>
-    <p:sldId id="262" r:id="rId7"/>
-    <p:sldId id="263" r:id="rId8"/>
-    <p:sldId id="264" r:id="rId9"/>
+    <p:sldId id="267" r:id="rId7"/>
+    <p:sldId id="265" r:id="rId8"/>
+    <p:sldId id="266" r:id="rId9"/>
+    <p:sldId id="268" r:id="rId10"/>
+    <p:sldId id="269" r:id="rId11"/>
+    <p:sldId id="262" r:id="rId12"/>
+    <p:sldId id="263" r:id="rId13"/>
+    <p:sldId id="264" r:id="rId14"/>
   </p:sldIdLst>
   <p:sldSz cx="12192000" cy="6858000"/>
   <p:notesSz cx="6858000" cy="9144000"/>
@@ -5403,6 +5408,439 @@
 </p:sld>
 </file>
 
+<file path=ppt/slides/slide10.xml><?xml version="1.0" encoding="utf-8"?>
+<p:sld xmlns:a="http://schemas.openxmlformats.org/drawingml/2006/main" xmlns:r="http://schemas.openxmlformats.org/officeDocument/2006/relationships" xmlns:p="http://schemas.openxmlformats.org/presentationml/2006/main">
+  <p:cSld>
+    <p:spTree>
+      <p:nvGrpSpPr>
+        <p:cNvPr id="1" name=""/>
+        <p:cNvGrpSpPr/>
+        <p:nvPr/>
+      </p:nvGrpSpPr>
+      <p:grpSpPr>
+        <a:xfrm>
+          <a:off x="0" y="0"/>
+          <a:ext cx="0" cy="0"/>
+          <a:chOff x="0" y="0"/>
+          <a:chExt cx="0" cy="0"/>
+        </a:xfrm>
+      </p:grpSpPr>
+      <p:sp>
+        <p:nvSpPr>
+          <p:cNvPr id="4" name="CasellaDiTesto 3"/>
+          <p:cNvSpPr txBox="1"/>
+          <p:nvPr/>
+        </p:nvSpPr>
+        <p:spPr>
+          <a:xfrm>
+            <a:off x="905608" y="589085"/>
+            <a:ext cx="7165731" cy="369332"/>
+          </a:xfrm>
+          <a:prstGeom prst="rect">
+            <a:avLst/>
+          </a:prstGeom>
+          <a:noFill/>
+        </p:spPr>
+        <p:txBody>
+          <a:bodyPr wrap="square" rtlCol="0">
+            <a:spAutoFit/>
+          </a:bodyPr>
+          <a:lstStyle/>
+          <a:p>
+            <a:endParaRPr lang="it-IT" dirty="0"/>
+          </a:p>
+        </p:txBody>
+      </p:sp>
+      <p:sp>
+        <p:nvSpPr>
+          <p:cNvPr id="5" name="CasellaDiTesto 4"/>
+          <p:cNvSpPr txBox="1"/>
+          <p:nvPr/>
+        </p:nvSpPr>
+        <p:spPr>
+          <a:xfrm>
+            <a:off x="905608" y="958417"/>
+            <a:ext cx="7165731" cy="461665"/>
+          </a:xfrm>
+          <a:prstGeom prst="rect">
+            <a:avLst/>
+          </a:prstGeom>
+          <a:noFill/>
+        </p:spPr>
+        <p:txBody>
+          <a:bodyPr wrap="square" rtlCol="0">
+            <a:spAutoFit/>
+          </a:bodyPr>
+          <a:lstStyle/>
+          <a:p>
+            <a:r>
+              <a:rPr lang="it-IT" sz="2400" b="1" dirty="0" smtClean="0"/>
+              <a:t>Modifiche al codice del microcontrollore </a:t>
+            </a:r>
+            <a:endParaRPr lang="it-IT" sz="2400" b="1" dirty="0"/>
+          </a:p>
+        </p:txBody>
+      </p:sp>
+      <p:sp>
+        <p:nvSpPr>
+          <p:cNvPr id="7" name="CasellaDiTesto 6"/>
+          <p:cNvSpPr txBox="1"/>
+          <p:nvPr/>
+        </p:nvSpPr>
+        <p:spPr>
+          <a:xfrm>
+            <a:off x="492371" y="2421883"/>
+            <a:ext cx="4703883" cy="3785652"/>
+          </a:xfrm>
+          <a:prstGeom prst="rect">
+            <a:avLst/>
+          </a:prstGeom>
+          <a:noFill/>
+        </p:spPr>
+        <p:txBody>
+          <a:bodyPr wrap="square" rtlCol="0">
+            <a:spAutoFit/>
+          </a:bodyPr>
+          <a:lstStyle/>
+          <a:p>
+            <a:pPr marL="285750" indent="-285750">
+              <a:buFont typeface="Arial" panose="020B0604020202020204" pitchFamily="34" charset="0"/>
+              <a:buChar char="•"/>
+            </a:pPr>
+            <a:r>
+              <a:rPr lang="it-IT" sz="2400" dirty="0" smtClean="0"/>
+              <a:t>Modifica della funzione </a:t>
+            </a:r>
+            <a:r>
+              <a:rPr lang="it-IT" sz="2400" dirty="0" err="1" smtClean="0"/>
+              <a:t>OnTxData</a:t>
+            </a:r>
+            <a:r>
+              <a:rPr lang="it-IT" sz="2400" dirty="0" smtClean="0"/>
+              <a:t>() per comunicazione </a:t>
+            </a:r>
+            <a:r>
+              <a:rPr lang="it-IT" sz="2400" b="1" dirty="0" err="1" smtClean="0"/>
+              <a:t>donwlink</a:t>
+            </a:r>
+            <a:endParaRPr lang="it-IT" sz="2400" b="1" dirty="0" smtClean="0"/>
+          </a:p>
+          <a:p>
+            <a:pPr marL="285750" indent="-285750">
+              <a:buFont typeface="Arial" panose="020B0604020202020204" pitchFamily="34" charset="0"/>
+              <a:buChar char="•"/>
+            </a:pPr>
+            <a:endParaRPr lang="it-IT" sz="2400" b="1" dirty="0"/>
+          </a:p>
+          <a:p>
+            <a:endParaRPr lang="it-IT" sz="2400" b="1" dirty="0" smtClean="0"/>
+          </a:p>
+          <a:p>
+            <a:pPr marL="285750" indent="-285750">
+              <a:buFont typeface="Arial" panose="020B0604020202020204" pitchFamily="34" charset="0"/>
+              <a:buChar char="•"/>
+            </a:pPr>
+            <a:r>
+              <a:rPr lang="it-IT" sz="2400" dirty="0" smtClean="0"/>
+              <a:t>Lettura del buffer</a:t>
+            </a:r>
+          </a:p>
+          <a:p>
+            <a:pPr marL="285750" indent="-285750">
+              <a:buFont typeface="Arial" panose="020B0604020202020204" pitchFamily="34" charset="0"/>
+              <a:buChar char="•"/>
+            </a:pPr>
+            <a:endParaRPr lang="it-IT" sz="2400" dirty="0"/>
+          </a:p>
+          <a:p>
+            <a:endParaRPr lang="it-IT" sz="2400" dirty="0" smtClean="0"/>
+          </a:p>
+          <a:p>
+            <a:endParaRPr lang="it-IT" sz="2400" dirty="0" smtClean="0"/>
+          </a:p>
+          <a:p>
+            <a:endParaRPr lang="it-IT" sz="2400" dirty="0" smtClean="0"/>
+          </a:p>
+        </p:txBody>
+      </p:sp>
+      <p:pic>
+        <p:nvPicPr>
+          <p:cNvPr id="2" name="Immagine 1"/>
+          <p:cNvPicPr>
+            <a:picLocks noChangeAspect="1"/>
+          </p:cNvPicPr>
+          <p:nvPr/>
+        </p:nvPicPr>
+        <p:blipFill>
+          <a:blip r:embed="rId2">
+            <a:extLst>
+              <a:ext uri="{28A0092B-C50C-407E-A947-70E740481C1C}">
+                <a14:useLocalDpi xmlns:a14="http://schemas.microsoft.com/office/drawing/2010/main" val="0"/>
+              </a:ext>
+            </a:extLst>
+          </a:blip>
+          <a:stretch>
+            <a:fillRect/>
+          </a:stretch>
+        </p:blipFill>
+        <p:spPr>
+          <a:xfrm>
+            <a:off x="5066117" y="2421883"/>
+            <a:ext cx="6854603" cy="2563355"/>
+          </a:xfrm>
+          <a:prstGeom prst="rect">
+            <a:avLst/>
+          </a:prstGeom>
+        </p:spPr>
+      </p:pic>
+    </p:spTree>
+    <p:extLst>
+      <p:ext uri="{BB962C8B-B14F-4D97-AF65-F5344CB8AC3E}">
+        <p14:creationId xmlns:p14="http://schemas.microsoft.com/office/powerpoint/2010/main" val="3900188506"/>
+      </p:ext>
+    </p:extLst>
+  </p:cSld>
+  <p:clrMapOvr>
+    <a:masterClrMapping/>
+  </p:clrMapOvr>
+  <p:timing>
+    <p:tnLst>
+      <p:par>
+        <p:cTn id="1" dur="indefinite" restart="never" nodeType="tmRoot"/>
+      </p:par>
+    </p:tnLst>
+  </p:timing>
+</p:sld>
+</file>
+
+<file path=ppt/slides/slide11.xml><?xml version="1.0" encoding="utf-8"?>
+<p:sld xmlns:a="http://schemas.openxmlformats.org/drawingml/2006/main" xmlns:r="http://schemas.openxmlformats.org/officeDocument/2006/relationships" xmlns:p="http://schemas.openxmlformats.org/presentationml/2006/main">
+  <p:cSld>
+    <p:spTree>
+      <p:nvGrpSpPr>
+        <p:cNvPr id="1" name=""/>
+        <p:cNvGrpSpPr/>
+        <p:nvPr/>
+      </p:nvGrpSpPr>
+      <p:grpSpPr>
+        <a:xfrm>
+          <a:off x="0" y="0"/>
+          <a:ext cx="0" cy="0"/>
+          <a:chOff x="0" y="0"/>
+          <a:chExt cx="0" cy="0"/>
+        </a:xfrm>
+      </p:grpSpPr>
+      <p:sp>
+        <p:nvSpPr>
+          <p:cNvPr id="3" name="Segnaposto contenuto 2"/>
+          <p:cNvSpPr>
+            <a:spLocks noGrp="1"/>
+          </p:cNvSpPr>
+          <p:nvPr>
+            <p:ph idx="1"/>
+          </p:nvPr>
+        </p:nvSpPr>
+        <p:spPr>
+          <a:xfrm>
+            <a:off x="701796" y="2108199"/>
+            <a:ext cx="8534400" cy="3615267"/>
+          </a:xfrm>
+        </p:spPr>
+        <p:txBody>
+          <a:bodyPr/>
+          <a:lstStyle/>
+          <a:p>
+            <a:r>
+              <a:rPr lang="it-IT" dirty="0" smtClean="0"/>
+              <a:t>Slide per la macchina a stati</a:t>
+            </a:r>
+            <a:endParaRPr lang="it-IT" dirty="0"/>
+          </a:p>
+        </p:txBody>
+      </p:sp>
+    </p:spTree>
+    <p:extLst>
+      <p:ext uri="{BB962C8B-B14F-4D97-AF65-F5344CB8AC3E}">
+        <p14:creationId xmlns:p14="http://schemas.microsoft.com/office/powerpoint/2010/main" val="2045395592"/>
+      </p:ext>
+    </p:extLst>
+  </p:cSld>
+  <p:clrMapOvr>
+    <a:masterClrMapping/>
+  </p:clrMapOvr>
+  <p:timing>
+    <p:tnLst>
+      <p:par>
+        <p:cTn id="1" dur="indefinite" restart="never" nodeType="tmRoot"/>
+      </p:par>
+    </p:tnLst>
+  </p:timing>
+</p:sld>
+</file>
+
+<file path=ppt/slides/slide12.xml><?xml version="1.0" encoding="utf-8"?>
+<p:sld xmlns:a="http://schemas.openxmlformats.org/drawingml/2006/main" xmlns:r="http://schemas.openxmlformats.org/officeDocument/2006/relationships" xmlns:p="http://schemas.openxmlformats.org/presentationml/2006/main">
+  <p:cSld>
+    <p:spTree>
+      <p:nvGrpSpPr>
+        <p:cNvPr id="1" name=""/>
+        <p:cNvGrpSpPr/>
+        <p:nvPr/>
+      </p:nvGrpSpPr>
+      <p:grpSpPr>
+        <a:xfrm>
+          <a:off x="0" y="0"/>
+          <a:ext cx="0" cy="0"/>
+          <a:chOff x="0" y="0"/>
+          <a:chExt cx="0" cy="0"/>
+        </a:xfrm>
+      </p:grpSpPr>
+      <p:sp>
+        <p:nvSpPr>
+          <p:cNvPr id="3" name="Segnaposto contenuto 2"/>
+          <p:cNvSpPr>
+            <a:spLocks noGrp="1"/>
+          </p:cNvSpPr>
+          <p:nvPr>
+            <p:ph idx="1"/>
+          </p:nvPr>
+        </p:nvSpPr>
+        <p:spPr>
+          <a:xfrm>
+            <a:off x="710589" y="2453054"/>
+            <a:ext cx="8534400" cy="3615267"/>
+          </a:xfrm>
+        </p:spPr>
+        <p:txBody>
+          <a:bodyPr/>
+          <a:lstStyle/>
+          <a:p>
+            <a:r>
+              <a:rPr lang="it-IT" dirty="0" smtClean="0"/>
+              <a:t>Slide per modifiche del buffer (?)</a:t>
+            </a:r>
+            <a:endParaRPr lang="it-IT" dirty="0"/>
+          </a:p>
+        </p:txBody>
+      </p:sp>
+      <p:sp>
+        <p:nvSpPr>
+          <p:cNvPr id="4" name="CasellaDiTesto 3"/>
+          <p:cNvSpPr txBox="1"/>
+          <p:nvPr/>
+        </p:nvSpPr>
+        <p:spPr>
+          <a:xfrm>
+            <a:off x="710589" y="852854"/>
+            <a:ext cx="7165731" cy="369332"/>
+          </a:xfrm>
+          <a:prstGeom prst="rect">
+            <a:avLst/>
+          </a:prstGeom>
+          <a:noFill/>
+        </p:spPr>
+        <p:txBody>
+          <a:bodyPr wrap="square" rtlCol="0">
+            <a:spAutoFit/>
+          </a:bodyPr>
+          <a:lstStyle/>
+          <a:p>
+            <a:endParaRPr lang="it-IT" dirty="0"/>
+          </a:p>
+        </p:txBody>
+      </p:sp>
+    </p:spTree>
+    <p:extLst>
+      <p:ext uri="{BB962C8B-B14F-4D97-AF65-F5344CB8AC3E}">
+        <p14:creationId xmlns:p14="http://schemas.microsoft.com/office/powerpoint/2010/main" val="1640581264"/>
+      </p:ext>
+    </p:extLst>
+  </p:cSld>
+  <p:clrMapOvr>
+    <a:masterClrMapping/>
+  </p:clrMapOvr>
+  <p:timing>
+    <p:tnLst>
+      <p:par>
+        <p:cTn id="1" dur="indefinite" restart="never" nodeType="tmRoot"/>
+      </p:par>
+    </p:tnLst>
+  </p:timing>
+</p:sld>
+</file>
+
+<file path=ppt/slides/slide13.xml><?xml version="1.0" encoding="utf-8"?>
+<p:sld xmlns:a="http://schemas.openxmlformats.org/drawingml/2006/main" xmlns:r="http://schemas.openxmlformats.org/officeDocument/2006/relationships" xmlns:p="http://schemas.openxmlformats.org/presentationml/2006/main">
+  <p:cSld>
+    <p:spTree>
+      <p:nvGrpSpPr>
+        <p:cNvPr id="1" name=""/>
+        <p:cNvGrpSpPr/>
+        <p:nvPr/>
+      </p:nvGrpSpPr>
+      <p:grpSpPr>
+        <a:xfrm>
+          <a:off x="0" y="0"/>
+          <a:ext cx="0" cy="0"/>
+          <a:chOff x="0" y="0"/>
+          <a:chExt cx="0" cy="0"/>
+        </a:xfrm>
+      </p:grpSpPr>
+      <p:sp>
+        <p:nvSpPr>
+          <p:cNvPr id="2" name="Titolo 1"/>
+          <p:cNvSpPr>
+            <a:spLocks noGrp="1"/>
+          </p:cNvSpPr>
+          <p:nvPr>
+            <p:ph type="title"/>
+          </p:nvPr>
+        </p:nvSpPr>
+        <p:spPr/>
+        <p:txBody>
+          <a:bodyPr/>
+          <a:lstStyle/>
+          <a:p>
+            <a:endParaRPr lang="it-IT"/>
+          </a:p>
+        </p:txBody>
+      </p:sp>
+      <p:sp>
+        <p:nvSpPr>
+          <p:cNvPr id="3" name="Segnaposto contenuto 2"/>
+          <p:cNvSpPr>
+            <a:spLocks noGrp="1"/>
+          </p:cNvSpPr>
+          <p:nvPr>
+            <p:ph idx="1"/>
+          </p:nvPr>
+        </p:nvSpPr>
+        <p:spPr/>
+        <p:txBody>
+          <a:bodyPr/>
+          <a:lstStyle/>
+          <a:p>
+            <a:r>
+              <a:rPr lang="it-IT" dirty="0" smtClean="0"/>
+              <a:t>Ringraziamenti e crediti</a:t>
+            </a:r>
+            <a:endParaRPr lang="it-IT" dirty="0"/>
+          </a:p>
+        </p:txBody>
+      </p:sp>
+    </p:spTree>
+    <p:extLst>
+      <p:ext uri="{BB962C8B-B14F-4D97-AF65-F5344CB8AC3E}">
+        <p14:creationId xmlns:p14="http://schemas.microsoft.com/office/powerpoint/2010/main" val="457155859"/>
+      </p:ext>
+    </p:extLst>
+  </p:cSld>
+  <p:clrMapOvr>
+    <a:masterClrMapping/>
+  </p:clrMapOvr>
+</p:sld>
+</file>
+
 <file path=ppt/slides/slide2.xml><?xml version="1.0" encoding="utf-8"?>
 <p:sld xmlns:a="http://schemas.openxmlformats.org/drawingml/2006/main" xmlns:r="http://schemas.openxmlformats.org/officeDocument/2006/relationships" xmlns:p="http://schemas.openxmlformats.org/presentationml/2006/main">
   <p:cSld>
@@ -6154,7 +6592,6 @@
               <a:rPr lang="it-IT" sz="2400" dirty="0" smtClean="0"/>
               <a:t>) </a:t>
             </a:r>
-            <a:endParaRPr lang="it-IT" sz="2400" dirty="0" smtClean="0"/>
           </a:p>
           <a:p>
             <a:endParaRPr lang="it-IT" sz="2400" dirty="0" smtClean="0"/>
@@ -6192,6 +6629,13 @@
   <p:clrMapOvr>
     <a:masterClrMapping/>
   </p:clrMapOvr>
+  <p:timing>
+    <p:tnLst>
+      <p:par>
+        <p:cTn id="1" dur="indefinite" restart="never" nodeType="tmRoot"/>
+      </p:par>
+    </p:tnLst>
+  </p:timing>
 </p:sld>
 </file>
 
@@ -6214,56 +6658,164 @@
       </p:grpSpPr>
       <p:sp>
         <p:nvSpPr>
-          <p:cNvPr id="2" name="Titolo 1"/>
-          <p:cNvSpPr>
-            <a:spLocks noGrp="1"/>
-          </p:cNvSpPr>
-          <p:nvPr>
-            <p:ph type="title"/>
-          </p:nvPr>
-        </p:nvSpPr>
-        <p:spPr/>
-        <p:txBody>
-          <a:bodyPr/>
-          <a:lstStyle/>
-          <a:p>
-            <a:endParaRPr lang="it-IT"/>
-          </a:p>
-        </p:txBody>
-      </p:sp>
-      <p:sp>
-        <p:nvSpPr>
-          <p:cNvPr id="3" name="Segnaposto contenuto 2"/>
-          <p:cNvSpPr>
-            <a:spLocks noGrp="1"/>
-          </p:cNvSpPr>
-          <p:nvPr>
-            <p:ph idx="1"/>
-          </p:nvPr>
-        </p:nvSpPr>
-        <p:spPr/>
-        <p:txBody>
-          <a:bodyPr/>
-          <a:lstStyle/>
-          <a:p>
-            <a:r>
-              <a:rPr lang="it-IT" dirty="0" smtClean="0"/>
-              <a:t>Slide per la macchina a stati</a:t>
-            </a:r>
+          <p:cNvPr id="4" name="CasellaDiTesto 3"/>
+          <p:cNvSpPr txBox="1"/>
+          <p:nvPr/>
+        </p:nvSpPr>
+        <p:spPr>
+          <a:xfrm>
+            <a:off x="905608" y="589085"/>
+            <a:ext cx="7165731" cy="369332"/>
+          </a:xfrm>
+          <a:prstGeom prst="rect">
+            <a:avLst/>
+          </a:prstGeom>
+          <a:noFill/>
+        </p:spPr>
+        <p:txBody>
+          <a:bodyPr wrap="square" rtlCol="0">
+            <a:spAutoFit/>
+          </a:bodyPr>
+          <a:lstStyle/>
+          <a:p>
             <a:endParaRPr lang="it-IT" dirty="0"/>
           </a:p>
         </p:txBody>
       </p:sp>
+      <p:sp>
+        <p:nvSpPr>
+          <p:cNvPr id="5" name="CasellaDiTesto 4"/>
+          <p:cNvSpPr txBox="1"/>
+          <p:nvPr/>
+        </p:nvSpPr>
+        <p:spPr>
+          <a:xfrm>
+            <a:off x="833681" y="958417"/>
+            <a:ext cx="7165731" cy="461665"/>
+          </a:xfrm>
+          <a:prstGeom prst="rect">
+            <a:avLst/>
+          </a:prstGeom>
+          <a:noFill/>
+        </p:spPr>
+        <p:txBody>
+          <a:bodyPr wrap="square" rtlCol="0">
+            <a:spAutoFit/>
+          </a:bodyPr>
+          <a:lstStyle/>
+          <a:p>
+            <a:r>
+              <a:rPr lang="it-IT" sz="2400" b="1" dirty="0" smtClean="0"/>
+              <a:t>Modifiche al codice del microcontrollore </a:t>
+            </a:r>
+            <a:endParaRPr lang="it-IT" sz="2400" b="1" dirty="0"/>
+          </a:p>
+        </p:txBody>
+      </p:sp>
+      <p:sp>
+        <p:nvSpPr>
+          <p:cNvPr id="7" name="CasellaDiTesto 6"/>
+          <p:cNvSpPr txBox="1"/>
+          <p:nvPr/>
+        </p:nvSpPr>
+        <p:spPr>
+          <a:xfrm>
+            <a:off x="833680" y="2391508"/>
+            <a:ext cx="4283443" cy="3416320"/>
+          </a:xfrm>
+          <a:prstGeom prst="rect">
+            <a:avLst/>
+          </a:prstGeom>
+          <a:noFill/>
+        </p:spPr>
+        <p:txBody>
+          <a:bodyPr wrap="square" rtlCol="0">
+            <a:spAutoFit/>
+          </a:bodyPr>
+          <a:lstStyle/>
+          <a:p>
+            <a:pPr marL="285750" indent="-285750">
+              <a:buFont typeface="Arial" panose="020B0604020202020204" pitchFamily="34" charset="0"/>
+              <a:buChar char="•"/>
+            </a:pPr>
+            <a:r>
+              <a:rPr lang="it-IT" sz="2400" dirty="0" smtClean="0"/>
+              <a:t>Integrazione delle funzioni per l’acquisizione dei dati</a:t>
+            </a:r>
+          </a:p>
+          <a:p>
+            <a:endParaRPr lang="it-IT" sz="2400" dirty="0"/>
+          </a:p>
+          <a:p>
+            <a:endParaRPr lang="it-IT" sz="2400" dirty="0" smtClean="0"/>
+          </a:p>
+          <a:p>
+            <a:pPr marL="285750" indent="-285750">
+              <a:buFont typeface="Arial" panose="020B0604020202020204" pitchFamily="34" charset="0"/>
+              <a:buChar char="•"/>
+            </a:pPr>
+            <a:r>
+              <a:rPr lang="it-IT" sz="2400" dirty="0" smtClean="0"/>
+              <a:t>Drivers per l’accelerometro e il giroscopio</a:t>
+            </a:r>
+            <a:endParaRPr lang="it-IT" sz="2400" dirty="0"/>
+          </a:p>
+          <a:p>
+            <a:pPr marL="285750" indent="-285750">
+              <a:buFont typeface="Arial" panose="020B0604020202020204" pitchFamily="34" charset="0"/>
+              <a:buChar char="•"/>
+            </a:pPr>
+            <a:endParaRPr lang="it-IT" sz="2400" dirty="0" smtClean="0"/>
+          </a:p>
+        </p:txBody>
+      </p:sp>
+      <p:pic>
+        <p:nvPicPr>
+          <p:cNvPr id="2" name="Immagine 1"/>
+          <p:cNvPicPr>
+            <a:picLocks noChangeAspect="1"/>
+          </p:cNvPicPr>
+          <p:nvPr/>
+        </p:nvPicPr>
+        <p:blipFill>
+          <a:blip r:embed="rId2">
+            <a:extLst>
+              <a:ext uri="{28A0092B-C50C-407E-A947-70E740481C1C}">
+                <a14:useLocalDpi xmlns:a14="http://schemas.microsoft.com/office/drawing/2010/main" val="0"/>
+              </a:ext>
+            </a:extLst>
+          </a:blip>
+          <a:stretch>
+            <a:fillRect/>
+          </a:stretch>
+        </p:blipFill>
+        <p:spPr>
+          <a:xfrm>
+            <a:off x="5697415" y="1789414"/>
+            <a:ext cx="5893689" cy="4323301"/>
+          </a:xfrm>
+          <a:prstGeom prst="rect">
+            <a:avLst/>
+          </a:prstGeom>
+        </p:spPr>
+      </p:pic>
     </p:spTree>
     <p:extLst>
       <p:ext uri="{BB962C8B-B14F-4D97-AF65-F5344CB8AC3E}">
-        <p14:creationId xmlns:p14="http://schemas.microsoft.com/office/powerpoint/2010/main" val="2045395592"/>
+        <p14:creationId xmlns:p14="http://schemas.microsoft.com/office/powerpoint/2010/main" val="2911079430"/>
       </p:ext>
     </p:extLst>
   </p:cSld>
   <p:clrMapOvr>
     <a:masterClrMapping/>
   </p:clrMapOvr>
+  <p:timing>
+    <p:tnLst>
+      <p:par>
+        <p:cTn id="1" dur="indefinite" restart="never" nodeType="tmRoot"/>
+      </p:par>
+    </p:tnLst>
+  </p:timing>
 </p:sld>
 </file>
 
@@ -6286,56 +6838,169 @@
       </p:grpSpPr>
       <p:sp>
         <p:nvSpPr>
-          <p:cNvPr id="2" name="Titolo 1"/>
-          <p:cNvSpPr>
-            <a:spLocks noGrp="1"/>
-          </p:cNvSpPr>
-          <p:nvPr>
-            <p:ph type="title"/>
-          </p:nvPr>
-        </p:nvSpPr>
-        <p:spPr/>
-        <p:txBody>
-          <a:bodyPr/>
-          <a:lstStyle/>
-          <a:p>
-            <a:endParaRPr lang="it-IT"/>
-          </a:p>
-        </p:txBody>
-      </p:sp>
-      <p:sp>
-        <p:nvSpPr>
-          <p:cNvPr id="3" name="Segnaposto contenuto 2"/>
-          <p:cNvSpPr>
-            <a:spLocks noGrp="1"/>
-          </p:cNvSpPr>
-          <p:nvPr>
-            <p:ph idx="1"/>
-          </p:nvPr>
-        </p:nvSpPr>
-        <p:spPr/>
-        <p:txBody>
-          <a:bodyPr/>
-          <a:lstStyle/>
-          <a:p>
-            <a:r>
-              <a:rPr lang="it-IT" dirty="0" smtClean="0"/>
-              <a:t>Slide per modifiche del buffer (?)</a:t>
-            </a:r>
+          <p:cNvPr id="4" name="CasellaDiTesto 3"/>
+          <p:cNvSpPr txBox="1"/>
+          <p:nvPr/>
+        </p:nvSpPr>
+        <p:spPr>
+          <a:xfrm>
+            <a:off x="905608" y="589085"/>
+            <a:ext cx="7165731" cy="369332"/>
+          </a:xfrm>
+          <a:prstGeom prst="rect">
+            <a:avLst/>
+          </a:prstGeom>
+          <a:noFill/>
+        </p:spPr>
+        <p:txBody>
+          <a:bodyPr wrap="square" rtlCol="0">
+            <a:spAutoFit/>
+          </a:bodyPr>
+          <a:lstStyle/>
+          <a:p>
             <a:endParaRPr lang="it-IT" dirty="0"/>
           </a:p>
         </p:txBody>
       </p:sp>
+      <p:sp>
+        <p:nvSpPr>
+          <p:cNvPr id="5" name="CasellaDiTesto 4"/>
+          <p:cNvSpPr txBox="1"/>
+          <p:nvPr/>
+        </p:nvSpPr>
+        <p:spPr>
+          <a:xfrm>
+            <a:off x="833681" y="958417"/>
+            <a:ext cx="7165731" cy="461665"/>
+          </a:xfrm>
+          <a:prstGeom prst="rect">
+            <a:avLst/>
+          </a:prstGeom>
+          <a:noFill/>
+        </p:spPr>
+        <p:txBody>
+          <a:bodyPr wrap="square" rtlCol="0">
+            <a:spAutoFit/>
+          </a:bodyPr>
+          <a:lstStyle/>
+          <a:p>
+            <a:r>
+              <a:rPr lang="it-IT" sz="2400" b="1" dirty="0" smtClean="0"/>
+              <a:t>Modifiche al codice del microcontrollore </a:t>
+            </a:r>
+            <a:endParaRPr lang="it-IT" sz="2400" b="1" dirty="0"/>
+          </a:p>
+        </p:txBody>
+      </p:sp>
+      <p:sp>
+        <p:nvSpPr>
+          <p:cNvPr id="7" name="CasellaDiTesto 6"/>
+          <p:cNvSpPr txBox="1"/>
+          <p:nvPr/>
+        </p:nvSpPr>
+        <p:spPr>
+          <a:xfrm>
+            <a:off x="833681" y="2391508"/>
+            <a:ext cx="3940542" cy="2308324"/>
+          </a:xfrm>
+          <a:prstGeom prst="rect">
+            <a:avLst/>
+          </a:prstGeom>
+          <a:noFill/>
+        </p:spPr>
+        <p:txBody>
+          <a:bodyPr wrap="square" rtlCol="0">
+            <a:spAutoFit/>
+          </a:bodyPr>
+          <a:lstStyle/>
+          <a:p>
+            <a:pPr marL="285750" indent="-285750">
+              <a:buFont typeface="Arial" panose="020B0604020202020204" pitchFamily="34" charset="0"/>
+              <a:buChar char="•"/>
+            </a:pPr>
+            <a:r>
+              <a:rPr lang="it-IT" sz="2400" dirty="0" smtClean="0"/>
+              <a:t>Modifica della struttura dati </a:t>
+            </a:r>
+            <a:r>
+              <a:rPr lang="it-IT" sz="2400" dirty="0" err="1" smtClean="0"/>
+              <a:t>sensor_t</a:t>
+            </a:r>
+            <a:r>
+              <a:rPr lang="it-IT" sz="2400" dirty="0"/>
+              <a:t> </a:t>
+            </a:r>
+          </a:p>
+          <a:p>
+            <a:pPr marL="285750" indent="-285750">
+              <a:buFont typeface="Arial" panose="020B0604020202020204" pitchFamily="34" charset="0"/>
+              <a:buChar char="•"/>
+            </a:pPr>
+            <a:endParaRPr lang="it-IT" sz="2400" dirty="0" smtClean="0"/>
+          </a:p>
+          <a:p>
+            <a:endParaRPr lang="it-IT" sz="2400" dirty="0" smtClean="0"/>
+          </a:p>
+          <a:p>
+            <a:pPr marL="285750" indent="-285750">
+              <a:buFont typeface="Arial" panose="020B0604020202020204" pitchFamily="34" charset="0"/>
+              <a:buChar char="•"/>
+            </a:pPr>
+            <a:r>
+              <a:rPr lang="it-IT" sz="2400" dirty="0" smtClean="0"/>
+              <a:t>Aggiunta delle nuove variabili di interesse</a:t>
+            </a:r>
+            <a:endParaRPr lang="it-IT" sz="2400" dirty="0"/>
+          </a:p>
+        </p:txBody>
+      </p:sp>
+      <p:pic>
+        <p:nvPicPr>
+          <p:cNvPr id="8" name="Immagine 7"/>
+          <p:cNvPicPr>
+            <a:picLocks noChangeAspect="1"/>
+          </p:cNvPicPr>
+          <p:nvPr/>
+        </p:nvPicPr>
+        <p:blipFill>
+          <a:blip r:embed="rId2">
+            <a:extLst>
+              <a:ext uri="{28A0092B-C50C-407E-A947-70E740481C1C}">
+                <a14:useLocalDpi xmlns:a14="http://schemas.microsoft.com/office/drawing/2010/main" val="0"/>
+              </a:ext>
+            </a:extLst>
+          </a:blip>
+          <a:stretch>
+            <a:fillRect/>
+          </a:stretch>
+        </p:blipFill>
+        <p:spPr>
+          <a:xfrm>
+            <a:off x="5700483" y="1725956"/>
+            <a:ext cx="5984494" cy="3808315"/>
+          </a:xfrm>
+          <a:prstGeom prst="rect">
+            <a:avLst/>
+          </a:prstGeom>
+        </p:spPr>
+      </p:pic>
     </p:spTree>
     <p:extLst>
       <p:ext uri="{BB962C8B-B14F-4D97-AF65-F5344CB8AC3E}">
-        <p14:creationId xmlns:p14="http://schemas.microsoft.com/office/powerpoint/2010/main" val="1640581264"/>
+        <p14:creationId xmlns:p14="http://schemas.microsoft.com/office/powerpoint/2010/main" val="3567082170"/>
       </p:ext>
     </p:extLst>
   </p:cSld>
   <p:clrMapOvr>
     <a:masterClrMapping/>
   </p:clrMapOvr>
+  <p:timing>
+    <p:tnLst>
+      <p:par>
+        <p:cTn id="1" dur="indefinite" restart="never" nodeType="tmRoot"/>
+      </p:par>
+    </p:tnLst>
+  </p:timing>
 </p:sld>
 </file>
 
@@ -6358,56 +7023,376 @@
       </p:grpSpPr>
       <p:sp>
         <p:nvSpPr>
-          <p:cNvPr id="2" name="Titolo 1"/>
-          <p:cNvSpPr>
-            <a:spLocks noGrp="1"/>
-          </p:cNvSpPr>
-          <p:nvPr>
-            <p:ph type="title"/>
-          </p:nvPr>
-        </p:nvSpPr>
-        <p:spPr/>
-        <p:txBody>
-          <a:bodyPr/>
-          <a:lstStyle/>
-          <a:p>
-            <a:endParaRPr lang="it-IT"/>
-          </a:p>
-        </p:txBody>
-      </p:sp>
-      <p:sp>
-        <p:nvSpPr>
-          <p:cNvPr id="3" name="Segnaposto contenuto 2"/>
-          <p:cNvSpPr>
-            <a:spLocks noGrp="1"/>
-          </p:cNvSpPr>
-          <p:nvPr>
-            <p:ph idx="1"/>
-          </p:nvPr>
-        </p:nvSpPr>
-        <p:spPr/>
-        <p:txBody>
-          <a:bodyPr/>
-          <a:lstStyle/>
-          <a:p>
-            <a:r>
-              <a:rPr lang="it-IT" dirty="0" smtClean="0"/>
-              <a:t>Ringraziamenti e crediti</a:t>
-            </a:r>
+          <p:cNvPr id="4" name="CasellaDiTesto 3"/>
+          <p:cNvSpPr txBox="1"/>
+          <p:nvPr/>
+        </p:nvSpPr>
+        <p:spPr>
+          <a:xfrm>
+            <a:off x="905608" y="589085"/>
+            <a:ext cx="7165731" cy="369332"/>
+          </a:xfrm>
+          <a:prstGeom prst="rect">
+            <a:avLst/>
+          </a:prstGeom>
+          <a:noFill/>
+        </p:spPr>
+        <p:txBody>
+          <a:bodyPr wrap="square" rtlCol="0">
+            <a:spAutoFit/>
+          </a:bodyPr>
+          <a:lstStyle/>
+          <a:p>
             <a:endParaRPr lang="it-IT" dirty="0"/>
           </a:p>
         </p:txBody>
       </p:sp>
+      <p:sp>
+        <p:nvSpPr>
+          <p:cNvPr id="5" name="CasellaDiTesto 4"/>
+          <p:cNvSpPr txBox="1"/>
+          <p:nvPr/>
+        </p:nvSpPr>
+        <p:spPr>
+          <a:xfrm>
+            <a:off x="905608" y="958417"/>
+            <a:ext cx="7165731" cy="461665"/>
+          </a:xfrm>
+          <a:prstGeom prst="rect">
+            <a:avLst/>
+          </a:prstGeom>
+          <a:noFill/>
+        </p:spPr>
+        <p:txBody>
+          <a:bodyPr wrap="square" rtlCol="0">
+            <a:spAutoFit/>
+          </a:bodyPr>
+          <a:lstStyle/>
+          <a:p>
+            <a:r>
+              <a:rPr lang="it-IT" sz="2400" b="1" dirty="0" smtClean="0"/>
+              <a:t>Modifiche al codice del microcontrollore </a:t>
+            </a:r>
+            <a:endParaRPr lang="it-IT" sz="2400" b="1" dirty="0"/>
+          </a:p>
+        </p:txBody>
+      </p:sp>
+      <p:sp>
+        <p:nvSpPr>
+          <p:cNvPr id="7" name="CasellaDiTesto 6"/>
+          <p:cNvSpPr txBox="1"/>
+          <p:nvPr/>
+        </p:nvSpPr>
+        <p:spPr>
+          <a:xfrm>
+            <a:off x="536332" y="2430675"/>
+            <a:ext cx="4554416" cy="3046988"/>
+          </a:xfrm>
+          <a:prstGeom prst="rect">
+            <a:avLst/>
+          </a:prstGeom>
+          <a:noFill/>
+        </p:spPr>
+        <p:txBody>
+          <a:bodyPr wrap="square" rtlCol="0">
+            <a:spAutoFit/>
+          </a:bodyPr>
+          <a:lstStyle/>
+          <a:p>
+            <a:pPr marL="285750" indent="-285750">
+              <a:buFont typeface="Arial" panose="020B0604020202020204" pitchFamily="34" charset="0"/>
+              <a:buChar char="•"/>
+            </a:pPr>
+            <a:r>
+              <a:rPr lang="it-IT" sz="2400" dirty="0" smtClean="0"/>
+              <a:t>Modifica della funzione </a:t>
+            </a:r>
+            <a:r>
+              <a:rPr lang="it-IT" sz="2400" dirty="0" err="1" smtClean="0"/>
+              <a:t>EnvSensors_Read</a:t>
+            </a:r>
+            <a:r>
+              <a:rPr lang="it-IT" sz="2400" dirty="0" smtClean="0"/>
+              <a:t>()</a:t>
+            </a:r>
+          </a:p>
+          <a:p>
+            <a:pPr marL="285750" indent="-285750">
+              <a:buFont typeface="Arial" panose="020B0604020202020204" pitchFamily="34" charset="0"/>
+              <a:buChar char="•"/>
+            </a:pPr>
+            <a:endParaRPr lang="it-IT" sz="2400" dirty="0"/>
+          </a:p>
+          <a:p>
+            <a:endParaRPr lang="it-IT" sz="2400" dirty="0" smtClean="0"/>
+          </a:p>
+          <a:p>
+            <a:pPr marL="285750" indent="-285750">
+              <a:buFont typeface="Arial" panose="020B0604020202020204" pitchFamily="34" charset="0"/>
+              <a:buChar char="•"/>
+            </a:pPr>
+            <a:r>
+              <a:rPr lang="it-IT" sz="2400" dirty="0" smtClean="0"/>
+              <a:t>Acquisizione dei dati dei sensori nella struttura dati </a:t>
+            </a:r>
+            <a:r>
+              <a:rPr lang="it-IT" sz="2400" dirty="0" err="1"/>
+              <a:t>s</a:t>
+            </a:r>
+            <a:r>
+              <a:rPr lang="it-IT" sz="2400" dirty="0" err="1" smtClean="0"/>
+              <a:t>ensor_data</a:t>
+            </a:r>
+            <a:endParaRPr lang="it-IT" sz="2400" dirty="0"/>
+          </a:p>
+          <a:p>
+            <a:endParaRPr lang="it-IT" sz="2400" dirty="0" smtClean="0"/>
+          </a:p>
+        </p:txBody>
+      </p:sp>
+      <p:pic>
+        <p:nvPicPr>
+          <p:cNvPr id="2" name="Immagine 1"/>
+          <p:cNvPicPr>
+            <a:picLocks noChangeAspect="1"/>
+          </p:cNvPicPr>
+          <p:nvPr/>
+        </p:nvPicPr>
+        <p:blipFill>
+          <a:blip r:embed="rId2">
+            <a:extLst>
+              <a:ext uri="{28A0092B-C50C-407E-A947-70E740481C1C}">
+                <a14:useLocalDpi xmlns:a14="http://schemas.microsoft.com/office/drawing/2010/main" val="0"/>
+              </a:ext>
+            </a:extLst>
+          </a:blip>
+          <a:stretch>
+            <a:fillRect/>
+          </a:stretch>
+        </p:blipFill>
+        <p:spPr>
+          <a:xfrm>
+            <a:off x="5336931" y="2024171"/>
+            <a:ext cx="6515100" cy="3180875"/>
+          </a:xfrm>
+          <a:prstGeom prst="rect">
+            <a:avLst/>
+          </a:prstGeom>
+        </p:spPr>
+      </p:pic>
     </p:spTree>
     <p:extLst>
       <p:ext uri="{BB962C8B-B14F-4D97-AF65-F5344CB8AC3E}">
-        <p14:creationId xmlns:p14="http://schemas.microsoft.com/office/powerpoint/2010/main" val="457155859"/>
+        <p14:creationId xmlns:p14="http://schemas.microsoft.com/office/powerpoint/2010/main" val="2968217483"/>
       </p:ext>
     </p:extLst>
   </p:cSld>
   <p:clrMapOvr>
     <a:masterClrMapping/>
   </p:clrMapOvr>
+  <p:timing>
+    <p:tnLst>
+      <p:par>
+        <p:cTn id="1" dur="indefinite" restart="never" nodeType="tmRoot"/>
+      </p:par>
+    </p:tnLst>
+  </p:timing>
+</p:sld>
+</file>
+
+<file path=ppt/slides/slide9.xml><?xml version="1.0" encoding="utf-8"?>
+<p:sld xmlns:a="http://schemas.openxmlformats.org/drawingml/2006/main" xmlns:r="http://schemas.openxmlformats.org/officeDocument/2006/relationships" xmlns:p="http://schemas.openxmlformats.org/presentationml/2006/main">
+  <p:cSld>
+    <p:spTree>
+      <p:nvGrpSpPr>
+        <p:cNvPr id="1" name=""/>
+        <p:cNvGrpSpPr/>
+        <p:nvPr/>
+      </p:nvGrpSpPr>
+      <p:grpSpPr>
+        <a:xfrm>
+          <a:off x="0" y="0"/>
+          <a:ext cx="0" cy="0"/>
+          <a:chOff x="0" y="0"/>
+          <a:chExt cx="0" cy="0"/>
+        </a:xfrm>
+      </p:grpSpPr>
+      <p:sp>
+        <p:nvSpPr>
+          <p:cNvPr id="4" name="CasellaDiTesto 3"/>
+          <p:cNvSpPr txBox="1"/>
+          <p:nvPr/>
+        </p:nvSpPr>
+        <p:spPr>
+          <a:xfrm>
+            <a:off x="905608" y="589085"/>
+            <a:ext cx="7165731" cy="369332"/>
+          </a:xfrm>
+          <a:prstGeom prst="rect">
+            <a:avLst/>
+          </a:prstGeom>
+          <a:noFill/>
+        </p:spPr>
+        <p:txBody>
+          <a:bodyPr wrap="square" rtlCol="0">
+            <a:spAutoFit/>
+          </a:bodyPr>
+          <a:lstStyle/>
+          <a:p>
+            <a:endParaRPr lang="it-IT" dirty="0"/>
+          </a:p>
+        </p:txBody>
+      </p:sp>
+      <p:sp>
+        <p:nvSpPr>
+          <p:cNvPr id="5" name="CasellaDiTesto 4"/>
+          <p:cNvSpPr txBox="1"/>
+          <p:nvPr/>
+        </p:nvSpPr>
+        <p:spPr>
+          <a:xfrm>
+            <a:off x="905608" y="958417"/>
+            <a:ext cx="7165731" cy="461665"/>
+          </a:xfrm>
+          <a:prstGeom prst="rect">
+            <a:avLst/>
+          </a:prstGeom>
+          <a:noFill/>
+        </p:spPr>
+        <p:txBody>
+          <a:bodyPr wrap="square" rtlCol="0">
+            <a:spAutoFit/>
+          </a:bodyPr>
+          <a:lstStyle/>
+          <a:p>
+            <a:r>
+              <a:rPr lang="it-IT" sz="2400" b="1" dirty="0" smtClean="0"/>
+              <a:t>Modifiche al codice del microcontrollore </a:t>
+            </a:r>
+            <a:endParaRPr lang="it-IT" sz="2400" b="1" dirty="0"/>
+          </a:p>
+        </p:txBody>
+      </p:sp>
+      <p:sp>
+        <p:nvSpPr>
+          <p:cNvPr id="7" name="CasellaDiTesto 6"/>
+          <p:cNvSpPr txBox="1"/>
+          <p:nvPr/>
+        </p:nvSpPr>
+        <p:spPr>
+          <a:xfrm>
+            <a:off x="536332" y="2430675"/>
+            <a:ext cx="4703883" cy="3416320"/>
+          </a:xfrm>
+          <a:prstGeom prst="rect">
+            <a:avLst/>
+          </a:prstGeom>
+          <a:noFill/>
+        </p:spPr>
+        <p:txBody>
+          <a:bodyPr wrap="square" rtlCol="0">
+            <a:spAutoFit/>
+          </a:bodyPr>
+          <a:lstStyle/>
+          <a:p>
+            <a:pPr marL="285750" indent="-285750">
+              <a:buFont typeface="Arial" panose="020B0604020202020204" pitchFamily="34" charset="0"/>
+              <a:buChar char="•"/>
+            </a:pPr>
+            <a:r>
+              <a:rPr lang="it-IT" sz="2400" dirty="0" smtClean="0"/>
+              <a:t>Modifica della funzione </a:t>
+            </a:r>
+            <a:r>
+              <a:rPr lang="it-IT" sz="2400" dirty="0" err="1" smtClean="0"/>
+              <a:t>SendTxData</a:t>
+            </a:r>
+            <a:r>
+              <a:rPr lang="it-IT" sz="2400" dirty="0" smtClean="0"/>
+              <a:t>() per comunicazione </a:t>
+            </a:r>
+            <a:r>
+              <a:rPr lang="it-IT" sz="2400" b="1" dirty="0" err="1" smtClean="0"/>
+              <a:t>uplink</a:t>
+            </a:r>
+            <a:endParaRPr lang="it-IT" sz="2400" b="1" dirty="0" smtClean="0"/>
+          </a:p>
+          <a:p>
+            <a:pPr marL="285750" indent="-285750">
+              <a:buFont typeface="Arial" panose="020B0604020202020204" pitchFamily="34" charset="0"/>
+              <a:buChar char="•"/>
+            </a:pPr>
+            <a:endParaRPr lang="it-IT" sz="2400" dirty="0"/>
+          </a:p>
+          <a:p>
+            <a:endParaRPr lang="it-IT" sz="2400" dirty="0" smtClean="0"/>
+          </a:p>
+          <a:p>
+            <a:pPr marL="285750" indent="-285750">
+              <a:buFont typeface="Arial" panose="020B0604020202020204" pitchFamily="34" charset="0"/>
+              <a:buChar char="•"/>
+            </a:pPr>
+            <a:r>
+              <a:rPr lang="it-IT" sz="2400" dirty="0" smtClean="0"/>
+              <a:t>Organizzazione dei dati nel buffer</a:t>
+            </a:r>
+            <a:endParaRPr lang="it-IT" sz="2400" dirty="0"/>
+          </a:p>
+          <a:p>
+            <a:endParaRPr lang="it-IT" sz="2400" dirty="0" smtClean="0"/>
+          </a:p>
+          <a:p>
+            <a:endParaRPr lang="it-IT" sz="2400" dirty="0" smtClean="0"/>
+          </a:p>
+        </p:txBody>
+      </p:sp>
+      <p:pic>
+        <p:nvPicPr>
+          <p:cNvPr id="6" name="Immagine 5"/>
+          <p:cNvPicPr>
+            <a:picLocks noChangeAspect="1"/>
+          </p:cNvPicPr>
+          <p:nvPr/>
+        </p:nvPicPr>
+        <p:blipFill>
+          <a:blip r:embed="rId2">
+            <a:extLst>
+              <a:ext uri="{28A0092B-C50C-407E-A947-70E740481C1C}">
+                <a14:useLocalDpi xmlns:a14="http://schemas.microsoft.com/office/drawing/2010/main" val="0"/>
+              </a:ext>
+            </a:extLst>
+          </a:blip>
+          <a:stretch>
+            <a:fillRect/>
+          </a:stretch>
+        </p:blipFill>
+        <p:spPr>
+          <a:xfrm>
+            <a:off x="5584103" y="1701491"/>
+            <a:ext cx="6071462" cy="4503267"/>
+          </a:xfrm>
+          <a:prstGeom prst="rect">
+            <a:avLst/>
+          </a:prstGeom>
+        </p:spPr>
+      </p:pic>
+    </p:spTree>
+    <p:extLst>
+      <p:ext uri="{BB962C8B-B14F-4D97-AF65-F5344CB8AC3E}">
+        <p14:creationId xmlns:p14="http://schemas.microsoft.com/office/powerpoint/2010/main" val="3612410788"/>
+      </p:ext>
+    </p:extLst>
+  </p:cSld>
+  <p:clrMapOvr>
+    <a:masterClrMapping/>
+  </p:clrMapOvr>
+  <p:timing>
+    <p:tnLst>
+      <p:par>
+        <p:cTn id="1" dur="indefinite" restart="never" nodeType="tmRoot"/>
+      </p:par>
+    </p:tnLst>
+  </p:timing>
 </p:sld>
 </file>
 

--- a/PresentazioneOfficial.pptx
+++ b/PresentazioneOfficial.pptx
@@ -15,9 +15,11 @@
     <p:sldId id="266" r:id="rId9"/>
     <p:sldId id="268" r:id="rId10"/>
     <p:sldId id="269" r:id="rId11"/>
-    <p:sldId id="262" r:id="rId12"/>
-    <p:sldId id="263" r:id="rId13"/>
-    <p:sldId id="264" r:id="rId14"/>
+    <p:sldId id="270" r:id="rId12"/>
+    <p:sldId id="271" r:id="rId13"/>
+    <p:sldId id="272" r:id="rId14"/>
+    <p:sldId id="273" r:id="rId15"/>
+    <p:sldId id="264" r:id="rId16"/>
   </p:sldIdLst>
   <p:sldSz cx="12192000" cy="6858000"/>
   <p:notesSz cx="6858000" cy="9144000"/>
@@ -316,7 +318,7 @@
             <a:fld id="{B61BEF0D-F0BB-DE4B-95CE-6DB70DBA9567}" type="datetimeFigureOut">
               <a:rPr lang="en-US" dirty="0"/>
               <a:pPr/>
-              <a:t>1/21/2024</a:t>
+              <a:t>1/22/2024</a:t>
             </a:fld>
             <a:endParaRPr lang="en-US" dirty="0"/>
           </a:p>
@@ -749,7 +751,7 @@
             <a:fld id="{B61BEF0D-F0BB-DE4B-95CE-6DB70DBA9567}" type="datetimeFigureOut">
               <a:rPr lang="en-US" dirty="0"/>
               <a:pPr/>
-              <a:t>1/21/2024</a:t>
+              <a:t>1/22/2024</a:t>
             </a:fld>
             <a:endParaRPr lang="en-US" dirty="0"/>
           </a:p>
@@ -996,7 +998,7 @@
             <a:fld id="{B61BEF0D-F0BB-DE4B-95CE-6DB70DBA9567}" type="datetimeFigureOut">
               <a:rPr lang="en-US" dirty="0"/>
               <a:pPr/>
-              <a:t>1/21/2024</a:t>
+              <a:t>1/22/2024</a:t>
             </a:fld>
             <a:endParaRPr lang="en-US" dirty="0"/>
           </a:p>
@@ -1301,7 +1303,7 @@
             <a:fld id="{B61BEF0D-F0BB-DE4B-95CE-6DB70DBA9567}" type="datetimeFigureOut">
               <a:rPr lang="en-US" dirty="0"/>
               <a:pPr/>
-              <a:t>1/21/2024</a:t>
+              <a:t>1/22/2024</a:t>
             </a:fld>
             <a:endParaRPr lang="en-US" dirty="0"/>
           </a:p>
@@ -1616,7 +1618,7 @@
             <a:fld id="{B61BEF0D-F0BB-DE4B-95CE-6DB70DBA9567}" type="datetimeFigureOut">
               <a:rPr lang="en-US" dirty="0"/>
               <a:pPr/>
-              <a:t>1/21/2024</a:t>
+              <a:t>1/22/2024</a:t>
             </a:fld>
             <a:endParaRPr lang="en-US" dirty="0"/>
           </a:p>
@@ -1915,7 +1917,7 @@
             <a:fld id="{B61BEF0D-F0BB-DE4B-95CE-6DB70DBA9567}" type="datetimeFigureOut">
               <a:rPr lang="en-US" dirty="0"/>
               <a:pPr/>
-              <a:t>1/21/2024</a:t>
+              <a:t>1/22/2024</a:t>
             </a:fld>
             <a:endParaRPr lang="en-US" dirty="0"/>
           </a:p>
@@ -2279,7 +2281,7 @@
             <a:fld id="{B61BEF0D-F0BB-DE4B-95CE-6DB70DBA9567}" type="datetimeFigureOut">
               <a:rPr lang="en-US" dirty="0"/>
               <a:pPr/>
-              <a:t>1/21/2024</a:t>
+              <a:t>1/22/2024</a:t>
             </a:fld>
             <a:endParaRPr lang="en-US" dirty="0"/>
           </a:p>
@@ -2450,7 +2452,7 @@
             <a:fld id="{B61BEF0D-F0BB-DE4B-95CE-6DB70DBA9567}" type="datetimeFigureOut">
               <a:rPr lang="en-US" dirty="0"/>
               <a:pPr/>
-              <a:t>1/21/2024</a:t>
+              <a:t>1/22/2024</a:t>
             </a:fld>
             <a:endParaRPr lang="en-US" dirty="0"/>
           </a:p>
@@ -2627,7 +2629,7 @@
             <a:fld id="{B61BEF0D-F0BB-DE4B-95CE-6DB70DBA9567}" type="datetimeFigureOut">
               <a:rPr lang="en-US" dirty="0"/>
               <a:pPr/>
-              <a:t>1/21/2024</a:t>
+              <a:t>1/22/2024</a:t>
             </a:fld>
             <a:endParaRPr lang="en-US" dirty="0"/>
           </a:p>
@@ -2794,7 +2796,7 @@
             <a:fld id="{B61BEF0D-F0BB-DE4B-95CE-6DB70DBA9567}" type="datetimeFigureOut">
               <a:rPr lang="en-US" dirty="0"/>
               <a:pPr/>
-              <a:t>1/21/2024</a:t>
+              <a:t>1/22/2024</a:t>
             </a:fld>
             <a:endParaRPr lang="en-US" dirty="0"/>
           </a:p>
@@ -3041,7 +3043,7 @@
             <a:fld id="{B61BEF0D-F0BB-DE4B-95CE-6DB70DBA9567}" type="datetimeFigureOut">
               <a:rPr lang="en-US" dirty="0"/>
               <a:pPr/>
-              <a:t>1/21/2024</a:t>
+              <a:t>1/22/2024</a:t>
             </a:fld>
             <a:endParaRPr lang="en-US" dirty="0"/>
           </a:p>
@@ -3274,7 +3276,7 @@
             <a:fld id="{B61BEF0D-F0BB-DE4B-95CE-6DB70DBA9567}" type="datetimeFigureOut">
               <a:rPr lang="en-US" dirty="0"/>
               <a:pPr/>
-              <a:t>1/21/2024</a:t>
+              <a:t>1/22/2024</a:t>
             </a:fld>
             <a:endParaRPr lang="en-US" dirty="0"/>
           </a:p>
@@ -3653,7 +3655,7 @@
             <a:fld id="{B61BEF0D-F0BB-DE4B-95CE-6DB70DBA9567}" type="datetimeFigureOut">
               <a:rPr lang="en-US" dirty="0"/>
               <a:pPr/>
-              <a:t>1/21/2024</a:t>
+              <a:t>1/22/2024</a:t>
             </a:fld>
             <a:endParaRPr lang="en-US" dirty="0"/>
           </a:p>
@@ -3768,7 +3770,7 @@
             <a:fld id="{B61BEF0D-F0BB-DE4B-95CE-6DB70DBA9567}" type="datetimeFigureOut">
               <a:rPr lang="en-US" dirty="0"/>
               <a:pPr/>
-              <a:t>1/21/2024</a:t>
+              <a:t>1/22/2024</a:t>
             </a:fld>
             <a:endParaRPr lang="en-US" dirty="0"/>
           </a:p>
@@ -3860,7 +3862,7 @@
             <a:fld id="{B61BEF0D-F0BB-DE4B-95CE-6DB70DBA9567}" type="datetimeFigureOut">
               <a:rPr lang="en-US" dirty="0"/>
               <a:pPr/>
-              <a:t>1/21/2024</a:t>
+              <a:t>1/22/2024</a:t>
             </a:fld>
             <a:endParaRPr lang="en-US" dirty="0"/>
           </a:p>
@@ -4112,7 +4114,7 @@
             <a:fld id="{B61BEF0D-F0BB-DE4B-95CE-6DB70DBA9567}" type="datetimeFigureOut">
               <a:rPr lang="en-US" dirty="0"/>
               <a:pPr/>
-              <a:t>1/21/2024</a:t>
+              <a:t>1/22/2024</a:t>
             </a:fld>
             <a:endParaRPr lang="en-US" dirty="0"/>
           </a:p>
@@ -4392,7 +4394,7 @@
             <a:fld id="{B61BEF0D-F0BB-DE4B-95CE-6DB70DBA9567}" type="datetimeFigureOut">
               <a:rPr lang="en-US" dirty="0"/>
               <a:pPr/>
-              <a:t>1/21/2024</a:t>
+              <a:t>1/22/2024</a:t>
             </a:fld>
             <a:endParaRPr lang="en-US" dirty="0"/>
           </a:p>
@@ -4795,7 +4797,7 @@
             <a:fld id="{B61BEF0D-F0BB-DE4B-95CE-6DB70DBA9567}" type="datetimeFigureOut">
               <a:rPr lang="en-US" dirty="0"/>
               <a:pPr/>
-              <a:t>1/21/2024</a:t>
+              <a:t>1/22/2024</a:t>
             </a:fld>
             <a:endParaRPr lang="en-US" dirty="0"/>
           </a:p>
@@ -5405,6 +5407,13 @@
   <p:clrMapOvr>
     <a:masterClrMapping/>
   </p:clrMapOvr>
+  <p:timing>
+    <p:tnLst>
+      <p:par>
+        <p:cTn id="1" dur="indefinite" restart="never" nodeType="tmRoot"/>
+      </p:par>
+    </p:tnLst>
+  </p:timing>
 </p:sld>
 </file>
 
@@ -5632,36 +5641,190 @@
       </p:grpSpPr>
       <p:sp>
         <p:nvSpPr>
-          <p:cNvPr id="3" name="Segnaposto contenuto 2"/>
-          <p:cNvSpPr>
-            <a:spLocks noGrp="1"/>
-          </p:cNvSpPr>
-          <p:nvPr>
-            <p:ph idx="1"/>
-          </p:nvPr>
-        </p:nvSpPr>
-        <p:spPr>
-          <a:xfrm>
-            <a:off x="701796" y="2108199"/>
-            <a:ext cx="8534400" cy="3615267"/>
-          </a:xfrm>
-        </p:spPr>
-        <p:txBody>
-          <a:bodyPr/>
-          <a:lstStyle/>
-          <a:p>
-            <a:r>
-              <a:rPr lang="it-IT" dirty="0" smtClean="0"/>
-              <a:t>Slide per la macchina a stati</a:t>
-            </a:r>
+          <p:cNvPr id="4" name="CasellaDiTesto 3"/>
+          <p:cNvSpPr txBox="1"/>
+          <p:nvPr/>
+        </p:nvSpPr>
+        <p:spPr>
+          <a:xfrm>
+            <a:off x="905608" y="589085"/>
+            <a:ext cx="7165731" cy="369332"/>
+          </a:xfrm>
+          <a:prstGeom prst="rect">
+            <a:avLst/>
+          </a:prstGeom>
+          <a:noFill/>
+        </p:spPr>
+        <p:txBody>
+          <a:bodyPr wrap="square" rtlCol="0">
+            <a:spAutoFit/>
+          </a:bodyPr>
+          <a:lstStyle/>
+          <a:p>
             <a:endParaRPr lang="it-IT" dirty="0"/>
           </a:p>
         </p:txBody>
       </p:sp>
+      <p:sp>
+        <p:nvSpPr>
+          <p:cNvPr id="5" name="CasellaDiTesto 4"/>
+          <p:cNvSpPr txBox="1"/>
+          <p:nvPr/>
+        </p:nvSpPr>
+        <p:spPr>
+          <a:xfrm>
+            <a:off x="905608" y="958417"/>
+            <a:ext cx="7165731" cy="461665"/>
+          </a:xfrm>
+          <a:prstGeom prst="rect">
+            <a:avLst/>
+          </a:prstGeom>
+          <a:noFill/>
+        </p:spPr>
+        <p:txBody>
+          <a:bodyPr wrap="square" rtlCol="0">
+            <a:spAutoFit/>
+          </a:bodyPr>
+          <a:lstStyle/>
+          <a:p>
+            <a:r>
+              <a:rPr lang="it-IT" sz="2400" b="1" dirty="0" smtClean="0"/>
+              <a:t>Scrittura del codice del client </a:t>
+            </a:r>
+            <a:r>
+              <a:rPr lang="it-IT" sz="2400" b="1" dirty="0" err="1" smtClean="0"/>
+              <a:t>python</a:t>
+            </a:r>
+            <a:endParaRPr lang="it-IT" sz="2400" b="1" dirty="0"/>
+          </a:p>
+        </p:txBody>
+      </p:sp>
+      <p:sp>
+        <p:nvSpPr>
+          <p:cNvPr id="7" name="CasellaDiTesto 6"/>
+          <p:cNvSpPr txBox="1"/>
+          <p:nvPr/>
+        </p:nvSpPr>
+        <p:spPr>
+          <a:xfrm>
+            <a:off x="615464" y="2202653"/>
+            <a:ext cx="4703883" cy="3785652"/>
+          </a:xfrm>
+          <a:prstGeom prst="rect">
+            <a:avLst/>
+          </a:prstGeom>
+          <a:noFill/>
+        </p:spPr>
+        <p:txBody>
+          <a:bodyPr wrap="square" rtlCol="0">
+            <a:spAutoFit/>
+          </a:bodyPr>
+          <a:lstStyle/>
+          <a:p>
+            <a:pPr marL="285750" indent="-285750">
+              <a:buFont typeface="Arial" panose="020B0604020202020204" pitchFamily="34" charset="0"/>
+              <a:buChar char="•"/>
+            </a:pPr>
+            <a:r>
+              <a:rPr lang="it-IT" sz="2400" dirty="0" smtClean="0"/>
+              <a:t>Integrazione dei moduli di </a:t>
+            </a:r>
+            <a:r>
+              <a:rPr lang="it-IT" sz="2400" dirty="0" err="1" smtClean="0"/>
+              <a:t>pygame</a:t>
+            </a:r>
+            <a:r>
+              <a:rPr lang="it-IT" sz="2400" dirty="0" smtClean="0"/>
+              <a:t> per la grafica</a:t>
+            </a:r>
+          </a:p>
+          <a:p>
+            <a:endParaRPr lang="it-IT" sz="2400" dirty="0"/>
+          </a:p>
+          <a:p>
+            <a:pPr marL="285750" indent="-285750">
+              <a:buFont typeface="Arial" panose="020B0604020202020204" pitchFamily="34" charset="0"/>
+              <a:buChar char="•"/>
+            </a:pPr>
+            <a:r>
+              <a:rPr lang="it-IT" sz="2400" dirty="0" smtClean="0"/>
+              <a:t>Elaborazione dei dati</a:t>
+            </a:r>
+          </a:p>
+          <a:p>
+            <a:pPr marL="285750" indent="-285750">
+              <a:buFont typeface="Arial" panose="020B0604020202020204" pitchFamily="34" charset="0"/>
+              <a:buChar char="•"/>
+            </a:pPr>
+            <a:endParaRPr lang="it-IT" sz="2400" dirty="0"/>
+          </a:p>
+          <a:p>
+            <a:pPr marL="285750" indent="-285750">
+              <a:buFont typeface="Arial" panose="020B0604020202020204" pitchFamily="34" charset="0"/>
+              <a:buChar char="•"/>
+            </a:pPr>
+            <a:r>
+              <a:rPr lang="it-IT" sz="2400" dirty="0" smtClean="0"/>
+              <a:t>Comunicazione bilaterale</a:t>
+            </a:r>
+            <a:endParaRPr lang="it-IT" sz="2400" dirty="0"/>
+          </a:p>
+          <a:p>
+            <a:endParaRPr lang="it-IT" sz="2400" b="1" dirty="0" smtClean="0"/>
+          </a:p>
+          <a:p>
+            <a:pPr marL="285750" indent="-285750">
+              <a:buFont typeface="Arial" panose="020B0604020202020204" pitchFamily="34" charset="0"/>
+              <a:buChar char="•"/>
+            </a:pPr>
+            <a:r>
+              <a:rPr lang="it-IT" sz="2400" dirty="0" smtClean="0"/>
+              <a:t>Interfaccia dinamica</a:t>
+            </a:r>
+            <a:endParaRPr lang="it-IT" sz="2400" dirty="0" smtClean="0"/>
+          </a:p>
+          <a:p>
+            <a:endParaRPr lang="it-IT" sz="2400" dirty="0" smtClean="0"/>
+          </a:p>
+          <a:p>
+            <a:endParaRPr lang="it-IT" sz="2400" dirty="0" smtClean="0"/>
+          </a:p>
+        </p:txBody>
+      </p:sp>
+      <p:pic>
+        <p:nvPicPr>
+          <p:cNvPr id="3" name="Immagine 2"/>
+          <p:cNvPicPr>
+            <a:picLocks noChangeAspect="1"/>
+          </p:cNvPicPr>
+          <p:nvPr/>
+        </p:nvPicPr>
+        <p:blipFill>
+          <a:blip r:embed="rId2">
+            <a:extLst>
+              <a:ext uri="{28A0092B-C50C-407E-A947-70E740481C1C}">
+                <a14:useLocalDpi xmlns:a14="http://schemas.microsoft.com/office/drawing/2010/main" val="0"/>
+              </a:ext>
+            </a:extLst>
+          </a:blip>
+          <a:stretch>
+            <a:fillRect/>
+          </a:stretch>
+        </p:blipFill>
+        <p:spPr>
+          <a:xfrm>
+            <a:off x="5884555" y="1714498"/>
+            <a:ext cx="5850280" cy="4607169"/>
+          </a:xfrm>
+          <a:prstGeom prst="rect">
+            <a:avLst/>
+          </a:prstGeom>
+        </p:spPr>
+      </p:pic>
     </p:spTree>
     <p:extLst>
       <p:ext uri="{BB962C8B-B14F-4D97-AF65-F5344CB8AC3E}">
-        <p14:creationId xmlns:p14="http://schemas.microsoft.com/office/powerpoint/2010/main" val="2045395592"/>
+        <p14:creationId xmlns:p14="http://schemas.microsoft.com/office/powerpoint/2010/main" val="3194711089"/>
       </p:ext>
     </p:extLst>
   </p:cSld>
@@ -5697,41 +5860,13 @@
       </p:grpSpPr>
       <p:sp>
         <p:nvSpPr>
-          <p:cNvPr id="3" name="Segnaposto contenuto 2"/>
-          <p:cNvSpPr>
-            <a:spLocks noGrp="1"/>
-          </p:cNvSpPr>
-          <p:nvPr>
-            <p:ph idx="1"/>
-          </p:nvPr>
-        </p:nvSpPr>
-        <p:spPr>
-          <a:xfrm>
-            <a:off x="710589" y="2453054"/>
-            <a:ext cx="8534400" cy="3615267"/>
-          </a:xfrm>
-        </p:spPr>
-        <p:txBody>
-          <a:bodyPr/>
-          <a:lstStyle/>
-          <a:p>
-            <a:r>
-              <a:rPr lang="it-IT" dirty="0" smtClean="0"/>
-              <a:t>Slide per modifiche del buffer (?)</a:t>
-            </a:r>
-            <a:endParaRPr lang="it-IT" dirty="0"/>
-          </a:p>
-        </p:txBody>
-      </p:sp>
-      <p:sp>
-        <p:nvSpPr>
           <p:cNvPr id="4" name="CasellaDiTesto 3"/>
           <p:cNvSpPr txBox="1"/>
           <p:nvPr/>
         </p:nvSpPr>
         <p:spPr>
           <a:xfrm>
-            <a:off x="710589" y="852854"/>
+            <a:off x="905608" y="589085"/>
             <a:ext cx="7165731" cy="369332"/>
           </a:xfrm>
           <a:prstGeom prst="rect">
@@ -5749,10 +5884,145 @@
           </a:p>
         </p:txBody>
       </p:sp>
+      <p:sp>
+        <p:nvSpPr>
+          <p:cNvPr id="5" name="CasellaDiTesto 4"/>
+          <p:cNvSpPr txBox="1"/>
+          <p:nvPr/>
+        </p:nvSpPr>
+        <p:spPr>
+          <a:xfrm>
+            <a:off x="905608" y="958417"/>
+            <a:ext cx="7165731" cy="461665"/>
+          </a:xfrm>
+          <a:prstGeom prst="rect">
+            <a:avLst/>
+          </a:prstGeom>
+          <a:noFill/>
+        </p:spPr>
+        <p:txBody>
+          <a:bodyPr wrap="square" rtlCol="0">
+            <a:spAutoFit/>
+          </a:bodyPr>
+          <a:lstStyle/>
+          <a:p>
+            <a:r>
+              <a:rPr lang="it-IT" sz="2400" b="1" dirty="0" smtClean="0"/>
+              <a:t>Ricezione dati </a:t>
+            </a:r>
+            <a:r>
+              <a:rPr lang="it-IT" sz="2400" b="1" dirty="0" err="1" smtClean="0"/>
+              <a:t>cloud</a:t>
+            </a:r>
+            <a:r>
+              <a:rPr lang="it-IT" sz="2400" b="1" dirty="0" smtClean="0"/>
+              <a:t>-to-client</a:t>
+            </a:r>
+            <a:endParaRPr lang="it-IT" sz="2400" b="1" dirty="0"/>
+          </a:p>
+        </p:txBody>
+      </p:sp>
+      <p:sp>
+        <p:nvSpPr>
+          <p:cNvPr id="7" name="CasellaDiTesto 6"/>
+          <p:cNvSpPr txBox="1"/>
+          <p:nvPr/>
+        </p:nvSpPr>
+        <p:spPr>
+          <a:xfrm>
+            <a:off x="905608" y="1789414"/>
+            <a:ext cx="10313374" cy="1200329"/>
+          </a:xfrm>
+          <a:prstGeom prst="rect">
+            <a:avLst/>
+          </a:prstGeom>
+          <a:noFill/>
+        </p:spPr>
+        <p:txBody>
+          <a:bodyPr wrap="square" rtlCol="0">
+            <a:spAutoFit/>
+          </a:bodyPr>
+          <a:lstStyle/>
+          <a:p>
+            <a:pPr marL="285750" indent="-285750">
+              <a:buFont typeface="Arial" panose="020B0604020202020204" pitchFamily="34" charset="0"/>
+              <a:buChar char="•"/>
+            </a:pPr>
+            <a:r>
+              <a:rPr lang="it-IT" sz="2400" dirty="0" smtClean="0"/>
+              <a:t>Elaborazione dati dipendente dallo stato corrente (</a:t>
+            </a:r>
+            <a:r>
+              <a:rPr lang="it-IT" sz="2400" dirty="0" err="1" smtClean="0"/>
+              <a:t>roll_state</a:t>
+            </a:r>
+            <a:r>
+              <a:rPr lang="it-IT" sz="2400" dirty="0" smtClean="0"/>
+              <a:t>)</a:t>
+            </a:r>
+          </a:p>
+          <a:p>
+            <a:pPr marL="285750" indent="-285750">
+              <a:buFont typeface="Arial" panose="020B0604020202020204" pitchFamily="34" charset="0"/>
+              <a:buChar char="•"/>
+            </a:pPr>
+            <a:endParaRPr lang="it-IT" sz="2400" dirty="0"/>
+          </a:p>
+          <a:p>
+            <a:pPr marL="285750" indent="-285750">
+              <a:buFont typeface="Arial" panose="020B0604020202020204" pitchFamily="34" charset="0"/>
+              <a:buChar char="•"/>
+            </a:pPr>
+            <a:r>
+              <a:rPr lang="it-IT" sz="2400" dirty="0" smtClean="0"/>
+              <a:t>Formattazione del </a:t>
+            </a:r>
+            <a:r>
+              <a:rPr lang="it-IT" sz="2400" dirty="0" err="1" smtClean="0"/>
+              <a:t>payload</a:t>
+            </a:r>
+            <a:r>
+              <a:rPr lang="it-IT" sz="2400" dirty="0" smtClean="0"/>
+              <a:t> in dati utilizzabili</a:t>
+            </a:r>
+            <a:endParaRPr lang="it-IT" sz="2400" dirty="0" smtClean="0"/>
+          </a:p>
+        </p:txBody>
+      </p:sp>
+      <p:pic>
+        <p:nvPicPr>
+          <p:cNvPr id="2" name="Immagine 1"/>
+          <p:cNvPicPr>
+            <a:picLocks noChangeAspect="1"/>
+          </p:cNvPicPr>
+          <p:nvPr/>
+        </p:nvPicPr>
+        <p:blipFill>
+          <a:blip r:embed="rId2">
+            <a:extLst>
+              <a:ext uri="{28A0092B-C50C-407E-A947-70E740481C1C}">
+                <a14:useLocalDpi xmlns:a14="http://schemas.microsoft.com/office/drawing/2010/main" val="0"/>
+              </a:ext>
+            </a:extLst>
+          </a:blip>
+          <a:stretch>
+            <a:fillRect/>
+          </a:stretch>
+        </p:blipFill>
+        <p:spPr>
+          <a:xfrm>
+            <a:off x="1240822" y="3587673"/>
+            <a:ext cx="9098933" cy="2338341"/>
+          </a:xfrm>
+          <a:prstGeom prst="rect">
+            <a:avLst/>
+          </a:prstGeom>
+        </p:spPr>
+      </p:pic>
     </p:spTree>
     <p:extLst>
       <p:ext uri="{BB962C8B-B14F-4D97-AF65-F5344CB8AC3E}">
-        <p14:creationId xmlns:p14="http://schemas.microsoft.com/office/powerpoint/2010/main" val="1640581264"/>
+        <p14:creationId xmlns:p14="http://schemas.microsoft.com/office/powerpoint/2010/main" val="1750403382"/>
       </p:ext>
     </p:extLst>
   </p:cSld>
@@ -5788,43 +6058,529 @@
       </p:grpSpPr>
       <p:sp>
         <p:nvSpPr>
-          <p:cNvPr id="2" name="Titolo 1"/>
-          <p:cNvSpPr>
-            <a:spLocks noGrp="1"/>
-          </p:cNvSpPr>
-          <p:nvPr>
-            <p:ph type="title"/>
-          </p:nvPr>
-        </p:nvSpPr>
-        <p:spPr/>
-        <p:txBody>
-          <a:bodyPr/>
-          <a:lstStyle/>
-          <a:p>
-            <a:endParaRPr lang="it-IT"/>
-          </a:p>
-        </p:txBody>
-      </p:sp>
-      <p:sp>
-        <p:nvSpPr>
-          <p:cNvPr id="3" name="Segnaposto contenuto 2"/>
-          <p:cNvSpPr>
-            <a:spLocks noGrp="1"/>
-          </p:cNvSpPr>
-          <p:nvPr>
-            <p:ph idx="1"/>
-          </p:nvPr>
-        </p:nvSpPr>
-        <p:spPr/>
-        <p:txBody>
-          <a:bodyPr/>
-          <a:lstStyle/>
-          <a:p>
-            <a:r>
-              <a:rPr lang="it-IT" dirty="0" smtClean="0"/>
-              <a:t>Ringraziamenti e crediti</a:t>
-            </a:r>
+          <p:cNvPr id="4" name="CasellaDiTesto 3"/>
+          <p:cNvSpPr txBox="1"/>
+          <p:nvPr/>
+        </p:nvSpPr>
+        <p:spPr>
+          <a:xfrm>
+            <a:off x="905608" y="589085"/>
+            <a:ext cx="7165731" cy="369332"/>
+          </a:xfrm>
+          <a:prstGeom prst="rect">
+            <a:avLst/>
+          </a:prstGeom>
+          <a:noFill/>
+        </p:spPr>
+        <p:txBody>
+          <a:bodyPr wrap="square" rtlCol="0">
+            <a:spAutoFit/>
+          </a:bodyPr>
+          <a:lstStyle/>
+          <a:p>
             <a:endParaRPr lang="it-IT" dirty="0"/>
+          </a:p>
+        </p:txBody>
+      </p:sp>
+      <p:sp>
+        <p:nvSpPr>
+          <p:cNvPr id="5" name="CasellaDiTesto 4"/>
+          <p:cNvSpPr txBox="1"/>
+          <p:nvPr/>
+        </p:nvSpPr>
+        <p:spPr>
+          <a:xfrm>
+            <a:off x="905608" y="958417"/>
+            <a:ext cx="7165731" cy="461665"/>
+          </a:xfrm>
+          <a:prstGeom prst="rect">
+            <a:avLst/>
+          </a:prstGeom>
+          <a:noFill/>
+        </p:spPr>
+        <p:txBody>
+          <a:bodyPr wrap="square" rtlCol="0">
+            <a:spAutoFit/>
+          </a:bodyPr>
+          <a:lstStyle/>
+          <a:p>
+            <a:r>
+              <a:rPr lang="it-IT" sz="2400" b="1" dirty="0" smtClean="0"/>
+              <a:t>Invio dati client-to-</a:t>
+            </a:r>
+            <a:r>
+              <a:rPr lang="it-IT" sz="2400" b="1" dirty="0" err="1" smtClean="0"/>
+              <a:t>cloud</a:t>
+            </a:r>
+            <a:endParaRPr lang="it-IT" sz="2400" b="1" dirty="0"/>
+          </a:p>
+        </p:txBody>
+      </p:sp>
+      <p:sp>
+        <p:nvSpPr>
+          <p:cNvPr id="7" name="CasellaDiTesto 6"/>
+          <p:cNvSpPr txBox="1"/>
+          <p:nvPr/>
+        </p:nvSpPr>
+        <p:spPr>
+          <a:xfrm>
+            <a:off x="448408" y="2137873"/>
+            <a:ext cx="3789484" cy="3416320"/>
+          </a:xfrm>
+          <a:prstGeom prst="rect">
+            <a:avLst/>
+          </a:prstGeom>
+          <a:noFill/>
+        </p:spPr>
+        <p:txBody>
+          <a:bodyPr wrap="square" rtlCol="0">
+            <a:spAutoFit/>
+          </a:bodyPr>
+          <a:lstStyle/>
+          <a:p>
+            <a:pPr marL="285750" indent="-285750">
+              <a:buFont typeface="Arial" panose="020B0604020202020204" pitchFamily="34" charset="0"/>
+              <a:buChar char="•"/>
+            </a:pPr>
+            <a:r>
+              <a:rPr lang="it-IT" sz="2400" dirty="0" smtClean="0"/>
+              <a:t>Gestione dell’evento generato dalla pressione del pulsante</a:t>
+            </a:r>
+          </a:p>
+          <a:p>
+            <a:endParaRPr lang="it-IT" sz="2400" dirty="0" smtClean="0"/>
+          </a:p>
+          <a:p>
+            <a:pPr marL="285750" indent="-285750">
+              <a:buFont typeface="Arial" panose="020B0604020202020204" pitchFamily="34" charset="0"/>
+              <a:buChar char="•"/>
+            </a:pPr>
+            <a:endParaRPr lang="it-IT" sz="2400" dirty="0"/>
+          </a:p>
+          <a:p>
+            <a:pPr marL="285750" indent="-285750">
+              <a:buFont typeface="Arial" panose="020B0604020202020204" pitchFamily="34" charset="0"/>
+              <a:buChar char="•"/>
+            </a:pPr>
+            <a:r>
+              <a:rPr lang="it-IT" sz="2400" dirty="0" smtClean="0"/>
+              <a:t>Scrittura del </a:t>
+            </a:r>
+            <a:r>
+              <a:rPr lang="it-IT" sz="2400" dirty="0" err="1" smtClean="0"/>
+              <a:t>payload</a:t>
+            </a:r>
+            <a:r>
+              <a:rPr lang="it-IT" sz="2400" dirty="0" smtClean="0"/>
+              <a:t> secondo la sintassi standard di un </a:t>
+            </a:r>
+            <a:r>
+              <a:rPr lang="it-IT" sz="2400" dirty="0" err="1" smtClean="0"/>
+              <a:t>topic</a:t>
+            </a:r>
+            <a:r>
+              <a:rPr lang="it-IT" sz="2400" dirty="0" smtClean="0"/>
+              <a:t> MQTT</a:t>
+            </a:r>
+            <a:r>
+              <a:rPr lang="it-IT" sz="2400" dirty="0" smtClean="0"/>
+              <a:t> </a:t>
+            </a:r>
+            <a:endParaRPr lang="it-IT" sz="2400" dirty="0"/>
+          </a:p>
+        </p:txBody>
+      </p:sp>
+      <p:pic>
+        <p:nvPicPr>
+          <p:cNvPr id="3" name="Immagine 2"/>
+          <p:cNvPicPr>
+            <a:picLocks noChangeAspect="1"/>
+          </p:cNvPicPr>
+          <p:nvPr/>
+        </p:nvPicPr>
+        <p:blipFill>
+          <a:blip r:embed="rId2">
+            <a:extLst>
+              <a:ext uri="{28A0092B-C50C-407E-A947-70E740481C1C}">
+                <a14:useLocalDpi xmlns:a14="http://schemas.microsoft.com/office/drawing/2010/main" val="0"/>
+              </a:ext>
+            </a:extLst>
+          </a:blip>
+          <a:stretch>
+            <a:fillRect/>
+          </a:stretch>
+        </p:blipFill>
+        <p:spPr>
+          <a:xfrm>
+            <a:off x="4681905" y="1853231"/>
+            <a:ext cx="7224386" cy="3985605"/>
+          </a:xfrm>
+          <a:prstGeom prst="rect">
+            <a:avLst/>
+          </a:prstGeom>
+        </p:spPr>
+      </p:pic>
+    </p:spTree>
+    <p:extLst>
+      <p:ext uri="{BB962C8B-B14F-4D97-AF65-F5344CB8AC3E}">
+        <p14:creationId xmlns:p14="http://schemas.microsoft.com/office/powerpoint/2010/main" val="3654148385"/>
+      </p:ext>
+    </p:extLst>
+  </p:cSld>
+  <p:clrMapOvr>
+    <a:masterClrMapping/>
+  </p:clrMapOvr>
+  <p:timing>
+    <p:tnLst>
+      <p:par>
+        <p:cTn id="1" dur="indefinite" restart="never" nodeType="tmRoot"/>
+      </p:par>
+    </p:tnLst>
+  </p:timing>
+</p:sld>
+</file>
+
+<file path=ppt/slides/slide14.xml><?xml version="1.0" encoding="utf-8"?>
+<p:sld xmlns:a="http://schemas.openxmlformats.org/drawingml/2006/main" xmlns:r="http://schemas.openxmlformats.org/officeDocument/2006/relationships" xmlns:p="http://schemas.openxmlformats.org/presentationml/2006/main">
+  <p:cSld>
+    <p:spTree>
+      <p:nvGrpSpPr>
+        <p:cNvPr id="1" name=""/>
+        <p:cNvGrpSpPr/>
+        <p:nvPr/>
+      </p:nvGrpSpPr>
+      <p:grpSpPr>
+        <a:xfrm>
+          <a:off x="0" y="0"/>
+          <a:ext cx="0" cy="0"/>
+          <a:chOff x="0" y="0"/>
+          <a:chExt cx="0" cy="0"/>
+        </a:xfrm>
+      </p:grpSpPr>
+      <p:sp>
+        <p:nvSpPr>
+          <p:cNvPr id="4" name="CasellaDiTesto 3"/>
+          <p:cNvSpPr txBox="1"/>
+          <p:nvPr/>
+        </p:nvSpPr>
+        <p:spPr>
+          <a:xfrm>
+            <a:off x="905608" y="589085"/>
+            <a:ext cx="7165731" cy="369332"/>
+          </a:xfrm>
+          <a:prstGeom prst="rect">
+            <a:avLst/>
+          </a:prstGeom>
+          <a:noFill/>
+        </p:spPr>
+        <p:txBody>
+          <a:bodyPr wrap="square" rtlCol="0">
+            <a:spAutoFit/>
+          </a:bodyPr>
+          <a:lstStyle/>
+          <a:p>
+            <a:endParaRPr lang="it-IT" dirty="0"/>
+          </a:p>
+        </p:txBody>
+      </p:sp>
+      <p:sp>
+        <p:nvSpPr>
+          <p:cNvPr id="5" name="CasellaDiTesto 4"/>
+          <p:cNvSpPr txBox="1"/>
+          <p:nvPr/>
+        </p:nvSpPr>
+        <p:spPr>
+          <a:xfrm>
+            <a:off x="905608" y="756193"/>
+            <a:ext cx="7165731" cy="461665"/>
+          </a:xfrm>
+          <a:prstGeom prst="rect">
+            <a:avLst/>
+          </a:prstGeom>
+          <a:noFill/>
+        </p:spPr>
+        <p:txBody>
+          <a:bodyPr wrap="square" rtlCol="0">
+            <a:spAutoFit/>
+          </a:bodyPr>
+          <a:lstStyle/>
+          <a:p>
+            <a:r>
+              <a:rPr lang="it-IT" sz="2400" b="1" dirty="0" smtClean="0"/>
+              <a:t>Interfaccia grafica del client</a:t>
+            </a:r>
+            <a:endParaRPr lang="it-IT" sz="2400" b="1" dirty="0"/>
+          </a:p>
+        </p:txBody>
+      </p:sp>
+      <p:sp>
+        <p:nvSpPr>
+          <p:cNvPr id="7" name="CasellaDiTesto 6"/>
+          <p:cNvSpPr txBox="1"/>
+          <p:nvPr/>
+        </p:nvSpPr>
+        <p:spPr>
+          <a:xfrm>
+            <a:off x="905608" y="1505286"/>
+            <a:ext cx="10638692" cy="1938992"/>
+          </a:xfrm>
+          <a:prstGeom prst="rect">
+            <a:avLst/>
+          </a:prstGeom>
+          <a:noFill/>
+        </p:spPr>
+        <p:txBody>
+          <a:bodyPr wrap="square" rtlCol="0">
+            <a:spAutoFit/>
+          </a:bodyPr>
+          <a:lstStyle/>
+          <a:p>
+            <a:pPr marL="285750" indent="-285750">
+              <a:buFont typeface="Arial" panose="020B0604020202020204" pitchFamily="34" charset="0"/>
+              <a:buChar char="•"/>
+            </a:pPr>
+            <a:r>
+              <a:rPr lang="it-IT" sz="2400" dirty="0" smtClean="0"/>
+              <a:t>Disposizione dei dadi nell</a:t>
+            </a:r>
+            <a:r>
+              <a:rPr lang="it-IT" sz="2400" dirty="0" smtClean="0"/>
+              <a:t>o spazio</a:t>
+            </a:r>
+            <a:endParaRPr lang="it-IT" sz="2400" dirty="0"/>
+          </a:p>
+          <a:p>
+            <a:pPr marL="285750" indent="-285750">
+              <a:buFont typeface="Arial" panose="020B0604020202020204" pitchFamily="34" charset="0"/>
+              <a:buChar char="•"/>
+            </a:pPr>
+            <a:endParaRPr lang="it-IT" sz="2400" dirty="0" smtClean="0"/>
+          </a:p>
+          <a:p>
+            <a:pPr marL="285750" indent="-285750">
+              <a:buFont typeface="Arial" panose="020B0604020202020204" pitchFamily="34" charset="0"/>
+              <a:buChar char="•"/>
+            </a:pPr>
+            <a:r>
+              <a:rPr lang="it-IT" sz="2400" dirty="0" smtClean="0"/>
+              <a:t>Generazione delle coordinate precise</a:t>
+            </a:r>
+          </a:p>
+          <a:p>
+            <a:endParaRPr lang="it-IT" sz="2400" dirty="0"/>
+          </a:p>
+          <a:p>
+            <a:pPr marL="285750" indent="-285750">
+              <a:buFont typeface="Arial" panose="020B0604020202020204" pitchFamily="34" charset="0"/>
+              <a:buChar char="•"/>
+            </a:pPr>
+            <a:r>
+              <a:rPr lang="it-IT" sz="2400" dirty="0" smtClean="0"/>
+              <a:t>Matrice «immaginaria» di 2 righe e 3 colonne</a:t>
+            </a:r>
+            <a:endParaRPr lang="it-IT" sz="2400" dirty="0"/>
+          </a:p>
+        </p:txBody>
+      </p:sp>
+      <p:pic>
+        <p:nvPicPr>
+          <p:cNvPr id="2" name="Immagine 1"/>
+          <p:cNvPicPr>
+            <a:picLocks noChangeAspect="1"/>
+          </p:cNvPicPr>
+          <p:nvPr/>
+        </p:nvPicPr>
+        <p:blipFill>
+          <a:blip r:embed="rId2">
+            <a:extLst>
+              <a:ext uri="{28A0092B-C50C-407E-A947-70E740481C1C}">
+                <a14:useLocalDpi xmlns:a14="http://schemas.microsoft.com/office/drawing/2010/main" val="0"/>
+              </a:ext>
+            </a:extLst>
+          </a:blip>
+          <a:stretch>
+            <a:fillRect/>
+          </a:stretch>
+        </p:blipFill>
+        <p:spPr>
+          <a:xfrm>
+            <a:off x="1783066" y="3731706"/>
+            <a:ext cx="8452113" cy="2774602"/>
+          </a:xfrm>
+          <a:prstGeom prst="rect">
+            <a:avLst/>
+          </a:prstGeom>
+        </p:spPr>
+      </p:pic>
+    </p:spTree>
+    <p:extLst>
+      <p:ext uri="{BB962C8B-B14F-4D97-AF65-F5344CB8AC3E}">
+        <p14:creationId xmlns:p14="http://schemas.microsoft.com/office/powerpoint/2010/main" val="3816608660"/>
+      </p:ext>
+    </p:extLst>
+  </p:cSld>
+  <p:clrMapOvr>
+    <a:masterClrMapping/>
+  </p:clrMapOvr>
+  <p:timing>
+    <p:tnLst>
+      <p:par>
+        <p:cTn id="1" dur="indefinite" restart="never" nodeType="tmRoot"/>
+      </p:par>
+    </p:tnLst>
+  </p:timing>
+</p:sld>
+</file>
+
+<file path=ppt/slides/slide15.xml><?xml version="1.0" encoding="utf-8"?>
+<p:sld xmlns:a="http://schemas.openxmlformats.org/drawingml/2006/main" xmlns:r="http://schemas.openxmlformats.org/officeDocument/2006/relationships" xmlns:p="http://schemas.openxmlformats.org/presentationml/2006/main">
+  <p:cSld>
+    <p:spTree>
+      <p:nvGrpSpPr>
+        <p:cNvPr id="1" name=""/>
+        <p:cNvGrpSpPr/>
+        <p:nvPr/>
+      </p:nvGrpSpPr>
+      <p:grpSpPr>
+        <a:xfrm>
+          <a:off x="0" y="0"/>
+          <a:ext cx="0" cy="0"/>
+          <a:chOff x="0" y="0"/>
+          <a:chExt cx="0" cy="0"/>
+        </a:xfrm>
+      </p:grpSpPr>
+      <p:sp>
+        <p:nvSpPr>
+          <p:cNvPr id="5" name="CasellaDiTesto 4"/>
+          <p:cNvSpPr txBox="1"/>
+          <p:nvPr/>
+        </p:nvSpPr>
+        <p:spPr>
+          <a:xfrm>
+            <a:off x="2391509" y="1283678"/>
+            <a:ext cx="7227277" cy="1384995"/>
+          </a:xfrm>
+          <a:prstGeom prst="rect">
+            <a:avLst/>
+          </a:prstGeom>
+          <a:noFill/>
+        </p:spPr>
+        <p:txBody>
+          <a:bodyPr wrap="square" rtlCol="0">
+            <a:spAutoFit/>
+          </a:bodyPr>
+          <a:lstStyle/>
+          <a:p>
+            <a:pPr algn="ctr"/>
+            <a:r>
+              <a:rPr lang="it-IT" sz="2800" b="1" dirty="0" smtClean="0"/>
+              <a:t>Link </a:t>
+            </a:r>
+            <a:r>
+              <a:rPr lang="it-IT" sz="2800" b="1" dirty="0" err="1"/>
+              <a:t>G</a:t>
+            </a:r>
+            <a:r>
+              <a:rPr lang="it-IT" sz="2800" b="1" dirty="0" err="1" smtClean="0"/>
+              <a:t>ithub</a:t>
+            </a:r>
+            <a:r>
+              <a:rPr lang="it-IT" sz="2800" b="1" dirty="0" smtClean="0"/>
+              <a:t> alla </a:t>
+            </a:r>
+            <a:r>
+              <a:rPr lang="it-IT" sz="2800" b="1" dirty="0" err="1" smtClean="0"/>
+              <a:t>repository</a:t>
+            </a:r>
+            <a:r>
+              <a:rPr lang="it-IT" sz="2800" b="1" dirty="0" smtClean="0"/>
+              <a:t> del </a:t>
+            </a:r>
+            <a:r>
+              <a:rPr lang="it-IT" sz="2800" b="1" dirty="0"/>
+              <a:t>progetto</a:t>
+            </a:r>
+            <a:r>
+              <a:rPr lang="it-IT" sz="2800" b="1" dirty="0" smtClean="0"/>
+              <a:t>:</a:t>
+            </a:r>
+          </a:p>
+          <a:p>
+            <a:pPr algn="ctr"/>
+            <a:r>
+              <a:rPr lang="it-IT" sz="2800" b="1" dirty="0"/>
+              <a:t/>
+            </a:r>
+            <a:br>
+              <a:rPr lang="it-IT" sz="2800" b="1" dirty="0"/>
+            </a:br>
+            <a:r>
+              <a:rPr lang="it-IT" sz="2800" b="1" dirty="0">
+                <a:hlinkClick r:id="rId2"/>
+              </a:rPr>
+              <a:t>https://t.ly/G0qwD</a:t>
+            </a:r>
+            <a:endParaRPr lang="it-IT" sz="2800" b="1" dirty="0"/>
+          </a:p>
+        </p:txBody>
+      </p:sp>
+      <p:sp>
+        <p:nvSpPr>
+          <p:cNvPr id="6" name="CasellaDiTesto 5"/>
+          <p:cNvSpPr txBox="1"/>
+          <p:nvPr/>
+        </p:nvSpPr>
+        <p:spPr>
+          <a:xfrm>
+            <a:off x="1793631" y="3789485"/>
+            <a:ext cx="8423031" cy="1569660"/>
+          </a:xfrm>
+          <a:prstGeom prst="rect">
+            <a:avLst/>
+          </a:prstGeom>
+          <a:noFill/>
+        </p:spPr>
+        <p:txBody>
+          <a:bodyPr wrap="square" rtlCol="0">
+            <a:spAutoFit/>
+          </a:bodyPr>
+          <a:lstStyle/>
+          <a:p>
+            <a:pPr algn="ctr"/>
+            <a:r>
+              <a:rPr lang="it-IT" sz="2400" dirty="0" smtClean="0"/>
+              <a:t>Random </a:t>
+            </a:r>
+            <a:r>
+              <a:rPr lang="it-IT" sz="2400" dirty="0" err="1" smtClean="0"/>
+              <a:t>Number</a:t>
+            </a:r>
+            <a:r>
+              <a:rPr lang="it-IT" sz="2400" dirty="0" smtClean="0"/>
+              <a:t> Generator by:</a:t>
+            </a:r>
+            <a:br>
+              <a:rPr lang="it-IT" sz="2400" dirty="0" smtClean="0"/>
+            </a:br>
+            <a:r>
+              <a:rPr lang="it-IT" sz="2400" dirty="0" smtClean="0"/>
+              <a:t/>
+            </a:r>
+            <a:br>
+              <a:rPr lang="it-IT" sz="2400" dirty="0" smtClean="0"/>
+            </a:br>
+            <a:r>
+              <a:rPr lang="it-IT" sz="2400" dirty="0" smtClean="0"/>
+              <a:t>Davide Reverberi</a:t>
+            </a:r>
+          </a:p>
+          <a:p>
+            <a:pPr algn="ctr"/>
+            <a:r>
+              <a:rPr lang="it-IT" sz="2400" dirty="0" smtClean="0"/>
+              <a:t>Alessandro Galloni</a:t>
+            </a:r>
+            <a:endParaRPr lang="it-IT" sz="2400" dirty="0"/>
           </a:p>
         </p:txBody>
       </p:sp>
@@ -5838,6 +6594,13 @@
   <p:clrMapOvr>
     <a:masterClrMapping/>
   </p:clrMapOvr>
+  <p:timing>
+    <p:tnLst>
+      <p:par>
+        <p:cTn id="1" dur="indefinite" restart="never" nodeType="tmRoot"/>
+      </p:par>
+    </p:tnLst>
+  </p:timing>
 </p:sld>
 </file>
 
@@ -6153,6 +6916,13 @@
   <p:clrMapOvr>
     <a:masterClrMapping/>
   </p:clrMapOvr>
+  <p:timing>
+    <p:tnLst>
+      <p:par>
+        <p:cTn id="1" dur="indefinite" restart="never" nodeType="tmRoot"/>
+      </p:par>
+    </p:tnLst>
+  </p:timing>
 </p:sld>
 </file>
 
@@ -6309,6 +7079,13 @@
   <p:clrMapOvr>
     <a:masterClrMapping/>
   </p:clrMapOvr>
+  <p:timing>
+    <p:tnLst>
+      <p:par>
+        <p:cTn id="1" dur="indefinite" restart="never" nodeType="tmRoot"/>
+      </p:par>
+    </p:tnLst>
+  </p:timing>
 </p:sld>
 </file>
 
@@ -7309,7 +8086,11 @@
             </a:r>
             <a:r>
               <a:rPr lang="it-IT" sz="2400" dirty="0" smtClean="0"/>
-              <a:t>() per comunicazione </a:t>
+              <a:t>() </a:t>
+            </a:r>
+            <a:r>
+              <a:rPr lang="it-IT" sz="2400" dirty="0" smtClean="0"/>
+              <a:t>per la comunicazione </a:t>
             </a:r>
             <a:r>
               <a:rPr lang="it-IT" sz="2400" b="1" dirty="0" err="1" smtClean="0"/>

--- a/PresentazioneOfficial.pptx
+++ b/PresentazioneOfficial.pptx
@@ -11,8 +11,8 @@
     <p:sldId id="260" r:id="rId5"/>
     <p:sldId id="261" r:id="rId6"/>
     <p:sldId id="267" r:id="rId7"/>
-    <p:sldId id="265" r:id="rId8"/>
-    <p:sldId id="266" r:id="rId9"/>
+    <p:sldId id="266" r:id="rId8"/>
+    <p:sldId id="265" r:id="rId9"/>
     <p:sldId id="268" r:id="rId10"/>
     <p:sldId id="269" r:id="rId11"/>
     <p:sldId id="270" r:id="rId12"/>
@@ -172,7 +172,7 @@
           </a:lstStyle>
           <a:p>
             <a:r>
-              <a:rPr lang="it-IT" smtClean="0"/>
+              <a:rPr lang="it-IT"/>
               <a:t>Fare clic per modificare lo stile del titolo</a:t>
             </a:r>
             <a:endParaRPr lang="en-US" dirty="0"/>
@@ -293,7 +293,7 @@
           </a:lstStyle>
           <a:p>
             <a:r>
-              <a:rPr lang="it-IT" smtClean="0"/>
+              <a:rPr lang="it-IT"/>
               <a:t>Fare clic per modificare lo stile del sottotitolo dello schema</a:t>
             </a:r>
             <a:endParaRPr lang="en-US" dirty="0"/>
@@ -318,7 +318,7 @@
             <a:fld id="{B61BEF0D-F0BB-DE4B-95CE-6DB70DBA9567}" type="datetimeFigureOut">
               <a:rPr lang="en-US" dirty="0"/>
               <a:pPr/>
-              <a:t>1/22/2024</a:t>
+              <a:t>1/23/2024</a:t>
             </a:fld>
             <a:endParaRPr lang="en-US" dirty="0"/>
           </a:p>
@@ -583,7 +583,7 @@
           <a:lstStyle/>
           <a:p>
             <a:r>
-              <a:rPr lang="it-IT" smtClean="0"/>
+              <a:rPr lang="it-IT"/>
               <a:t>Fare clic per modificare lo stile del titolo</a:t>
             </a:r>
             <a:endParaRPr lang="en-US" dirty="0"/>
@@ -670,7 +670,7 @@
           </a:lstStyle>
           <a:p>
             <a:r>
-              <a:rPr lang="it-IT" smtClean="0"/>
+              <a:rPr lang="it-IT"/>
               <a:t>Fare clic sull'icona per inserire un'immagine</a:t>
             </a:r>
             <a:endParaRPr lang="en-US" dirty="0"/>
@@ -727,7 +727,7 @@
           <a:p>
             <a:pPr lvl="0"/>
             <a:r>
-              <a:rPr lang="it-IT" smtClean="0"/>
+              <a:rPr lang="it-IT"/>
               <a:t>Modifica gli stili del testo dello schema</a:t>
             </a:r>
           </a:p>
@@ -751,7 +751,7 @@
             <a:fld id="{B61BEF0D-F0BB-DE4B-95CE-6DB70DBA9567}" type="datetimeFigureOut">
               <a:rPr lang="en-US" dirty="0"/>
               <a:pPr/>
-              <a:t>1/22/2024</a:t>
+              <a:t>1/23/2024</a:t>
             </a:fld>
             <a:endParaRPr lang="en-US" dirty="0"/>
           </a:p>
@@ -852,7 +852,7 @@
           </a:lstStyle>
           <a:p>
             <a:r>
-              <a:rPr lang="it-IT" smtClean="0"/>
+              <a:rPr lang="it-IT"/>
               <a:t>Fare clic per modificare lo stile del titolo</a:t>
             </a:r>
             <a:endParaRPr lang="en-US" dirty="0"/>
@@ -974,7 +974,7 @@
           <a:p>
             <a:pPr lvl="0"/>
             <a:r>
-              <a:rPr lang="it-IT" smtClean="0"/>
+              <a:rPr lang="it-IT"/>
               <a:t>Modifica gli stili del testo dello schema</a:t>
             </a:r>
           </a:p>
@@ -998,7 +998,7 @@
             <a:fld id="{B61BEF0D-F0BB-DE4B-95CE-6DB70DBA9567}" type="datetimeFigureOut">
               <a:rPr lang="en-US" dirty="0"/>
               <a:pPr/>
-              <a:t>1/22/2024</a:t>
+              <a:t>1/23/2024</a:t>
             </a:fld>
             <a:endParaRPr lang="en-US" dirty="0"/>
           </a:p>
@@ -1103,7 +1103,7 @@
           </a:lstStyle>
           <a:p>
             <a:r>
-              <a:rPr lang="it-IT" smtClean="0"/>
+              <a:rPr lang="it-IT"/>
               <a:t>Fare clic per modificare lo stile del titolo</a:t>
             </a:r>
             <a:endParaRPr lang="en-US" dirty="0"/>
@@ -1158,7 +1158,7 @@
           <a:p>
             <a:pPr lvl="0"/>
             <a:r>
-              <a:rPr lang="it-IT" smtClean="0"/>
+              <a:rPr lang="it-IT"/>
               <a:t>Modifica gli stili del testo dello schema</a:t>
             </a:r>
           </a:p>
@@ -1279,7 +1279,7 @@
           <a:p>
             <a:pPr lvl="0"/>
             <a:r>
-              <a:rPr lang="it-IT" smtClean="0"/>
+              <a:rPr lang="it-IT"/>
               <a:t>Modifica gli stili del testo dello schema</a:t>
             </a:r>
           </a:p>
@@ -1303,7 +1303,7 @@
             <a:fld id="{B61BEF0D-F0BB-DE4B-95CE-6DB70DBA9567}" type="datetimeFigureOut">
               <a:rPr lang="en-US" dirty="0"/>
               <a:pPr/>
-              <a:t>1/22/2024</a:t>
+              <a:t>1/23/2024</a:t>
             </a:fld>
             <a:endParaRPr lang="en-US" dirty="0"/>
           </a:p>
@@ -1472,7 +1472,7 @@
           </a:lstStyle>
           <a:p>
             <a:r>
-              <a:rPr lang="it-IT" smtClean="0"/>
+              <a:rPr lang="it-IT"/>
               <a:t>Fare clic per modificare lo stile del titolo</a:t>
             </a:r>
             <a:endParaRPr lang="en-US" dirty="0"/>
@@ -1594,7 +1594,7 @@
           <a:p>
             <a:pPr lvl="0"/>
             <a:r>
-              <a:rPr lang="it-IT" smtClean="0"/>
+              <a:rPr lang="it-IT"/>
               <a:t>Modifica gli stili del testo dello schema</a:t>
             </a:r>
           </a:p>
@@ -1618,7 +1618,7 @@
             <a:fld id="{B61BEF0D-F0BB-DE4B-95CE-6DB70DBA9567}" type="datetimeFigureOut">
               <a:rPr lang="en-US" dirty="0"/>
               <a:pPr/>
-              <a:t>1/22/2024</a:t>
+              <a:t>1/23/2024</a:t>
             </a:fld>
             <a:endParaRPr lang="en-US" dirty="0"/>
           </a:p>
@@ -1723,7 +1723,7 @@
           </a:lstStyle>
           <a:p>
             <a:r>
-              <a:rPr lang="it-IT" smtClean="0"/>
+              <a:rPr lang="it-IT"/>
               <a:t>Fare clic per modificare lo stile del titolo</a:t>
             </a:r>
             <a:endParaRPr lang="en-US" dirty="0"/>
@@ -1772,7 +1772,7 @@
               <a:buNone/>
             </a:pPr>
             <a:r>
-              <a:rPr lang="it-IT" smtClean="0"/>
+              <a:rPr lang="it-IT"/>
               <a:t>Modifica gli stili del testo dello schema</a:t>
             </a:r>
           </a:p>
@@ -1893,7 +1893,7 @@
           <a:p>
             <a:pPr lvl="0"/>
             <a:r>
-              <a:rPr lang="it-IT" smtClean="0"/>
+              <a:rPr lang="it-IT"/>
               <a:t>Modifica gli stili del testo dello schema</a:t>
             </a:r>
           </a:p>
@@ -1917,7 +1917,7 @@
             <a:fld id="{B61BEF0D-F0BB-DE4B-95CE-6DB70DBA9567}" type="datetimeFigureOut">
               <a:rPr lang="en-US" dirty="0"/>
               <a:pPr/>
-              <a:t>1/22/2024</a:t>
+              <a:t>1/23/2024</a:t>
             </a:fld>
             <a:endParaRPr lang="en-US" dirty="0"/>
           </a:p>
@@ -2087,7 +2087,7 @@
           <a:p>
             <a:pPr marL="0" lvl="0"/>
             <a:r>
-              <a:rPr lang="it-IT" smtClean="0"/>
+              <a:rPr lang="it-IT"/>
               <a:t>Fare clic per modificare lo stile del titolo</a:t>
             </a:r>
             <a:endParaRPr lang="en-US" dirty="0"/>
@@ -2136,7 +2136,7 @@
               <a:buNone/>
             </a:pPr>
             <a:r>
-              <a:rPr lang="it-IT" smtClean="0"/>
+              <a:rPr lang="it-IT"/>
               <a:t>Modifica gli stili del testo dello schema</a:t>
             </a:r>
           </a:p>
@@ -2257,7 +2257,7 @@
           <a:p>
             <a:pPr lvl="0"/>
             <a:r>
-              <a:rPr lang="it-IT" smtClean="0"/>
+              <a:rPr lang="it-IT"/>
               <a:t>Modifica gli stili del testo dello schema</a:t>
             </a:r>
           </a:p>
@@ -2281,7 +2281,7 @@
             <a:fld id="{B61BEF0D-F0BB-DE4B-95CE-6DB70DBA9567}" type="datetimeFigureOut">
               <a:rPr lang="en-US" dirty="0"/>
               <a:pPr/>
-              <a:t>1/22/2024</a:t>
+              <a:t>1/23/2024</a:t>
             </a:fld>
             <a:endParaRPr lang="en-US" dirty="0"/>
           </a:p>
@@ -2375,7 +2375,7 @@
           </a:lstStyle>
           <a:p>
             <a:r>
-              <a:rPr lang="it-IT" smtClean="0"/>
+              <a:rPr lang="it-IT"/>
               <a:t>Fare clic per modificare lo stile del titolo</a:t>
             </a:r>
             <a:endParaRPr lang="en-US" dirty="0"/>
@@ -2399,35 +2399,35 @@
           <a:p>
             <a:pPr lvl="0"/>
             <a:r>
-              <a:rPr lang="it-IT" smtClean="0"/>
+              <a:rPr lang="it-IT"/>
               <a:t>Modifica gli stili del testo dello schema</a:t>
             </a:r>
           </a:p>
           <a:p>
             <a:pPr lvl="1"/>
             <a:r>
-              <a:rPr lang="it-IT" smtClean="0"/>
+              <a:rPr lang="it-IT"/>
               <a:t>Secondo livello</a:t>
             </a:r>
           </a:p>
           <a:p>
             <a:pPr lvl="2"/>
             <a:r>
-              <a:rPr lang="it-IT" smtClean="0"/>
+              <a:rPr lang="it-IT"/>
               <a:t>Terzo livello</a:t>
             </a:r>
           </a:p>
           <a:p>
             <a:pPr lvl="3"/>
             <a:r>
-              <a:rPr lang="it-IT" smtClean="0"/>
+              <a:rPr lang="it-IT"/>
               <a:t>Quarto livello</a:t>
             </a:r>
           </a:p>
           <a:p>
             <a:pPr lvl="4"/>
             <a:r>
-              <a:rPr lang="it-IT" smtClean="0"/>
+              <a:rPr lang="it-IT"/>
               <a:t>Quinto livello</a:t>
             </a:r>
             <a:endParaRPr lang="en-US" dirty="0"/>
@@ -2452,7 +2452,7 @@
             <a:fld id="{B61BEF0D-F0BB-DE4B-95CE-6DB70DBA9567}" type="datetimeFigureOut">
               <a:rPr lang="en-US" dirty="0"/>
               <a:pPr/>
-              <a:t>1/22/2024</a:t>
+              <a:t>1/23/2024</a:t>
             </a:fld>
             <a:endParaRPr lang="en-US" dirty="0"/>
           </a:p>
@@ -2547,7 +2547,7 @@
           <a:lstStyle/>
           <a:p>
             <a:r>
-              <a:rPr lang="it-IT" smtClean="0"/>
+              <a:rPr lang="it-IT"/>
               <a:t>Fare clic per modificare lo stile del titolo</a:t>
             </a:r>
             <a:endParaRPr lang="en-US" dirty="0"/>
@@ -2576,35 +2576,35 @@
           <a:p>
             <a:pPr lvl="0"/>
             <a:r>
-              <a:rPr lang="it-IT" smtClean="0"/>
+              <a:rPr lang="it-IT"/>
               <a:t>Modifica gli stili del testo dello schema</a:t>
             </a:r>
           </a:p>
           <a:p>
             <a:pPr lvl="1"/>
             <a:r>
-              <a:rPr lang="it-IT" smtClean="0"/>
+              <a:rPr lang="it-IT"/>
               <a:t>Secondo livello</a:t>
             </a:r>
           </a:p>
           <a:p>
             <a:pPr lvl="2"/>
             <a:r>
-              <a:rPr lang="it-IT" smtClean="0"/>
+              <a:rPr lang="it-IT"/>
               <a:t>Terzo livello</a:t>
             </a:r>
           </a:p>
           <a:p>
             <a:pPr lvl="3"/>
             <a:r>
-              <a:rPr lang="it-IT" smtClean="0"/>
+              <a:rPr lang="it-IT"/>
               <a:t>Quarto livello</a:t>
             </a:r>
           </a:p>
           <a:p>
             <a:pPr lvl="4"/>
             <a:r>
-              <a:rPr lang="it-IT" smtClean="0"/>
+              <a:rPr lang="it-IT"/>
               <a:t>Quinto livello</a:t>
             </a:r>
             <a:endParaRPr lang="en-US" dirty="0"/>
@@ -2629,7 +2629,7 @@
             <a:fld id="{B61BEF0D-F0BB-DE4B-95CE-6DB70DBA9567}" type="datetimeFigureOut">
               <a:rPr lang="en-US" dirty="0"/>
               <a:pPr/>
-              <a:t>1/22/2024</a:t>
+              <a:t>1/23/2024</a:t>
             </a:fld>
             <a:endParaRPr lang="en-US" dirty="0"/>
           </a:p>
@@ -2719,7 +2719,7 @@
           <a:lstStyle/>
           <a:p>
             <a:r>
-              <a:rPr lang="it-IT" smtClean="0"/>
+              <a:rPr lang="it-IT"/>
               <a:t>Fare clic per modificare lo stile del titolo</a:t>
             </a:r>
             <a:endParaRPr lang="en-US" dirty="0"/>
@@ -2743,35 +2743,35 @@
           <a:p>
             <a:pPr lvl="0"/>
             <a:r>
-              <a:rPr lang="it-IT" smtClean="0"/>
+              <a:rPr lang="it-IT"/>
               <a:t>Modifica gli stili del testo dello schema</a:t>
             </a:r>
           </a:p>
           <a:p>
             <a:pPr lvl="1"/>
             <a:r>
-              <a:rPr lang="it-IT" smtClean="0"/>
+              <a:rPr lang="it-IT"/>
               <a:t>Secondo livello</a:t>
             </a:r>
           </a:p>
           <a:p>
             <a:pPr lvl="2"/>
             <a:r>
-              <a:rPr lang="it-IT" smtClean="0"/>
+              <a:rPr lang="it-IT"/>
               <a:t>Terzo livello</a:t>
             </a:r>
           </a:p>
           <a:p>
             <a:pPr lvl="3"/>
             <a:r>
-              <a:rPr lang="it-IT" smtClean="0"/>
+              <a:rPr lang="it-IT"/>
               <a:t>Quarto livello</a:t>
             </a:r>
           </a:p>
           <a:p>
             <a:pPr lvl="4"/>
             <a:r>
-              <a:rPr lang="it-IT" smtClean="0"/>
+              <a:rPr lang="it-IT"/>
               <a:t>Quinto livello</a:t>
             </a:r>
             <a:endParaRPr lang="en-US" dirty="0"/>
@@ -2796,7 +2796,7 @@
             <a:fld id="{B61BEF0D-F0BB-DE4B-95CE-6DB70DBA9567}" type="datetimeFigureOut">
               <a:rPr lang="en-US" dirty="0"/>
               <a:pPr/>
-              <a:t>1/22/2024</a:t>
+              <a:t>1/23/2024</a:t>
             </a:fld>
             <a:endParaRPr lang="en-US" dirty="0"/>
           </a:p>
@@ -2897,7 +2897,7 @@
           </a:lstStyle>
           <a:p>
             <a:r>
-              <a:rPr lang="it-IT" smtClean="0"/>
+              <a:rPr lang="it-IT"/>
               <a:t>Fare clic per modificare lo stile del titolo</a:t>
             </a:r>
             <a:endParaRPr lang="en-US" dirty="0"/>
@@ -3019,7 +3019,7 @@
           <a:p>
             <a:pPr lvl="0"/>
             <a:r>
-              <a:rPr lang="it-IT" smtClean="0"/>
+              <a:rPr lang="it-IT"/>
               <a:t>Modifica gli stili del testo dello schema</a:t>
             </a:r>
           </a:p>
@@ -3043,7 +3043,7 @@
             <a:fld id="{B61BEF0D-F0BB-DE4B-95CE-6DB70DBA9567}" type="datetimeFigureOut">
               <a:rPr lang="en-US" dirty="0"/>
               <a:pPr/>
-              <a:t>1/22/2024</a:t>
+              <a:t>1/23/2024</a:t>
             </a:fld>
             <a:endParaRPr lang="en-US" dirty="0"/>
           </a:p>
@@ -3133,7 +3133,7 @@
           <a:lstStyle/>
           <a:p>
             <a:r>
-              <a:rPr lang="it-IT" smtClean="0"/>
+              <a:rPr lang="it-IT"/>
               <a:t>Fare clic per modificare lo stile del titolo</a:t>
             </a:r>
             <a:endParaRPr lang="en-US" dirty="0"/>
@@ -3164,35 +3164,35 @@
           <a:p>
             <a:pPr lvl="0"/>
             <a:r>
-              <a:rPr lang="it-IT" smtClean="0"/>
+              <a:rPr lang="it-IT"/>
               <a:t>Modifica gli stili del testo dello schema</a:t>
             </a:r>
           </a:p>
           <a:p>
             <a:pPr lvl="1"/>
             <a:r>
-              <a:rPr lang="it-IT" smtClean="0"/>
+              <a:rPr lang="it-IT"/>
               <a:t>Secondo livello</a:t>
             </a:r>
           </a:p>
           <a:p>
             <a:pPr lvl="2"/>
             <a:r>
-              <a:rPr lang="it-IT" smtClean="0"/>
+              <a:rPr lang="it-IT"/>
               <a:t>Terzo livello</a:t>
             </a:r>
           </a:p>
           <a:p>
             <a:pPr lvl="3"/>
             <a:r>
-              <a:rPr lang="it-IT" smtClean="0"/>
+              <a:rPr lang="it-IT"/>
               <a:t>Quarto livello</a:t>
             </a:r>
           </a:p>
           <a:p>
             <a:pPr lvl="4"/>
             <a:r>
-              <a:rPr lang="it-IT" smtClean="0"/>
+              <a:rPr lang="it-IT"/>
               <a:t>Quinto livello</a:t>
             </a:r>
             <a:endParaRPr lang="en-US" dirty="0"/>
@@ -3223,35 +3223,35 @@
           <a:p>
             <a:pPr lvl="0"/>
             <a:r>
-              <a:rPr lang="it-IT" smtClean="0"/>
+              <a:rPr lang="it-IT"/>
               <a:t>Modifica gli stili del testo dello schema</a:t>
             </a:r>
           </a:p>
           <a:p>
             <a:pPr lvl="1"/>
             <a:r>
-              <a:rPr lang="it-IT" smtClean="0"/>
+              <a:rPr lang="it-IT"/>
               <a:t>Secondo livello</a:t>
             </a:r>
           </a:p>
           <a:p>
             <a:pPr lvl="2"/>
             <a:r>
-              <a:rPr lang="it-IT" smtClean="0"/>
+              <a:rPr lang="it-IT"/>
               <a:t>Terzo livello</a:t>
             </a:r>
           </a:p>
           <a:p>
             <a:pPr lvl="3"/>
             <a:r>
-              <a:rPr lang="it-IT" smtClean="0"/>
+              <a:rPr lang="it-IT"/>
               <a:t>Quarto livello</a:t>
             </a:r>
           </a:p>
           <a:p>
             <a:pPr lvl="4"/>
             <a:r>
-              <a:rPr lang="it-IT" smtClean="0"/>
+              <a:rPr lang="it-IT"/>
               <a:t>Quinto livello</a:t>
             </a:r>
             <a:endParaRPr lang="en-US" dirty="0"/>
@@ -3276,7 +3276,7 @@
             <a:fld id="{B61BEF0D-F0BB-DE4B-95CE-6DB70DBA9567}" type="datetimeFigureOut">
               <a:rPr lang="en-US" dirty="0"/>
               <a:pPr/>
-              <a:t>1/22/2024</a:t>
+              <a:t>1/23/2024</a:t>
             </a:fld>
             <a:endParaRPr lang="en-US" dirty="0"/>
           </a:p>
@@ -3370,7 +3370,7 @@
           </a:lstStyle>
           <a:p>
             <a:r>
-              <a:rPr lang="it-IT" smtClean="0"/>
+              <a:rPr lang="it-IT"/>
               <a:t>Fare clic per modificare lo stile del titolo</a:t>
             </a:r>
             <a:endParaRPr lang="en-US" dirty="0"/>
@@ -3442,7 +3442,7 @@
           <a:p>
             <a:pPr lvl="0"/>
             <a:r>
-              <a:rPr lang="it-IT" smtClean="0"/>
+              <a:rPr lang="it-IT"/>
               <a:t>Modifica gli stili del testo dello schema</a:t>
             </a:r>
           </a:p>
@@ -3472,35 +3472,35 @@
           <a:p>
             <a:pPr lvl="0"/>
             <a:r>
-              <a:rPr lang="it-IT" smtClean="0"/>
+              <a:rPr lang="it-IT"/>
               <a:t>Modifica gli stili del testo dello schema</a:t>
             </a:r>
           </a:p>
           <a:p>
             <a:pPr lvl="1"/>
             <a:r>
-              <a:rPr lang="it-IT" smtClean="0"/>
+              <a:rPr lang="it-IT"/>
               <a:t>Secondo livello</a:t>
             </a:r>
           </a:p>
           <a:p>
             <a:pPr lvl="2"/>
             <a:r>
-              <a:rPr lang="it-IT" smtClean="0"/>
+              <a:rPr lang="it-IT"/>
               <a:t>Terzo livello</a:t>
             </a:r>
           </a:p>
           <a:p>
             <a:pPr lvl="3"/>
             <a:r>
-              <a:rPr lang="it-IT" smtClean="0"/>
+              <a:rPr lang="it-IT"/>
               <a:t>Quarto livello</a:t>
             </a:r>
           </a:p>
           <a:p>
             <a:pPr lvl="4"/>
             <a:r>
-              <a:rPr lang="it-IT" smtClean="0"/>
+              <a:rPr lang="it-IT"/>
               <a:t>Quinto livello</a:t>
             </a:r>
             <a:endParaRPr lang="en-US" dirty="0"/>
@@ -3572,7 +3572,7 @@
           <a:p>
             <a:pPr lvl="0"/>
             <a:r>
-              <a:rPr lang="it-IT" smtClean="0"/>
+              <a:rPr lang="it-IT"/>
               <a:t>Modifica gli stili del testo dello schema</a:t>
             </a:r>
           </a:p>
@@ -3602,35 +3602,35 @@
           <a:p>
             <a:pPr lvl="0"/>
             <a:r>
-              <a:rPr lang="it-IT" smtClean="0"/>
+              <a:rPr lang="it-IT"/>
               <a:t>Modifica gli stili del testo dello schema</a:t>
             </a:r>
           </a:p>
           <a:p>
             <a:pPr lvl="1"/>
             <a:r>
-              <a:rPr lang="it-IT" smtClean="0"/>
+              <a:rPr lang="it-IT"/>
               <a:t>Secondo livello</a:t>
             </a:r>
           </a:p>
           <a:p>
             <a:pPr lvl="2"/>
             <a:r>
-              <a:rPr lang="it-IT" smtClean="0"/>
+              <a:rPr lang="it-IT"/>
               <a:t>Terzo livello</a:t>
             </a:r>
           </a:p>
           <a:p>
             <a:pPr lvl="3"/>
             <a:r>
-              <a:rPr lang="it-IT" smtClean="0"/>
+              <a:rPr lang="it-IT"/>
               <a:t>Quarto livello</a:t>
             </a:r>
           </a:p>
           <a:p>
             <a:pPr lvl="4"/>
             <a:r>
-              <a:rPr lang="it-IT" smtClean="0"/>
+              <a:rPr lang="it-IT"/>
               <a:t>Quinto livello</a:t>
             </a:r>
             <a:endParaRPr lang="en-US" dirty="0"/>
@@ -3655,7 +3655,7 @@
             <a:fld id="{B61BEF0D-F0BB-DE4B-95CE-6DB70DBA9567}" type="datetimeFigureOut">
               <a:rPr lang="en-US" dirty="0"/>
               <a:pPr/>
-              <a:t>1/22/2024</a:t>
+              <a:t>1/23/2024</a:t>
             </a:fld>
             <a:endParaRPr lang="en-US" dirty="0"/>
           </a:p>
@@ -3745,7 +3745,7 @@
           <a:lstStyle/>
           <a:p>
             <a:r>
-              <a:rPr lang="it-IT" smtClean="0"/>
+              <a:rPr lang="it-IT"/>
               <a:t>Fare clic per modificare lo stile del titolo</a:t>
             </a:r>
             <a:endParaRPr lang="en-US" dirty="0"/>
@@ -3770,7 +3770,7 @@
             <a:fld id="{B61BEF0D-F0BB-DE4B-95CE-6DB70DBA9567}" type="datetimeFigureOut">
               <a:rPr lang="en-US" dirty="0"/>
               <a:pPr/>
-              <a:t>1/22/2024</a:t>
+              <a:t>1/23/2024</a:t>
             </a:fld>
             <a:endParaRPr lang="en-US" dirty="0"/>
           </a:p>
@@ -3862,7 +3862,7 @@
             <a:fld id="{B61BEF0D-F0BB-DE4B-95CE-6DB70DBA9567}" type="datetimeFigureOut">
               <a:rPr lang="en-US" dirty="0"/>
               <a:pPr/>
-              <a:t>1/22/2024</a:t>
+              <a:t>1/23/2024</a:t>
             </a:fld>
             <a:endParaRPr lang="en-US" dirty="0"/>
           </a:p>
@@ -3963,7 +3963,7 @@
           </a:lstStyle>
           <a:p>
             <a:r>
-              <a:rPr lang="it-IT" smtClean="0"/>
+              <a:rPr lang="it-IT"/>
               <a:t>Fare clic per modificare lo stile del titolo</a:t>
             </a:r>
             <a:endParaRPr lang="en-US" dirty="0"/>
@@ -3994,35 +3994,35 @@
           <a:p>
             <a:pPr lvl="0"/>
             <a:r>
-              <a:rPr lang="it-IT" smtClean="0"/>
+              <a:rPr lang="it-IT"/>
               <a:t>Modifica gli stili del testo dello schema</a:t>
             </a:r>
           </a:p>
           <a:p>
             <a:pPr lvl="1"/>
             <a:r>
-              <a:rPr lang="it-IT" smtClean="0"/>
+              <a:rPr lang="it-IT"/>
               <a:t>Secondo livello</a:t>
             </a:r>
           </a:p>
           <a:p>
             <a:pPr lvl="2"/>
             <a:r>
-              <a:rPr lang="it-IT" smtClean="0"/>
+              <a:rPr lang="it-IT"/>
               <a:t>Terzo livello</a:t>
             </a:r>
           </a:p>
           <a:p>
             <a:pPr lvl="3"/>
             <a:r>
-              <a:rPr lang="it-IT" smtClean="0"/>
+              <a:rPr lang="it-IT"/>
               <a:t>Quarto livello</a:t>
             </a:r>
           </a:p>
           <a:p>
             <a:pPr lvl="4"/>
             <a:r>
-              <a:rPr lang="it-IT" smtClean="0"/>
+              <a:rPr lang="it-IT"/>
               <a:t>Quinto livello</a:t>
             </a:r>
             <a:endParaRPr lang="en-US" dirty="0"/>
@@ -4090,7 +4090,7 @@
           <a:p>
             <a:pPr lvl="0"/>
             <a:r>
-              <a:rPr lang="it-IT" smtClean="0"/>
+              <a:rPr lang="it-IT"/>
               <a:t>Modifica gli stili del testo dello schema</a:t>
             </a:r>
           </a:p>
@@ -4114,7 +4114,7 @@
             <a:fld id="{B61BEF0D-F0BB-DE4B-95CE-6DB70DBA9567}" type="datetimeFigureOut">
               <a:rPr lang="en-US" dirty="0"/>
               <a:pPr/>
-              <a:t>1/22/2024</a:t>
+              <a:t>1/23/2024</a:t>
             </a:fld>
             <a:endParaRPr lang="en-US" dirty="0"/>
           </a:p>
@@ -4215,7 +4215,7 @@
           </a:lstStyle>
           <a:p>
             <a:r>
-              <a:rPr lang="it-IT" smtClean="0"/>
+              <a:rPr lang="it-IT"/>
               <a:t>Fare clic per modificare lo stile del titolo</a:t>
             </a:r>
             <a:endParaRPr lang="en-US" dirty="0"/>
@@ -4302,7 +4302,7 @@
           </a:lstStyle>
           <a:p>
             <a:r>
-              <a:rPr lang="it-IT" smtClean="0"/>
+              <a:rPr lang="it-IT"/>
               <a:t>Fare clic sull'icona per inserire un'immagine</a:t>
             </a:r>
             <a:endParaRPr lang="en-US" dirty="0"/>
@@ -4370,7 +4370,7 @@
           <a:p>
             <a:pPr lvl="0"/>
             <a:r>
-              <a:rPr lang="it-IT" smtClean="0"/>
+              <a:rPr lang="it-IT"/>
               <a:t>Modifica gli stili del testo dello schema</a:t>
             </a:r>
           </a:p>
@@ -4394,7 +4394,7 @@
             <a:fld id="{B61BEF0D-F0BB-DE4B-95CE-6DB70DBA9567}" type="datetimeFigureOut">
               <a:rPr lang="en-US" dirty="0"/>
               <a:pPr/>
-              <a:t>1/22/2024</a:t>
+              <a:t>1/23/2024</a:t>
             </a:fld>
             <a:endParaRPr lang="en-US" dirty="0"/>
           </a:p>
@@ -4690,7 +4690,7 @@
           <a:lstStyle/>
           <a:p>
             <a:r>
-              <a:rPr lang="it-IT" smtClean="0"/>
+              <a:rPr lang="it-IT"/>
               <a:t>Fare clic per modificare lo stile del titolo</a:t>
             </a:r>
             <a:endParaRPr lang="en-US" dirty="0"/>
@@ -4724,35 +4724,35 @@
           <a:p>
             <a:pPr lvl="0"/>
             <a:r>
-              <a:rPr lang="it-IT" smtClean="0"/>
+              <a:rPr lang="it-IT"/>
               <a:t>Modifica gli stili del testo dello schema</a:t>
             </a:r>
           </a:p>
           <a:p>
             <a:pPr lvl="1"/>
             <a:r>
-              <a:rPr lang="it-IT" smtClean="0"/>
+              <a:rPr lang="it-IT"/>
               <a:t>Secondo livello</a:t>
             </a:r>
           </a:p>
           <a:p>
             <a:pPr lvl="2"/>
             <a:r>
-              <a:rPr lang="it-IT" smtClean="0"/>
+              <a:rPr lang="it-IT"/>
               <a:t>Terzo livello</a:t>
             </a:r>
           </a:p>
           <a:p>
             <a:pPr lvl="3"/>
             <a:r>
-              <a:rPr lang="it-IT" smtClean="0"/>
+              <a:rPr lang="it-IT"/>
               <a:t>Quarto livello</a:t>
             </a:r>
           </a:p>
           <a:p>
             <a:pPr lvl="4"/>
             <a:r>
-              <a:rPr lang="it-IT" smtClean="0"/>
+              <a:rPr lang="it-IT"/>
               <a:t>Quinto livello</a:t>
             </a:r>
             <a:endParaRPr lang="en-US" dirty="0"/>
@@ -4797,7 +4797,7 @@
             <a:fld id="{B61BEF0D-F0BB-DE4B-95CE-6DB70DBA9567}" type="datetimeFigureOut">
               <a:rPr lang="en-US" dirty="0"/>
               <a:pPr/>
-              <a:t>1/22/2024</a:t>
+              <a:t>1/23/2024</a:t>
             </a:fld>
             <a:endParaRPr lang="en-US" dirty="0"/>
           </a:p>
@@ -5346,18 +5346,17 @@
           <a:lstStyle/>
           <a:p>
             <a:r>
-              <a:rPr lang="it-IT" sz="3600" dirty="0" smtClean="0"/>
+              <a:rPr lang="it-IT" sz="3600" dirty="0"/>
               <a:t>Random </a:t>
             </a:r>
             <a:r>
-              <a:rPr lang="it-IT" sz="3600" dirty="0" err="1" smtClean="0"/>
+              <a:rPr lang="it-IT" sz="3600" dirty="0" err="1"/>
               <a:t>number</a:t>
             </a:r>
             <a:r>
-              <a:rPr lang="it-IT" sz="3600" dirty="0" smtClean="0"/>
+              <a:rPr lang="it-IT" sz="3600" dirty="0"/>
               <a:t> generator</a:t>
             </a:r>
-            <a:endParaRPr lang="it-IT" sz="3600" dirty="0"/>
           </a:p>
         </p:txBody>
       </p:sp>
@@ -5382,18 +5381,13 @@
           <a:lstStyle/>
           <a:p>
             <a:r>
-              <a:rPr lang="it-IT" dirty="0" smtClean="0">
+              <a:rPr lang="it-IT" dirty="0">
                 <a:solidFill>
                   <a:schemeClr val="tx1"/>
                 </a:solidFill>
               </a:rPr>
               <a:t>Progetto PLSD 2023/2024</a:t>
             </a:r>
-            <a:endParaRPr lang="it-IT" dirty="0">
-              <a:solidFill>
-                <a:schemeClr val="tx1"/>
-              </a:solidFill>
-            </a:endParaRPr>
           </a:p>
         </p:txBody>
       </p:sp>
@@ -5407,13 +5401,6 @@
   <p:clrMapOvr>
     <a:masterClrMapping/>
   </p:clrMapOvr>
-  <p:timing>
-    <p:tnLst>
-      <p:par>
-        <p:cTn id="1" dur="indefinite" restart="never" nodeType="tmRoot"/>
-      </p:par>
-    </p:tnLst>
-  </p:timing>
 </p:sld>
 </file>
 
@@ -5483,10 +5470,9 @@
           <a:lstStyle/>
           <a:p>
             <a:r>
-              <a:rPr lang="it-IT" sz="2400" b="1" dirty="0" smtClean="0"/>
+              <a:rPr lang="it-IT" sz="2400" b="1" dirty="0"/>
               <a:t>Modifiche al codice del microcontrollore </a:t>
             </a:r>
-            <a:endParaRPr lang="it-IT" sz="2400" b="1" dirty="0"/>
           </a:p>
         </p:txBody>
       </p:sp>
@@ -5499,7 +5485,7 @@
         <p:spPr>
           <a:xfrm>
             <a:off x="492371" y="2421883"/>
-            <a:ext cx="4703883" cy="3785652"/>
+            <a:ext cx="4703883" cy="4524315"/>
           </a:xfrm>
           <a:prstGeom prst="rect">
             <a:avLst/>
@@ -5517,22 +5503,22 @@
               <a:buChar char="•"/>
             </a:pPr>
             <a:r>
-              <a:rPr lang="it-IT" sz="2400" dirty="0" smtClean="0"/>
+              <a:rPr lang="it-IT" sz="2400" dirty="0"/>
               <a:t>Modifica della funzione </a:t>
             </a:r>
             <a:r>
-              <a:rPr lang="it-IT" sz="2400" dirty="0" err="1" smtClean="0"/>
+              <a:rPr lang="it-IT" sz="2400" dirty="0" err="1"/>
               <a:t>OnTxData</a:t>
             </a:r>
             <a:r>
-              <a:rPr lang="it-IT" sz="2400" dirty="0" smtClean="0"/>
+              <a:rPr lang="it-IT" sz="2400" dirty="0"/>
               <a:t>() per comunicazione </a:t>
             </a:r>
             <a:r>
-              <a:rPr lang="it-IT" sz="2400" b="1" dirty="0" err="1" smtClean="0"/>
+              <a:rPr lang="it-IT" sz="2400" b="1" dirty="0" err="1"/>
               <a:t>donwlink</a:t>
             </a:r>
-            <a:endParaRPr lang="it-IT" sz="2400" b="1" dirty="0" smtClean="0"/>
+            <a:endParaRPr lang="it-IT" sz="2400" b="1" dirty="0"/>
           </a:p>
           <a:p>
             <a:pPr marL="285750" indent="-285750">
@@ -5542,7 +5528,7 @@
             <a:endParaRPr lang="it-IT" sz="2400" b="1" dirty="0"/>
           </a:p>
           <a:p>
-            <a:endParaRPr lang="it-IT" sz="2400" b="1" dirty="0" smtClean="0"/>
+            <a:endParaRPr lang="it-IT" sz="2400" b="1" dirty="0"/>
           </a:p>
           <a:p>
             <a:pPr marL="285750" indent="-285750">
@@ -5550,8 +5536,8 @@
               <a:buChar char="•"/>
             </a:pPr>
             <a:r>
-              <a:rPr lang="it-IT" sz="2400" dirty="0" smtClean="0"/>
-              <a:t>Lettura del buffer</a:t>
+              <a:rPr lang="it-IT" sz="2400" dirty="0"/>
+              <a:t>Lettura del buffer e conseguente cambio di modalità</a:t>
             </a:r>
           </a:p>
           <a:p>
@@ -5562,13 +5548,13 @@
             <a:endParaRPr lang="it-IT" sz="2400" dirty="0"/>
           </a:p>
           <a:p>
-            <a:endParaRPr lang="it-IT" sz="2400" dirty="0" smtClean="0"/>
-          </a:p>
-          <a:p>
-            <a:endParaRPr lang="it-IT" sz="2400" dirty="0" smtClean="0"/>
-          </a:p>
-          <a:p>
-            <a:endParaRPr lang="it-IT" sz="2400" dirty="0" smtClean="0"/>
+            <a:endParaRPr lang="it-IT" sz="2400" dirty="0"/>
+          </a:p>
+          <a:p>
+            <a:endParaRPr lang="it-IT" sz="2400" dirty="0"/>
+          </a:p>
+          <a:p>
+            <a:endParaRPr lang="it-IT" sz="2400" dirty="0"/>
           </a:p>
         </p:txBody>
       </p:sp>
@@ -5612,13 +5598,6 @@
   <p:clrMapOvr>
     <a:masterClrMapping/>
   </p:clrMapOvr>
-  <p:timing>
-    <p:tnLst>
-      <p:par>
-        <p:cTn id="1" dur="indefinite" restart="never" nodeType="tmRoot"/>
-      </p:par>
-    </p:tnLst>
-  </p:timing>
 </p:sld>
 </file>
 
@@ -5688,11 +5667,11 @@
           <a:lstStyle/>
           <a:p>
             <a:r>
-              <a:rPr lang="it-IT" sz="2400" b="1" dirty="0" smtClean="0"/>
+              <a:rPr lang="it-IT" sz="2400" b="1" dirty="0"/>
               <a:t>Scrittura del codice del client </a:t>
             </a:r>
             <a:r>
-              <a:rPr lang="it-IT" sz="2400" b="1" dirty="0" err="1" smtClean="0"/>
+              <a:rPr lang="it-IT" sz="2400" b="1" dirty="0" err="1"/>
               <a:t>python</a:t>
             </a:r>
             <a:endParaRPr lang="it-IT" sz="2400" b="1" dirty="0"/>
@@ -5726,15 +5705,15 @@
               <a:buChar char="•"/>
             </a:pPr>
             <a:r>
-              <a:rPr lang="it-IT" sz="2400" dirty="0" smtClean="0"/>
+              <a:rPr lang="it-IT" sz="2400" dirty="0"/>
               <a:t>Integrazione dei moduli di </a:t>
             </a:r>
             <a:r>
-              <a:rPr lang="it-IT" sz="2400" dirty="0" err="1" smtClean="0"/>
+              <a:rPr lang="it-IT" sz="2400" dirty="0" err="1"/>
               <a:t>pygame</a:t>
             </a:r>
             <a:r>
-              <a:rPr lang="it-IT" sz="2400" dirty="0" smtClean="0"/>
+              <a:rPr lang="it-IT" sz="2400" dirty="0"/>
               <a:t> per la grafica</a:t>
             </a:r>
           </a:p>
@@ -5747,7 +5726,7 @@
               <a:buChar char="•"/>
             </a:pPr>
             <a:r>
-              <a:rPr lang="it-IT" sz="2400" dirty="0" smtClean="0"/>
+              <a:rPr lang="it-IT" sz="2400" dirty="0"/>
               <a:t>Elaborazione dei dati</a:t>
             </a:r>
           </a:p>
@@ -5764,13 +5743,12 @@
               <a:buChar char="•"/>
             </a:pPr>
             <a:r>
-              <a:rPr lang="it-IT" sz="2400" dirty="0" smtClean="0"/>
+              <a:rPr lang="it-IT" sz="2400" dirty="0"/>
               <a:t>Comunicazione bilaterale</a:t>
             </a:r>
-            <a:endParaRPr lang="it-IT" sz="2400" dirty="0"/>
-          </a:p>
-          <a:p>
-            <a:endParaRPr lang="it-IT" sz="2400" b="1" dirty="0" smtClean="0"/>
+          </a:p>
+          <a:p>
+            <a:endParaRPr lang="it-IT" sz="2400" b="1" dirty="0"/>
           </a:p>
           <a:p>
             <a:pPr marL="285750" indent="-285750">
@@ -5778,16 +5756,15 @@
               <a:buChar char="•"/>
             </a:pPr>
             <a:r>
-              <a:rPr lang="it-IT" sz="2400" dirty="0" smtClean="0"/>
+              <a:rPr lang="it-IT" sz="2400" dirty="0"/>
               <a:t>Interfaccia dinamica</a:t>
             </a:r>
-            <a:endParaRPr lang="it-IT" sz="2400" dirty="0" smtClean="0"/>
-          </a:p>
-          <a:p>
-            <a:endParaRPr lang="it-IT" sz="2400" dirty="0" smtClean="0"/>
-          </a:p>
-          <a:p>
-            <a:endParaRPr lang="it-IT" sz="2400" dirty="0" smtClean="0"/>
+          </a:p>
+          <a:p>
+            <a:endParaRPr lang="it-IT" sz="2400" dirty="0"/>
+          </a:p>
+          <a:p>
+            <a:endParaRPr lang="it-IT" sz="2400" dirty="0"/>
           </a:p>
         </p:txBody>
       </p:sp>
@@ -5831,13 +5808,6 @@
   <p:clrMapOvr>
     <a:masterClrMapping/>
   </p:clrMapOvr>
-  <p:timing>
-    <p:tnLst>
-      <p:par>
-        <p:cTn id="1" dur="indefinite" restart="never" nodeType="tmRoot"/>
-      </p:par>
-    </p:tnLst>
-  </p:timing>
 </p:sld>
 </file>
 
@@ -5907,18 +5877,17 @@
           <a:lstStyle/>
           <a:p>
             <a:r>
-              <a:rPr lang="it-IT" sz="2400" b="1" dirty="0" smtClean="0"/>
+              <a:rPr lang="it-IT" sz="2400" b="1" dirty="0"/>
               <a:t>Ricezione dati </a:t>
             </a:r>
             <a:r>
-              <a:rPr lang="it-IT" sz="2400" b="1" dirty="0" err="1" smtClean="0"/>
+              <a:rPr lang="it-IT" sz="2400" b="1" dirty="0" err="1"/>
               <a:t>cloud</a:t>
             </a:r>
             <a:r>
-              <a:rPr lang="it-IT" sz="2400" b="1" dirty="0" smtClean="0"/>
+              <a:rPr lang="it-IT" sz="2400" b="1" dirty="0"/>
               <a:t>-to-client</a:t>
             </a:r>
-            <a:endParaRPr lang="it-IT" sz="2400" b="1" dirty="0"/>
           </a:p>
         </p:txBody>
       </p:sp>
@@ -5949,15 +5918,15 @@
               <a:buChar char="•"/>
             </a:pPr>
             <a:r>
-              <a:rPr lang="it-IT" sz="2400" dirty="0" smtClean="0"/>
+              <a:rPr lang="it-IT" sz="2400" dirty="0"/>
               <a:t>Elaborazione dati dipendente dallo stato corrente (</a:t>
             </a:r>
             <a:r>
-              <a:rPr lang="it-IT" sz="2400" dirty="0" err="1" smtClean="0"/>
+              <a:rPr lang="it-IT" sz="2400" dirty="0" err="1"/>
               <a:t>roll_state</a:t>
             </a:r>
             <a:r>
-              <a:rPr lang="it-IT" sz="2400" dirty="0" smtClean="0"/>
+              <a:rPr lang="it-IT" sz="2400" dirty="0"/>
               <a:t>)</a:t>
             </a:r>
           </a:p>
@@ -5974,18 +5943,17 @@
               <a:buChar char="•"/>
             </a:pPr>
             <a:r>
-              <a:rPr lang="it-IT" sz="2400" dirty="0" smtClean="0"/>
+              <a:rPr lang="it-IT" sz="2400" dirty="0"/>
               <a:t>Formattazione del </a:t>
             </a:r>
             <a:r>
-              <a:rPr lang="it-IT" sz="2400" dirty="0" err="1" smtClean="0"/>
+              <a:rPr lang="it-IT" sz="2400" dirty="0" err="1"/>
               <a:t>payload</a:t>
             </a:r>
             <a:r>
-              <a:rPr lang="it-IT" sz="2400" dirty="0" smtClean="0"/>
+              <a:rPr lang="it-IT" sz="2400" dirty="0"/>
               <a:t> in dati utilizzabili</a:t>
             </a:r>
-            <a:endParaRPr lang="it-IT" sz="2400" dirty="0" smtClean="0"/>
           </a:p>
         </p:txBody>
       </p:sp>
@@ -6029,13 +5997,6 @@
   <p:clrMapOvr>
     <a:masterClrMapping/>
   </p:clrMapOvr>
-  <p:timing>
-    <p:tnLst>
-      <p:par>
-        <p:cTn id="1" dur="indefinite" restart="never" nodeType="tmRoot"/>
-      </p:par>
-    </p:tnLst>
-  </p:timing>
 </p:sld>
 </file>
 
@@ -6105,11 +6066,11 @@
           <a:lstStyle/>
           <a:p>
             <a:r>
-              <a:rPr lang="it-IT" sz="2400" b="1" dirty="0" smtClean="0"/>
+              <a:rPr lang="it-IT" sz="2400" b="1" dirty="0"/>
               <a:t>Invio dati client-to-</a:t>
             </a:r>
             <a:r>
-              <a:rPr lang="it-IT" sz="2400" b="1" dirty="0" err="1" smtClean="0"/>
+              <a:rPr lang="it-IT" sz="2400" b="1" dirty="0" err="1"/>
               <a:t>cloud</a:t>
             </a:r>
             <a:endParaRPr lang="it-IT" sz="2400" b="1" dirty="0"/>
@@ -6143,12 +6104,12 @@
               <a:buChar char="•"/>
             </a:pPr>
             <a:r>
-              <a:rPr lang="it-IT" sz="2400" dirty="0" smtClean="0"/>
+              <a:rPr lang="it-IT" sz="2400" dirty="0"/>
               <a:t>Gestione dell’evento generato dalla pressione del pulsante</a:t>
             </a:r>
           </a:p>
           <a:p>
-            <a:endParaRPr lang="it-IT" sz="2400" dirty="0" smtClean="0"/>
+            <a:endParaRPr lang="it-IT" sz="2400" dirty="0"/>
           </a:p>
           <a:p>
             <a:pPr marL="285750" indent="-285750">
@@ -6163,30 +6124,25 @@
               <a:buChar char="•"/>
             </a:pPr>
             <a:r>
-              <a:rPr lang="it-IT" sz="2400" dirty="0" smtClean="0"/>
+              <a:rPr lang="it-IT" sz="2400" dirty="0"/>
               <a:t>Scrittura del </a:t>
             </a:r>
             <a:r>
-              <a:rPr lang="it-IT" sz="2400" dirty="0" err="1" smtClean="0"/>
+              <a:rPr lang="it-IT" sz="2400" dirty="0" err="1"/>
               <a:t>payload</a:t>
             </a:r>
             <a:r>
-              <a:rPr lang="it-IT" sz="2400" dirty="0" smtClean="0"/>
+              <a:rPr lang="it-IT" sz="2400" dirty="0"/>
               <a:t> secondo la sintassi standard di un </a:t>
             </a:r>
             <a:r>
-              <a:rPr lang="it-IT" sz="2400" dirty="0" err="1" smtClean="0"/>
+              <a:rPr lang="it-IT" sz="2400" dirty="0" err="1"/>
               <a:t>topic</a:t>
             </a:r>
             <a:r>
-              <a:rPr lang="it-IT" sz="2400" dirty="0" smtClean="0"/>
-              <a:t> MQTT</a:t>
-            </a:r>
-            <a:r>
-              <a:rPr lang="it-IT" sz="2400" dirty="0" smtClean="0"/>
-              <a:t> </a:t>
-            </a:r>
-            <a:endParaRPr lang="it-IT" sz="2400" dirty="0"/>
+              <a:rPr lang="it-IT" sz="2400" dirty="0"/>
+              <a:t> MQTT </a:t>
+            </a:r>
           </a:p>
         </p:txBody>
       </p:sp>
@@ -6230,13 +6186,6 @@
   <p:clrMapOvr>
     <a:masterClrMapping/>
   </p:clrMapOvr>
-  <p:timing>
-    <p:tnLst>
-      <p:par>
-        <p:cTn id="1" dur="indefinite" restart="never" nodeType="tmRoot"/>
-      </p:par>
-    </p:tnLst>
-  </p:timing>
 </p:sld>
 </file>
 
@@ -6306,10 +6255,9 @@
           <a:lstStyle/>
           <a:p>
             <a:r>
-              <a:rPr lang="it-IT" sz="2400" b="1" dirty="0" smtClean="0"/>
+              <a:rPr lang="it-IT" sz="2400" b="1" dirty="0"/>
               <a:t>Interfaccia grafica del client</a:t>
             </a:r>
-            <a:endParaRPr lang="it-IT" sz="2400" b="1" dirty="0"/>
           </a:p>
         </p:txBody>
       </p:sp>
@@ -6340,21 +6288,16 @@
               <a:buChar char="•"/>
             </a:pPr>
             <a:r>
-              <a:rPr lang="it-IT" sz="2400" dirty="0" smtClean="0"/>
-              <a:t>Disposizione dei dadi nell</a:t>
-            </a:r>
-            <a:r>
-              <a:rPr lang="it-IT" sz="2400" dirty="0" smtClean="0"/>
-              <a:t>o spazio</a:t>
-            </a:r>
-            <a:endParaRPr lang="it-IT" sz="2400" dirty="0"/>
+              <a:rPr lang="it-IT" sz="2400" dirty="0"/>
+              <a:t>Disposizione dei dadi nello spazio</a:t>
+            </a:r>
           </a:p>
           <a:p>
             <a:pPr marL="285750" indent="-285750">
               <a:buFont typeface="Arial" panose="020B0604020202020204" pitchFamily="34" charset="0"/>
               <a:buChar char="•"/>
             </a:pPr>
-            <a:endParaRPr lang="it-IT" sz="2400" dirty="0" smtClean="0"/>
+            <a:endParaRPr lang="it-IT" sz="2400" dirty="0"/>
           </a:p>
           <a:p>
             <a:pPr marL="285750" indent="-285750">
@@ -6362,7 +6305,7 @@
               <a:buChar char="•"/>
             </a:pPr>
             <a:r>
-              <a:rPr lang="it-IT" sz="2400" dirty="0" smtClean="0"/>
+              <a:rPr lang="it-IT" sz="2400" dirty="0"/>
               <a:t>Generazione delle coordinate precise</a:t>
             </a:r>
           </a:p>
@@ -6375,10 +6318,9 @@
               <a:buChar char="•"/>
             </a:pPr>
             <a:r>
-              <a:rPr lang="it-IT" sz="2400" dirty="0" smtClean="0"/>
+              <a:rPr lang="it-IT" sz="2400" dirty="0"/>
               <a:t>Matrice «immaginaria» di 2 righe e 3 colonne</a:t>
             </a:r>
-            <a:endParaRPr lang="it-IT" sz="2400" dirty="0"/>
           </a:p>
         </p:txBody>
       </p:sp>
@@ -6422,13 +6364,6 @@
   <p:clrMapOvr>
     <a:masterClrMapping/>
   </p:clrMapOvr>
-  <p:timing>
-    <p:tnLst>
-      <p:par>
-        <p:cTn id="1" dur="indefinite" restart="never" nodeType="tmRoot"/>
-      </p:par>
-    </p:tnLst>
-  </p:timing>
 </p:sld>
 </file>
 
@@ -6473,44 +6408,28 @@
           <a:p>
             <a:pPr algn="ctr"/>
             <a:r>
-              <a:rPr lang="it-IT" sz="2800" b="1" dirty="0" smtClean="0"/>
+              <a:rPr lang="it-IT" sz="2800" b="1" dirty="0"/>
               <a:t>Link </a:t>
             </a:r>
             <a:r>
               <a:rPr lang="it-IT" sz="2800" b="1" dirty="0" err="1"/>
-              <a:t>G</a:t>
-            </a:r>
-            <a:r>
-              <a:rPr lang="it-IT" sz="2800" b="1" dirty="0" err="1" smtClean="0"/>
-              <a:t>ithub</a:t>
-            </a:r>
-            <a:r>
-              <a:rPr lang="it-IT" sz="2800" b="1" dirty="0" smtClean="0"/>
+              <a:t>Github</a:t>
+            </a:r>
+            <a:r>
+              <a:rPr lang="it-IT" sz="2800" b="1" dirty="0"/>
               <a:t> alla </a:t>
             </a:r>
             <a:r>
-              <a:rPr lang="it-IT" sz="2800" b="1" dirty="0" err="1" smtClean="0"/>
+              <a:rPr lang="it-IT" sz="2800" b="1" dirty="0" err="1"/>
               <a:t>repository</a:t>
             </a:r>
             <a:r>
-              <a:rPr lang="it-IT" sz="2800" b="1" dirty="0" smtClean="0"/>
-              <a:t> del </a:t>
-            </a:r>
-            <a:r>
               <a:rPr lang="it-IT" sz="2800" b="1" dirty="0"/>
-              <a:t>progetto</a:t>
-            </a:r>
-            <a:r>
-              <a:rPr lang="it-IT" sz="2800" b="1" dirty="0" smtClean="0"/>
-              <a:t>:</a:t>
+              <a:t> del progetto:</a:t>
             </a:r>
           </a:p>
           <a:p>
             <a:pPr algn="ctr"/>
-            <a:r>
-              <a:rPr lang="it-IT" sz="2800" b="1" dirty="0"/>
-              <a:t/>
-            </a:r>
             <a:br>
               <a:rPr lang="it-IT" sz="2800" b="1" dirty="0"/>
             </a:br>
@@ -6548,39 +6467,34 @@
           <a:p>
             <a:pPr algn="ctr"/>
             <a:r>
-              <a:rPr lang="it-IT" sz="2400" dirty="0" smtClean="0"/>
+              <a:rPr lang="it-IT" sz="2400" dirty="0"/>
               <a:t>Random </a:t>
             </a:r>
             <a:r>
-              <a:rPr lang="it-IT" sz="2400" dirty="0" err="1" smtClean="0"/>
+              <a:rPr lang="it-IT" sz="2400" dirty="0" err="1"/>
               <a:t>Number</a:t>
             </a:r>
             <a:r>
-              <a:rPr lang="it-IT" sz="2400" dirty="0" smtClean="0"/>
+              <a:rPr lang="it-IT" sz="2400" dirty="0"/>
               <a:t> Generator by:</a:t>
             </a:r>
             <a:br>
-              <a:rPr lang="it-IT" sz="2400" dirty="0" smtClean="0"/>
+              <a:rPr lang="it-IT" sz="2400" dirty="0"/>
             </a:br>
-            <a:r>
-              <a:rPr lang="it-IT" sz="2400" dirty="0" smtClean="0"/>
-              <a:t/>
-            </a:r>
             <a:br>
-              <a:rPr lang="it-IT" sz="2400" dirty="0" smtClean="0"/>
+              <a:rPr lang="it-IT" sz="2400" dirty="0"/>
             </a:br>
             <a:r>
-              <a:rPr lang="it-IT" sz="2400" dirty="0" smtClean="0"/>
+              <a:rPr lang="it-IT" sz="2400" dirty="0"/>
               <a:t>Davide Reverberi</a:t>
             </a:r>
           </a:p>
           <a:p>
             <a:pPr algn="ctr"/>
             <a:r>
-              <a:rPr lang="it-IT" sz="2400" dirty="0" smtClean="0"/>
+              <a:rPr lang="it-IT" sz="2400" dirty="0"/>
               <a:t>Alessandro Galloni</a:t>
             </a:r>
-            <a:endParaRPr lang="it-IT" sz="2400" dirty="0"/>
           </a:p>
         </p:txBody>
       </p:sp>
@@ -6594,13 +6508,6 @@
   <p:clrMapOvr>
     <a:masterClrMapping/>
   </p:clrMapOvr>
-  <p:timing>
-    <p:tnLst>
-      <p:par>
-        <p:cTn id="1" dur="indefinite" restart="never" nodeType="tmRoot"/>
-      </p:par>
-    </p:tnLst>
-  </p:timing>
 </p:sld>
 </file>
 
@@ -6676,12 +6583,12 @@
           </a:p>
           <a:p>
             <a:r>
-              <a:rPr lang="it-IT" sz="2400" dirty="0" smtClean="0"/>
+              <a:rPr lang="it-IT" sz="2400" dirty="0"/>
               <a:t>2 modalità di utilizzo:</a:t>
             </a:r>
           </a:p>
           <a:p>
-            <a:endParaRPr lang="it-IT" sz="2400" dirty="0" smtClean="0"/>
+            <a:endParaRPr lang="it-IT" sz="2400" dirty="0"/>
           </a:p>
           <a:p>
             <a:endParaRPr lang="it-IT" sz="2400" dirty="0"/>
@@ -6692,12 +6599,12 @@
               <a:buChar char="•"/>
             </a:pPr>
             <a:r>
-              <a:rPr lang="it-IT" sz="2400" dirty="0" smtClean="0"/>
+              <a:rPr lang="it-IT" sz="2400" dirty="0"/>
               <a:t>Scelta del numero di dadi da lanciare </a:t>
             </a:r>
           </a:p>
           <a:p>
-            <a:endParaRPr lang="it-IT" sz="2400" dirty="0" smtClean="0"/>
+            <a:endParaRPr lang="it-IT" sz="2400" dirty="0"/>
           </a:p>
           <a:p>
             <a:pPr marL="285750" indent="-285750">
@@ -6712,10 +6619,9 @@
               <a:buChar char="•"/>
             </a:pPr>
             <a:r>
-              <a:rPr lang="it-IT" sz="2400" dirty="0" smtClean="0"/>
+              <a:rPr lang="it-IT" sz="2400" dirty="0"/>
               <a:t>Lancio dei dadi </a:t>
             </a:r>
-            <a:endParaRPr lang="it-IT" sz="2400" dirty="0"/>
           </a:p>
         </p:txBody>
       </p:sp>
@@ -6742,10 +6648,9 @@
           <a:lstStyle/>
           <a:p>
             <a:r>
-              <a:rPr lang="it-IT" sz="2400" b="1" dirty="0" smtClean="0"/>
+              <a:rPr lang="it-IT" sz="2400" b="1" dirty="0"/>
               <a:t>Generatore di numeri casuali</a:t>
             </a:r>
-            <a:endParaRPr lang="it-IT" sz="2400" b="1" dirty="0"/>
           </a:p>
         </p:txBody>
       </p:sp>
@@ -6759,13 +6664,6 @@
   <p:clrMapOvr>
     <a:masterClrMapping/>
   </p:clrMapOvr>
-  <p:timing>
-    <p:tnLst>
-      <p:par>
-        <p:cTn id="1" dur="indefinite" restart="never" nodeType="tmRoot"/>
-      </p:par>
-    </p:tnLst>
-  </p:timing>
 </p:sld>
 </file>
 
@@ -6838,12 +6736,12 @@
           <a:lstStyle/>
           <a:p>
             <a:r>
-              <a:rPr lang="it-IT" sz="2400" dirty="0" smtClean="0"/>
+              <a:rPr lang="it-IT" sz="2400" dirty="0"/>
               <a:t>Stato di scelta dei dadi</a:t>
             </a:r>
           </a:p>
           <a:p>
-            <a:endParaRPr lang="it-IT" sz="2400" dirty="0" smtClean="0"/>
+            <a:endParaRPr lang="it-IT" sz="2400" dirty="0"/>
           </a:p>
           <a:p>
             <a:endParaRPr lang="it-IT" sz="2400" dirty="0"/>
@@ -6854,16 +6752,15 @@
               <a:buChar char="•"/>
             </a:pPr>
             <a:r>
-              <a:rPr lang="it-IT" sz="2400" dirty="0" smtClean="0"/>
+              <a:rPr lang="it-IT" sz="2400" dirty="0"/>
               <a:t>Inclinazione della scheda verso destra per incrementare  </a:t>
             </a:r>
+          </a:p>
+          <a:p>
             <a:endParaRPr lang="it-IT" sz="2400" dirty="0"/>
           </a:p>
           <a:p>
-            <a:endParaRPr lang="it-IT" sz="2400" dirty="0" smtClean="0"/>
-          </a:p>
-          <a:p>
-            <a:endParaRPr lang="it-IT" sz="2400" dirty="0" smtClean="0"/>
+            <a:endParaRPr lang="it-IT" sz="2400" dirty="0"/>
           </a:p>
           <a:p>
             <a:pPr marL="285750" indent="-285750">
@@ -6871,10 +6768,9 @@
               <a:buChar char="•"/>
             </a:pPr>
             <a:r>
-              <a:rPr lang="it-IT" sz="2400" dirty="0" smtClean="0"/>
+              <a:rPr lang="it-IT" sz="2400" dirty="0"/>
               <a:t>Inclinazione della scheda verso sinistra per decrementare</a:t>
             </a:r>
-            <a:endParaRPr lang="it-IT" sz="2400" dirty="0"/>
           </a:p>
         </p:txBody>
       </p:sp>
@@ -6916,13 +6812,6 @@
   <p:clrMapOvr>
     <a:masterClrMapping/>
   </p:clrMapOvr>
-  <p:timing>
-    <p:tnLst>
-      <p:par>
-        <p:cTn id="1" dur="indefinite" restart="never" nodeType="tmRoot"/>
-      </p:par>
-    </p:tnLst>
-  </p:timing>
 </p:sld>
 </file>
 
@@ -6966,15 +6855,15 @@
           <a:lstStyle/>
           <a:p>
             <a:r>
-              <a:rPr lang="it-IT" sz="2400" dirty="0" smtClean="0"/>
+              <a:rPr lang="it-IT" sz="2400" dirty="0"/>
               <a:t>Stato di lancio dei dadi</a:t>
             </a:r>
           </a:p>
           <a:p>
-            <a:endParaRPr lang="it-IT" sz="2400" dirty="0" smtClean="0"/>
-          </a:p>
-          <a:p>
-            <a:endParaRPr lang="it-IT" sz="2400" dirty="0" smtClean="0"/>
+            <a:endParaRPr lang="it-IT" sz="2400" dirty="0"/>
+          </a:p>
+          <a:p>
+            <a:endParaRPr lang="it-IT" sz="2400" dirty="0"/>
           </a:p>
           <a:p>
             <a:pPr marL="342900" indent="-342900">
@@ -6982,16 +6871,15 @@
               <a:buChar char="•"/>
             </a:pPr>
             <a:r>
-              <a:rPr lang="it-IT" sz="2400" dirty="0" smtClean="0"/>
+              <a:rPr lang="it-IT" sz="2400" dirty="0"/>
               <a:t>Movimento della scheda per confermare il lancio </a:t>
             </a:r>
+          </a:p>
+          <a:p>
             <a:endParaRPr lang="it-IT" sz="2400" dirty="0"/>
           </a:p>
           <a:p>
-            <a:endParaRPr lang="it-IT" sz="2400" dirty="0" smtClean="0"/>
-          </a:p>
-          <a:p>
-            <a:endParaRPr lang="it-IT" sz="2400" dirty="0" smtClean="0"/>
+            <a:endParaRPr lang="it-IT" sz="2400" dirty="0"/>
           </a:p>
           <a:p>
             <a:pPr marL="342900" indent="-342900">
@@ -6999,16 +6887,15 @@
               <a:buChar char="•"/>
             </a:pPr>
             <a:r>
-              <a:rPr lang="it-IT" sz="2400" dirty="0" smtClean="0"/>
+              <a:rPr lang="it-IT" sz="2400" dirty="0"/>
               <a:t>Visualizzazione del risultato</a:t>
             </a:r>
+          </a:p>
+          <a:p>
             <a:endParaRPr lang="it-IT" sz="2400" dirty="0"/>
           </a:p>
           <a:p>
-            <a:endParaRPr lang="it-IT" sz="2400" dirty="0" smtClean="0"/>
-          </a:p>
-          <a:p>
-            <a:endParaRPr lang="it-IT" sz="2400" dirty="0" smtClean="0"/>
+            <a:endParaRPr lang="it-IT" sz="2400" dirty="0"/>
           </a:p>
         </p:txBody>
       </p:sp>
@@ -7079,13 +6966,6 @@
   <p:clrMapOvr>
     <a:masterClrMapping/>
   </p:clrMapOvr>
-  <p:timing>
-    <p:tnLst>
-      <p:par>
-        <p:cTn id="1" dur="indefinite" restart="never" nodeType="tmRoot"/>
-      </p:par>
-    </p:tnLst>
-  </p:timing>
 </p:sld>
 </file>
 
@@ -7358,23 +7238,23 @@
               <a:buChar char="•"/>
             </a:pPr>
             <a:r>
-              <a:rPr lang="it-IT" sz="2400" dirty="0" smtClean="0"/>
+              <a:rPr lang="it-IT" sz="2400" dirty="0"/>
               <a:t>Bottone per cambiare lo stato del sistema (comunicazione </a:t>
             </a:r>
             <a:r>
-              <a:rPr lang="it-IT" sz="2400" dirty="0" err="1" smtClean="0"/>
+              <a:rPr lang="it-IT" sz="2400" dirty="0" err="1"/>
               <a:t>downlink</a:t>
             </a:r>
             <a:r>
-              <a:rPr lang="it-IT" sz="2400" dirty="0" smtClean="0"/>
+              <a:rPr lang="it-IT" sz="2400" dirty="0"/>
               <a:t>) </a:t>
             </a:r>
           </a:p>
           <a:p>
-            <a:endParaRPr lang="it-IT" sz="2400" dirty="0" smtClean="0"/>
-          </a:p>
-          <a:p>
-            <a:endParaRPr lang="it-IT" sz="2400" dirty="0" smtClean="0"/>
+            <a:endParaRPr lang="it-IT" sz="2400" dirty="0"/>
+          </a:p>
+          <a:p>
+            <a:endParaRPr lang="it-IT" sz="2400" dirty="0"/>
           </a:p>
           <a:p>
             <a:pPr marL="285750" indent="-285750">
@@ -7389,10 +7269,9 @@
               <a:buChar char="•"/>
             </a:pPr>
             <a:r>
-              <a:rPr lang="it-IT" sz="2400" dirty="0" smtClean="0"/>
+              <a:rPr lang="it-IT" sz="2400" dirty="0"/>
               <a:t>Bottone per resettare il sistema e ripristinare le condizioni iniziali</a:t>
             </a:r>
-            <a:endParaRPr lang="it-IT" sz="2400" dirty="0"/>
           </a:p>
         </p:txBody>
       </p:sp>
@@ -7406,13 +7285,6 @@
   <p:clrMapOvr>
     <a:masterClrMapping/>
   </p:clrMapOvr>
-  <p:timing>
-    <p:tnLst>
-      <p:par>
-        <p:cTn id="1" dur="indefinite" restart="never" nodeType="tmRoot"/>
-      </p:par>
-    </p:tnLst>
-  </p:timing>
 </p:sld>
 </file>
 
@@ -7482,10 +7354,9 @@
           <a:lstStyle/>
           <a:p>
             <a:r>
-              <a:rPr lang="it-IT" sz="2400" b="1" dirty="0" smtClean="0"/>
+              <a:rPr lang="it-IT" sz="2400" b="1" dirty="0"/>
               <a:t>Modifiche al codice del microcontrollore </a:t>
             </a:r>
-            <a:endParaRPr lang="it-IT" sz="2400" b="1" dirty="0"/>
           </a:p>
         </p:txBody>
       </p:sp>
@@ -7516,7 +7387,7 @@
               <a:buChar char="•"/>
             </a:pPr>
             <a:r>
-              <a:rPr lang="it-IT" sz="2400" dirty="0" smtClean="0"/>
+              <a:rPr lang="it-IT" sz="2400" dirty="0"/>
               <a:t>Integrazione delle funzioni per l’acquisizione dei dati</a:t>
             </a:r>
           </a:p>
@@ -7524,7 +7395,7 @@
             <a:endParaRPr lang="it-IT" sz="2400" dirty="0"/>
           </a:p>
           <a:p>
-            <a:endParaRPr lang="it-IT" sz="2400" dirty="0" smtClean="0"/>
+            <a:endParaRPr lang="it-IT" sz="2400" dirty="0"/>
           </a:p>
           <a:p>
             <a:pPr marL="285750" indent="-285750">
@@ -7532,17 +7403,16 @@
               <a:buChar char="•"/>
             </a:pPr>
             <a:r>
-              <a:rPr lang="it-IT" sz="2400" dirty="0" smtClean="0"/>
+              <a:rPr lang="it-IT" sz="2400" dirty="0"/>
               <a:t>Drivers per l’accelerometro e il giroscopio</a:t>
             </a:r>
-            <a:endParaRPr lang="it-IT" sz="2400" dirty="0"/>
           </a:p>
           <a:p>
             <a:pPr marL="285750" indent="-285750">
               <a:buFont typeface="Arial" panose="020B0604020202020204" pitchFamily="34" charset="0"/>
               <a:buChar char="•"/>
             </a:pPr>
-            <a:endParaRPr lang="it-IT" sz="2400" dirty="0" smtClean="0"/>
+            <a:endParaRPr lang="it-IT" sz="2400" dirty="0"/>
           </a:p>
         </p:txBody>
       </p:sp>
@@ -7586,13 +7456,6 @@
   <p:clrMapOvr>
     <a:masterClrMapping/>
   </p:clrMapOvr>
-  <p:timing>
-    <p:tnLst>
-      <p:par>
-        <p:cTn id="1" dur="indefinite" restart="never" nodeType="tmRoot"/>
-      </p:par>
-    </p:tnLst>
-  </p:timing>
 </p:sld>
 </file>
 
@@ -7647,7 +7510,7 @@
         </p:nvSpPr>
         <p:spPr>
           <a:xfrm>
-            <a:off x="833681" y="958417"/>
+            <a:off x="905608" y="958417"/>
             <a:ext cx="7165731" cy="461665"/>
           </a:xfrm>
           <a:prstGeom prst="rect">
@@ -7662,10 +7525,9 @@
           <a:lstStyle/>
           <a:p>
             <a:r>
-              <a:rPr lang="it-IT" sz="2400" b="1" dirty="0" smtClean="0"/>
+              <a:rPr lang="it-IT" sz="2400" b="1" dirty="0"/>
               <a:t>Modifiche al codice del microcontrollore </a:t>
             </a:r>
-            <a:endParaRPr lang="it-IT" sz="2400" b="1" dirty="0"/>
           </a:p>
         </p:txBody>
       </p:sp>
@@ -7677,8 +7539,8 @@
         </p:nvSpPr>
         <p:spPr>
           <a:xfrm>
-            <a:off x="833681" y="2391508"/>
-            <a:ext cx="3940542" cy="2308324"/>
+            <a:off x="536332" y="2430675"/>
+            <a:ext cx="4554416" cy="3046988"/>
           </a:xfrm>
           <a:prstGeom prst="rect">
             <a:avLst/>
@@ -7696,16 +7558,16 @@
               <a:buChar char="•"/>
             </a:pPr>
             <a:r>
-              <a:rPr lang="it-IT" sz="2400" dirty="0" smtClean="0"/>
-              <a:t>Modifica della struttura dati </a:t>
-            </a:r>
-            <a:r>
-              <a:rPr lang="it-IT" sz="2400" dirty="0" err="1" smtClean="0"/>
-              <a:t>sensor_t</a:t>
-            </a:r>
-            <a:r>
               <a:rPr lang="it-IT" sz="2400" dirty="0"/>
-              <a:t> </a:t>
+              <a:t>Modifica della funzione </a:t>
+            </a:r>
+            <a:r>
+              <a:rPr lang="it-IT" sz="2400" dirty="0" err="1"/>
+              <a:t>EnvSensors_Read</a:t>
+            </a:r>
+            <a:r>
+              <a:rPr lang="it-IT" sz="2400" dirty="0"/>
+              <a:t>()</a:t>
             </a:r>
           </a:p>
           <a:p>
@@ -7713,10 +7575,10 @@
               <a:buFont typeface="Arial" panose="020B0604020202020204" pitchFamily="34" charset="0"/>
               <a:buChar char="•"/>
             </a:pPr>
-            <a:endParaRPr lang="it-IT" sz="2400" dirty="0" smtClean="0"/>
-          </a:p>
-          <a:p>
-            <a:endParaRPr lang="it-IT" sz="2400" dirty="0" smtClean="0"/>
+            <a:endParaRPr lang="it-IT" sz="2400" dirty="0"/>
+          </a:p>
+          <a:p>
+            <a:endParaRPr lang="it-IT" sz="2400" dirty="0"/>
           </a:p>
           <a:p>
             <a:pPr marL="285750" indent="-285750">
@@ -7724,10 +7586,193 @@
               <a:buChar char="•"/>
             </a:pPr>
             <a:r>
-              <a:rPr lang="it-IT" sz="2400" dirty="0" smtClean="0"/>
-              <a:t>Aggiunta delle nuove variabili di interesse</a:t>
+              <a:rPr lang="it-IT" sz="2400" dirty="0"/>
+              <a:t>Acquisizione dei dati dei sensori e relativa scrittura nella variabile </a:t>
+            </a:r>
+            <a:r>
+              <a:rPr lang="it-IT" sz="2400" dirty="0" err="1"/>
+              <a:t>sensor_data</a:t>
             </a:r>
             <a:endParaRPr lang="it-IT" sz="2400" dirty="0"/>
+          </a:p>
+          <a:p>
+            <a:endParaRPr lang="it-IT" sz="2400" dirty="0"/>
+          </a:p>
+        </p:txBody>
+      </p:sp>
+      <p:pic>
+        <p:nvPicPr>
+          <p:cNvPr id="2" name="Immagine 1"/>
+          <p:cNvPicPr>
+            <a:picLocks noChangeAspect="1"/>
+          </p:cNvPicPr>
+          <p:nvPr/>
+        </p:nvPicPr>
+        <p:blipFill>
+          <a:blip r:embed="rId2">
+            <a:extLst>
+              <a:ext uri="{28A0092B-C50C-407E-A947-70E740481C1C}">
+                <a14:useLocalDpi xmlns:a14="http://schemas.microsoft.com/office/drawing/2010/main" val="0"/>
+              </a:ext>
+            </a:extLst>
+          </a:blip>
+          <a:stretch>
+            <a:fillRect/>
+          </a:stretch>
+        </p:blipFill>
+        <p:spPr>
+          <a:xfrm>
+            <a:off x="5336931" y="2024171"/>
+            <a:ext cx="6515100" cy="3180875"/>
+          </a:xfrm>
+          <a:prstGeom prst="rect">
+            <a:avLst/>
+          </a:prstGeom>
+        </p:spPr>
+      </p:pic>
+    </p:spTree>
+    <p:extLst>
+      <p:ext uri="{BB962C8B-B14F-4D97-AF65-F5344CB8AC3E}">
+        <p14:creationId xmlns:p14="http://schemas.microsoft.com/office/powerpoint/2010/main" val="2968217483"/>
+      </p:ext>
+    </p:extLst>
+  </p:cSld>
+  <p:clrMapOvr>
+    <a:masterClrMapping/>
+  </p:clrMapOvr>
+</p:sld>
+</file>
+
+<file path=ppt/slides/slide8.xml><?xml version="1.0" encoding="utf-8"?>
+<p:sld xmlns:a="http://schemas.openxmlformats.org/drawingml/2006/main" xmlns:r="http://schemas.openxmlformats.org/officeDocument/2006/relationships" xmlns:p="http://schemas.openxmlformats.org/presentationml/2006/main">
+  <p:cSld>
+    <p:spTree>
+      <p:nvGrpSpPr>
+        <p:cNvPr id="1" name=""/>
+        <p:cNvGrpSpPr/>
+        <p:nvPr/>
+      </p:nvGrpSpPr>
+      <p:grpSpPr>
+        <a:xfrm>
+          <a:off x="0" y="0"/>
+          <a:ext cx="0" cy="0"/>
+          <a:chOff x="0" y="0"/>
+          <a:chExt cx="0" cy="0"/>
+        </a:xfrm>
+      </p:grpSpPr>
+      <p:sp>
+        <p:nvSpPr>
+          <p:cNvPr id="4" name="CasellaDiTesto 3"/>
+          <p:cNvSpPr txBox="1"/>
+          <p:nvPr/>
+        </p:nvSpPr>
+        <p:spPr>
+          <a:xfrm>
+            <a:off x="905608" y="589085"/>
+            <a:ext cx="7165731" cy="369332"/>
+          </a:xfrm>
+          <a:prstGeom prst="rect">
+            <a:avLst/>
+          </a:prstGeom>
+          <a:noFill/>
+        </p:spPr>
+        <p:txBody>
+          <a:bodyPr wrap="square" rtlCol="0">
+            <a:spAutoFit/>
+          </a:bodyPr>
+          <a:lstStyle/>
+          <a:p>
+            <a:endParaRPr lang="it-IT" dirty="0"/>
+          </a:p>
+        </p:txBody>
+      </p:sp>
+      <p:sp>
+        <p:nvSpPr>
+          <p:cNvPr id="5" name="CasellaDiTesto 4"/>
+          <p:cNvSpPr txBox="1"/>
+          <p:nvPr/>
+        </p:nvSpPr>
+        <p:spPr>
+          <a:xfrm>
+            <a:off x="833681" y="958417"/>
+            <a:ext cx="7165731" cy="461665"/>
+          </a:xfrm>
+          <a:prstGeom prst="rect">
+            <a:avLst/>
+          </a:prstGeom>
+          <a:noFill/>
+        </p:spPr>
+        <p:txBody>
+          <a:bodyPr wrap="square" rtlCol="0">
+            <a:spAutoFit/>
+          </a:bodyPr>
+          <a:lstStyle/>
+          <a:p>
+            <a:r>
+              <a:rPr lang="it-IT" sz="2400" b="1" dirty="0"/>
+              <a:t>Modifiche al codice del microcontrollore </a:t>
+            </a:r>
+          </a:p>
+        </p:txBody>
+      </p:sp>
+      <p:sp>
+        <p:nvSpPr>
+          <p:cNvPr id="7" name="CasellaDiTesto 6"/>
+          <p:cNvSpPr txBox="1"/>
+          <p:nvPr/>
+        </p:nvSpPr>
+        <p:spPr>
+          <a:xfrm>
+            <a:off x="833681" y="2391508"/>
+            <a:ext cx="3940542" cy="2308324"/>
+          </a:xfrm>
+          <a:prstGeom prst="rect">
+            <a:avLst/>
+          </a:prstGeom>
+          <a:noFill/>
+        </p:spPr>
+        <p:txBody>
+          <a:bodyPr wrap="square" rtlCol="0">
+            <a:spAutoFit/>
+          </a:bodyPr>
+          <a:lstStyle/>
+          <a:p>
+            <a:pPr marL="285750" indent="-285750">
+              <a:buFont typeface="Arial" panose="020B0604020202020204" pitchFamily="34" charset="0"/>
+              <a:buChar char="•"/>
+            </a:pPr>
+            <a:r>
+              <a:rPr lang="it-IT" sz="2400" dirty="0"/>
+              <a:t>Modifica della struttura dati </a:t>
+            </a:r>
+            <a:r>
+              <a:rPr lang="it-IT" sz="2400" dirty="0" err="1"/>
+              <a:t>sensor_t</a:t>
+            </a:r>
+            <a:r>
+              <a:rPr lang="it-IT" sz="2400" dirty="0"/>
+              <a:t> </a:t>
+            </a:r>
+          </a:p>
+          <a:p>
+            <a:pPr marL="285750" indent="-285750">
+              <a:buFont typeface="Arial" panose="020B0604020202020204" pitchFamily="34" charset="0"/>
+              <a:buChar char="•"/>
+            </a:pPr>
+            <a:endParaRPr lang="it-IT" sz="2400" dirty="0"/>
+          </a:p>
+          <a:p>
+            <a:endParaRPr lang="it-IT" sz="2400" dirty="0"/>
+          </a:p>
+          <a:p>
+            <a:pPr marL="285750" indent="-285750">
+              <a:buFont typeface="Arial" panose="020B0604020202020204" pitchFamily="34" charset="0"/>
+              <a:buChar char="•"/>
+            </a:pPr>
+            <a:r>
+              <a:rPr lang="it-IT" sz="2400" dirty="0"/>
+              <a:t>Aggiunta dei campi di interesse</a:t>
+            </a:r>
           </a:p>
         </p:txBody>
       </p:sp>
@@ -7771,209 +7816,6 @@
   <p:clrMapOvr>
     <a:masterClrMapping/>
   </p:clrMapOvr>
-  <p:timing>
-    <p:tnLst>
-      <p:par>
-        <p:cTn id="1" dur="indefinite" restart="never" nodeType="tmRoot"/>
-      </p:par>
-    </p:tnLst>
-  </p:timing>
-</p:sld>
-</file>
-
-<file path=ppt/slides/slide8.xml><?xml version="1.0" encoding="utf-8"?>
-<p:sld xmlns:a="http://schemas.openxmlformats.org/drawingml/2006/main" xmlns:r="http://schemas.openxmlformats.org/officeDocument/2006/relationships" xmlns:p="http://schemas.openxmlformats.org/presentationml/2006/main">
-  <p:cSld>
-    <p:spTree>
-      <p:nvGrpSpPr>
-        <p:cNvPr id="1" name=""/>
-        <p:cNvGrpSpPr/>
-        <p:nvPr/>
-      </p:nvGrpSpPr>
-      <p:grpSpPr>
-        <a:xfrm>
-          <a:off x="0" y="0"/>
-          <a:ext cx="0" cy="0"/>
-          <a:chOff x="0" y="0"/>
-          <a:chExt cx="0" cy="0"/>
-        </a:xfrm>
-      </p:grpSpPr>
-      <p:sp>
-        <p:nvSpPr>
-          <p:cNvPr id="4" name="CasellaDiTesto 3"/>
-          <p:cNvSpPr txBox="1"/>
-          <p:nvPr/>
-        </p:nvSpPr>
-        <p:spPr>
-          <a:xfrm>
-            <a:off x="905608" y="589085"/>
-            <a:ext cx="7165731" cy="369332"/>
-          </a:xfrm>
-          <a:prstGeom prst="rect">
-            <a:avLst/>
-          </a:prstGeom>
-          <a:noFill/>
-        </p:spPr>
-        <p:txBody>
-          <a:bodyPr wrap="square" rtlCol="0">
-            <a:spAutoFit/>
-          </a:bodyPr>
-          <a:lstStyle/>
-          <a:p>
-            <a:endParaRPr lang="it-IT" dirty="0"/>
-          </a:p>
-        </p:txBody>
-      </p:sp>
-      <p:sp>
-        <p:nvSpPr>
-          <p:cNvPr id="5" name="CasellaDiTesto 4"/>
-          <p:cNvSpPr txBox="1"/>
-          <p:nvPr/>
-        </p:nvSpPr>
-        <p:spPr>
-          <a:xfrm>
-            <a:off x="905608" y="958417"/>
-            <a:ext cx="7165731" cy="461665"/>
-          </a:xfrm>
-          <a:prstGeom prst="rect">
-            <a:avLst/>
-          </a:prstGeom>
-          <a:noFill/>
-        </p:spPr>
-        <p:txBody>
-          <a:bodyPr wrap="square" rtlCol="0">
-            <a:spAutoFit/>
-          </a:bodyPr>
-          <a:lstStyle/>
-          <a:p>
-            <a:r>
-              <a:rPr lang="it-IT" sz="2400" b="1" dirty="0" smtClean="0"/>
-              <a:t>Modifiche al codice del microcontrollore </a:t>
-            </a:r>
-            <a:endParaRPr lang="it-IT" sz="2400" b="1" dirty="0"/>
-          </a:p>
-        </p:txBody>
-      </p:sp>
-      <p:sp>
-        <p:nvSpPr>
-          <p:cNvPr id="7" name="CasellaDiTesto 6"/>
-          <p:cNvSpPr txBox="1"/>
-          <p:nvPr/>
-        </p:nvSpPr>
-        <p:spPr>
-          <a:xfrm>
-            <a:off x="536332" y="2430675"/>
-            <a:ext cx="4554416" cy="3046988"/>
-          </a:xfrm>
-          <a:prstGeom prst="rect">
-            <a:avLst/>
-          </a:prstGeom>
-          <a:noFill/>
-        </p:spPr>
-        <p:txBody>
-          <a:bodyPr wrap="square" rtlCol="0">
-            <a:spAutoFit/>
-          </a:bodyPr>
-          <a:lstStyle/>
-          <a:p>
-            <a:pPr marL="285750" indent="-285750">
-              <a:buFont typeface="Arial" panose="020B0604020202020204" pitchFamily="34" charset="0"/>
-              <a:buChar char="•"/>
-            </a:pPr>
-            <a:r>
-              <a:rPr lang="it-IT" sz="2400" dirty="0" smtClean="0"/>
-              <a:t>Modifica della funzione </a:t>
-            </a:r>
-            <a:r>
-              <a:rPr lang="it-IT" sz="2400" dirty="0" err="1" smtClean="0"/>
-              <a:t>EnvSensors_Read</a:t>
-            </a:r>
-            <a:r>
-              <a:rPr lang="it-IT" sz="2400" dirty="0" smtClean="0"/>
-              <a:t>()</a:t>
-            </a:r>
-          </a:p>
-          <a:p>
-            <a:pPr marL="285750" indent="-285750">
-              <a:buFont typeface="Arial" panose="020B0604020202020204" pitchFamily="34" charset="0"/>
-              <a:buChar char="•"/>
-            </a:pPr>
-            <a:endParaRPr lang="it-IT" sz="2400" dirty="0"/>
-          </a:p>
-          <a:p>
-            <a:endParaRPr lang="it-IT" sz="2400" dirty="0" smtClean="0"/>
-          </a:p>
-          <a:p>
-            <a:pPr marL="285750" indent="-285750">
-              <a:buFont typeface="Arial" panose="020B0604020202020204" pitchFamily="34" charset="0"/>
-              <a:buChar char="•"/>
-            </a:pPr>
-            <a:r>
-              <a:rPr lang="it-IT" sz="2400" dirty="0" smtClean="0"/>
-              <a:t>Acquisizione dei dati dei sensori nella struttura dati </a:t>
-            </a:r>
-            <a:r>
-              <a:rPr lang="it-IT" sz="2400" dirty="0" err="1"/>
-              <a:t>s</a:t>
-            </a:r>
-            <a:r>
-              <a:rPr lang="it-IT" sz="2400" dirty="0" err="1" smtClean="0"/>
-              <a:t>ensor_data</a:t>
-            </a:r>
-            <a:endParaRPr lang="it-IT" sz="2400" dirty="0"/>
-          </a:p>
-          <a:p>
-            <a:endParaRPr lang="it-IT" sz="2400" dirty="0" smtClean="0"/>
-          </a:p>
-        </p:txBody>
-      </p:sp>
-      <p:pic>
-        <p:nvPicPr>
-          <p:cNvPr id="2" name="Immagine 1"/>
-          <p:cNvPicPr>
-            <a:picLocks noChangeAspect="1"/>
-          </p:cNvPicPr>
-          <p:nvPr/>
-        </p:nvPicPr>
-        <p:blipFill>
-          <a:blip r:embed="rId2">
-            <a:extLst>
-              <a:ext uri="{28A0092B-C50C-407E-A947-70E740481C1C}">
-                <a14:useLocalDpi xmlns:a14="http://schemas.microsoft.com/office/drawing/2010/main" val="0"/>
-              </a:ext>
-            </a:extLst>
-          </a:blip>
-          <a:stretch>
-            <a:fillRect/>
-          </a:stretch>
-        </p:blipFill>
-        <p:spPr>
-          <a:xfrm>
-            <a:off x="5336931" y="2024171"/>
-            <a:ext cx="6515100" cy="3180875"/>
-          </a:xfrm>
-          <a:prstGeom prst="rect">
-            <a:avLst/>
-          </a:prstGeom>
-        </p:spPr>
-      </p:pic>
-    </p:spTree>
-    <p:extLst>
-      <p:ext uri="{BB962C8B-B14F-4D97-AF65-F5344CB8AC3E}">
-        <p14:creationId xmlns:p14="http://schemas.microsoft.com/office/powerpoint/2010/main" val="2968217483"/>
-      </p:ext>
-    </p:extLst>
-  </p:cSld>
-  <p:clrMapOvr>
-    <a:masterClrMapping/>
-  </p:clrMapOvr>
-  <p:timing>
-    <p:tnLst>
-      <p:par>
-        <p:cTn id="1" dur="indefinite" restart="never" nodeType="tmRoot"/>
-      </p:par>
-    </p:tnLst>
-  </p:timing>
 </p:sld>
 </file>
 
@@ -8043,10 +7885,9 @@
           <a:lstStyle/>
           <a:p>
             <a:r>
-              <a:rPr lang="it-IT" sz="2400" b="1" dirty="0" smtClean="0"/>
+              <a:rPr lang="it-IT" sz="2400" b="1" dirty="0"/>
               <a:t>Modifiche al codice del microcontrollore </a:t>
             </a:r>
-            <a:endParaRPr lang="it-IT" sz="2400" b="1" dirty="0"/>
           </a:p>
         </p:txBody>
       </p:sp>
@@ -8059,7 +7900,7 @@
         <p:spPr>
           <a:xfrm>
             <a:off x="536332" y="2430675"/>
-            <a:ext cx="4703883" cy="3416320"/>
+            <a:ext cx="4703883" cy="3785652"/>
           </a:xfrm>
           <a:prstGeom prst="rect">
             <a:avLst/>
@@ -8077,26 +7918,22 @@
               <a:buChar char="•"/>
             </a:pPr>
             <a:r>
-              <a:rPr lang="it-IT" sz="2400" dirty="0" smtClean="0"/>
+              <a:rPr lang="it-IT" sz="2400" dirty="0"/>
               <a:t>Modifica della funzione </a:t>
             </a:r>
             <a:r>
-              <a:rPr lang="it-IT" sz="2400" dirty="0" err="1" smtClean="0"/>
+              <a:rPr lang="it-IT" sz="2400" dirty="0" err="1"/>
               <a:t>SendTxData</a:t>
             </a:r>
             <a:r>
-              <a:rPr lang="it-IT" sz="2400" dirty="0" smtClean="0"/>
-              <a:t>() </a:t>
-            </a:r>
-            <a:r>
-              <a:rPr lang="it-IT" sz="2400" dirty="0" smtClean="0"/>
-              <a:t>per la comunicazione </a:t>
-            </a:r>
-            <a:r>
-              <a:rPr lang="it-IT" sz="2400" b="1" dirty="0" err="1" smtClean="0"/>
+              <a:rPr lang="it-IT" sz="2400" dirty="0"/>
+              <a:t>() per la comunicazione </a:t>
+            </a:r>
+            <a:r>
+              <a:rPr lang="it-IT" sz="2400" b="1" dirty="0" err="1"/>
               <a:t>uplink</a:t>
             </a:r>
-            <a:endParaRPr lang="it-IT" sz="2400" b="1" dirty="0" smtClean="0"/>
+            <a:endParaRPr lang="it-IT" sz="2400" b="1" dirty="0"/>
           </a:p>
           <a:p>
             <a:pPr marL="285750" indent="-285750">
@@ -8106,7 +7943,7 @@
             <a:endParaRPr lang="it-IT" sz="2400" dirty="0"/>
           </a:p>
           <a:p>
-            <a:endParaRPr lang="it-IT" sz="2400" dirty="0" smtClean="0"/>
+            <a:endParaRPr lang="it-IT" sz="2400" dirty="0"/>
           </a:p>
           <a:p>
             <a:pPr marL="285750" indent="-285750">
@@ -8114,16 +7951,15 @@
               <a:buChar char="•"/>
             </a:pPr>
             <a:r>
-              <a:rPr lang="it-IT" sz="2400" dirty="0" smtClean="0"/>
-              <a:t>Organizzazione dei dati nel buffer</a:t>
-            </a:r>
+              <a:rPr lang="it-IT" sz="2400" dirty="0"/>
+              <a:t>Organizzazione dei dati nel buffer in base alla modalità attiva</a:t>
+            </a:r>
+          </a:p>
+          <a:p>
             <a:endParaRPr lang="it-IT" sz="2400" dirty="0"/>
           </a:p>
           <a:p>
-            <a:endParaRPr lang="it-IT" sz="2400" dirty="0" smtClean="0"/>
-          </a:p>
-          <a:p>
-            <a:endParaRPr lang="it-IT" sz="2400" dirty="0" smtClean="0"/>
+            <a:endParaRPr lang="it-IT" sz="2400" dirty="0"/>
           </a:p>
         </p:txBody>
       </p:sp>
@@ -8167,13 +8003,6 @@
   <p:clrMapOvr>
     <a:masterClrMapping/>
   </p:clrMapOvr>
-  <p:timing>
-    <p:tnLst>
-      <p:par>
-        <p:cTn id="1" dur="indefinite" restart="never" nodeType="tmRoot"/>
-      </p:par>
-    </p:tnLst>
-  </p:timing>
 </p:sld>
 </file>
 
